--- a/doc/Meetings/StudyDataValidation-PHUSEWebinarWed-2020-03-25.pptx
+++ b/doc/Meetings/StudyDataValidation-PHUSEWebinarWed-2020-03-25.pptx
@@ -5,25 +5,24 @@
     <p:sldMasterId id="2147483648" r:id="rId1"/>
   </p:sldMasterIdLst>
   <p:notesMasterIdLst>
-    <p:notesMasterId r:id="rId15"/>
+    <p:notesMasterId r:id="rId14"/>
   </p:notesMasterIdLst>
   <p:handoutMasterIdLst>
-    <p:handoutMasterId r:id="rId16"/>
+    <p:handoutMasterId r:id="rId15"/>
   </p:handoutMasterIdLst>
   <p:sldIdLst>
     <p:sldId id="256" r:id="rId2"/>
     <p:sldId id="257" r:id="rId3"/>
     <p:sldId id="261" r:id="rId4"/>
     <p:sldId id="266" r:id="rId5"/>
-    <p:sldId id="267" r:id="rId6"/>
-    <p:sldId id="268" r:id="rId7"/>
-    <p:sldId id="269" r:id="rId8"/>
-    <p:sldId id="265" r:id="rId9"/>
-    <p:sldId id="262" r:id="rId10"/>
-    <p:sldId id="263" r:id="rId11"/>
-    <p:sldId id="270" r:id="rId12"/>
-    <p:sldId id="264" r:id="rId13"/>
-    <p:sldId id="260" r:id="rId14"/>
+    <p:sldId id="268" r:id="rId6"/>
+    <p:sldId id="269" r:id="rId7"/>
+    <p:sldId id="265" r:id="rId8"/>
+    <p:sldId id="262" r:id="rId9"/>
+    <p:sldId id="263" r:id="rId10"/>
+    <p:sldId id="270" r:id="rId11"/>
+    <p:sldId id="264" r:id="rId12"/>
+    <p:sldId id="260" r:id="rId13"/>
   </p:sldIdLst>
   <p:sldSz cx="9144000" cy="6858000" type="screen4x3"/>
   <p:notesSz cx="6858000" cy="9144000"/>
@@ -237,7 +236,7 @@
           <a:p>
             <a:fld id="{39227D07-0534-3345-A1F3-0CA33196057F}" type="datetimeFigureOut">
               <a:rPr lang="en-US" smtClean="0"/>
-              <a:t>3/19/2020</a:t>
+              <a:t>3/24/2020</a:t>
             </a:fld>
             <a:endParaRPr lang="en-US"/>
           </a:p>
@@ -1416,6 +1415,2838 @@
           <a:chExt cx="0" cy="0"/>
         </a:xfrm>
       </p:grpSpPr>
+      <p:sp>
+        <p:nvSpPr>
+          <p:cNvPr id="2" name="Title 1"/>
+          <p:cNvSpPr>
+            <a:spLocks noGrp="1"/>
+          </p:cNvSpPr>
+          <p:nvPr>
+            <p:ph type="title"/>
+          </p:nvPr>
+        </p:nvSpPr>
+        <p:spPr>
+          <a:xfrm>
+            <a:off x="265322" y="420272"/>
+            <a:ext cx="8369284" cy="1015637"/>
+          </a:xfrm>
+          <a:prstGeom prst="rect">
+            <a:avLst/>
+          </a:prstGeom>
+        </p:spPr>
+        <p:txBody>
+          <a:bodyPr/>
+          <a:lstStyle/>
+          <a:p>
+            <a:pPr algn="l"/>
+            <a:r>
+              <a:rPr lang="en-US" sz="4000" dirty="0">
+                <a:latin typeface="Helvetica Neue"/>
+                <a:cs typeface="Helvetica Neue"/>
+              </a:rPr>
+              <a:t>Impact</a:t>
+            </a:r>
+            <a:endParaRPr lang="en-US" sz="4000" b="1" dirty="0">
+              <a:solidFill>
+                <a:srgbClr val="BBBCBC"/>
+              </a:solidFill>
+              <a:latin typeface="Helvetica Neue"/>
+              <a:cs typeface="Helvetica Neue"/>
+            </a:endParaRPr>
+          </a:p>
+        </p:txBody>
+      </p:sp>
+      <p:sp>
+        <p:nvSpPr>
+          <p:cNvPr id="3" name="Content Placeholder 2"/>
+          <p:cNvSpPr>
+            <a:spLocks noGrp="1"/>
+          </p:cNvSpPr>
+          <p:nvPr>
+            <p:ph idx="4294967295"/>
+          </p:nvPr>
+        </p:nvSpPr>
+        <p:spPr>
+          <a:xfrm>
+            <a:off x="265322" y="1600201"/>
+            <a:ext cx="8662778" cy="3834837"/>
+          </a:xfrm>
+          <a:prstGeom prst="rect">
+            <a:avLst/>
+          </a:prstGeom>
+        </p:spPr>
+        <p:txBody>
+          <a:bodyPr/>
+          <a:lstStyle/>
+          <a:p>
+            <a:pPr marL="0" indent="0">
+              <a:buNone/>
+            </a:pPr>
+            <a:r>
+              <a:rPr lang="en-US" dirty="0">
+                <a:latin typeface="Helvetica Neue"/>
+                <a:cs typeface="Helvetica Neue"/>
+              </a:rPr>
+              <a:t>Paradigm shift to </a:t>
+            </a:r>
+            <a:r>
+              <a:rPr lang="en-US" b="1" dirty="0">
+                <a:latin typeface="Helvetica Neue"/>
+                <a:cs typeface="Helvetica Neue"/>
+              </a:rPr>
+              <a:t>data-centric </a:t>
+            </a:r>
+            <a:r>
+              <a:rPr lang="en-US" dirty="0">
+                <a:latin typeface="Helvetica Neue"/>
+                <a:cs typeface="Helvetica Neue"/>
+              </a:rPr>
+              <a:t>approach</a:t>
+            </a:r>
+          </a:p>
+          <a:p>
+            <a:r>
+              <a:rPr lang="en-US" dirty="0">
+                <a:latin typeface="Helvetica Neue"/>
+                <a:cs typeface="Helvetica Neue"/>
+              </a:rPr>
+              <a:t>Higher data quality</a:t>
+            </a:r>
+          </a:p>
+          <a:p>
+            <a:r>
+              <a:rPr lang="en-US" dirty="0">
+                <a:latin typeface="Helvetica Neue"/>
+                <a:cs typeface="Helvetica Neue"/>
+              </a:rPr>
+              <a:t>Successful submissions</a:t>
+            </a:r>
+          </a:p>
+          <a:p>
+            <a:r>
+              <a:rPr lang="en-US" dirty="0">
+                <a:latin typeface="Helvetica Neue"/>
+                <a:cs typeface="Helvetica Neue"/>
+              </a:rPr>
+              <a:t>New insights</a:t>
+            </a:r>
+          </a:p>
+          <a:p>
+            <a:r>
+              <a:rPr lang="en-US" b="1" i="1" dirty="0">
+                <a:latin typeface="Helvetica Neue"/>
+                <a:cs typeface="Helvetica Neue"/>
+              </a:rPr>
+              <a:t>Faster delivery of therapies to patients</a:t>
+            </a:r>
+          </a:p>
+        </p:txBody>
+      </p:sp>
+    </p:spTree>
+    <p:extLst>
+      <p:ext uri="{BB962C8B-B14F-4D97-AF65-F5344CB8AC3E}">
+        <p14:creationId xmlns:p14="http://schemas.microsoft.com/office/powerpoint/2010/main" val="3190843788"/>
+      </p:ext>
+    </p:extLst>
+  </p:cSld>
+  <p:clrMapOvr>
+    <a:masterClrMapping/>
+  </p:clrMapOvr>
+</p:sld>
+</file>
+
+<file path=ppt/slides/slide11.xml><?xml version="1.0" encoding="utf-8"?>
+<p:sld xmlns:a="http://schemas.openxmlformats.org/drawingml/2006/main" xmlns:r="http://schemas.openxmlformats.org/officeDocument/2006/relationships" xmlns:p="http://schemas.openxmlformats.org/presentationml/2006/main" showMasterSp="0">
+  <p:cSld>
+    <p:bg>
+      <p:bgPr>
+        <a:blipFill dpi="0" rotWithShape="1">
+          <a:blip r:embed="rId2">
+            <a:lum/>
+          </a:blip>
+          <a:srcRect/>
+          <a:stretch>
+            <a:fillRect r="-6000"/>
+          </a:stretch>
+        </a:blipFill>
+        <a:effectLst/>
+      </p:bgPr>
+    </p:bg>
+    <p:spTree>
+      <p:nvGrpSpPr>
+        <p:cNvPr id="1" name=""/>
+        <p:cNvGrpSpPr/>
+        <p:nvPr/>
+      </p:nvGrpSpPr>
+      <p:grpSpPr>
+        <a:xfrm>
+          <a:off x="0" y="0"/>
+          <a:ext cx="0" cy="0"/>
+          <a:chOff x="0" y="0"/>
+          <a:chExt cx="0" cy="0"/>
+        </a:xfrm>
+      </p:grpSpPr>
+      <p:sp>
+        <p:nvSpPr>
+          <p:cNvPr id="2" name="Title 1"/>
+          <p:cNvSpPr>
+            <a:spLocks noGrp="1"/>
+          </p:cNvSpPr>
+          <p:nvPr>
+            <p:ph type="title"/>
+          </p:nvPr>
+        </p:nvSpPr>
+        <p:spPr>
+          <a:xfrm>
+            <a:off x="265322" y="420272"/>
+            <a:ext cx="8369284" cy="1015637"/>
+          </a:xfrm>
+          <a:prstGeom prst="rect">
+            <a:avLst/>
+          </a:prstGeom>
+        </p:spPr>
+        <p:txBody>
+          <a:bodyPr/>
+          <a:lstStyle/>
+          <a:p>
+            <a:pPr algn="l"/>
+            <a:r>
+              <a:rPr lang="en-US" sz="4000" dirty="0">
+                <a:latin typeface="Helvetica Neue"/>
+                <a:cs typeface="Helvetica Neue"/>
+              </a:rPr>
+              <a:t>We need your help!</a:t>
+            </a:r>
+            <a:endParaRPr lang="en-US" sz="4000" b="1" dirty="0">
+              <a:solidFill>
+                <a:srgbClr val="BBBCBC"/>
+              </a:solidFill>
+              <a:latin typeface="Helvetica Neue"/>
+              <a:cs typeface="Helvetica Neue"/>
+            </a:endParaRPr>
+          </a:p>
+        </p:txBody>
+      </p:sp>
+      <p:sp>
+        <p:nvSpPr>
+          <p:cNvPr id="3" name="Content Placeholder 2"/>
+          <p:cNvSpPr>
+            <a:spLocks noGrp="1"/>
+          </p:cNvSpPr>
+          <p:nvPr>
+            <p:ph idx="4294967295"/>
+          </p:nvPr>
+        </p:nvSpPr>
+        <p:spPr>
+          <a:xfrm>
+            <a:off x="468523" y="1222661"/>
+            <a:ext cx="8369284" cy="2725396"/>
+          </a:xfrm>
+          <a:prstGeom prst="rect">
+            <a:avLst/>
+          </a:prstGeom>
+        </p:spPr>
+        <p:txBody>
+          <a:bodyPr/>
+          <a:lstStyle/>
+          <a:p>
+            <a:r>
+              <a:rPr lang="en-US" b="1" dirty="0">
+                <a:latin typeface="Helvetica Neue"/>
+                <a:cs typeface="Helvetica Neue"/>
+              </a:rPr>
+              <a:t>Project Co-lead</a:t>
+            </a:r>
+            <a:r>
+              <a:rPr lang="en-US" dirty="0">
+                <a:latin typeface="Helvetica Neue"/>
+                <a:cs typeface="Helvetica Neue"/>
+              </a:rPr>
+              <a:t>: </a:t>
+            </a:r>
+            <a:r>
+              <a:rPr lang="en-US" dirty="0" err="1">
+                <a:latin typeface="Helvetica Neue"/>
+                <a:cs typeface="Helvetica Neue"/>
+              </a:rPr>
+              <a:t>Ontologist</a:t>
+            </a:r>
+            <a:r>
+              <a:rPr lang="en-US" dirty="0">
+                <a:latin typeface="Helvetica Neue"/>
+                <a:cs typeface="Helvetica Neue"/>
+              </a:rPr>
+              <a:t> with Clinical Experience</a:t>
+            </a:r>
+          </a:p>
+          <a:p>
+            <a:r>
+              <a:rPr lang="en-US" dirty="0">
+                <a:latin typeface="Helvetica Neue"/>
+                <a:cs typeface="Helvetica Neue"/>
+              </a:rPr>
+              <a:t>Protege, </a:t>
+            </a:r>
+            <a:r>
+              <a:rPr lang="en-US" dirty="0" err="1">
+                <a:latin typeface="Helvetica Neue"/>
+                <a:cs typeface="Helvetica Neue"/>
+              </a:rPr>
+              <a:t>WebProtege</a:t>
+            </a:r>
+            <a:endParaRPr lang="en-US" dirty="0">
+              <a:latin typeface="Helvetica Neue"/>
+              <a:cs typeface="Helvetica Neue"/>
+            </a:endParaRPr>
+          </a:p>
+          <a:p>
+            <a:r>
+              <a:rPr lang="en-US" dirty="0">
+                <a:latin typeface="Helvetica Neue"/>
+                <a:cs typeface="Helvetica Neue"/>
+              </a:rPr>
+              <a:t>Linked Data, R, Python, Markdown...or want to learn!</a:t>
+            </a:r>
+          </a:p>
+        </p:txBody>
+      </p:sp>
+      <p:pic>
+        <p:nvPicPr>
+          <p:cNvPr id="1026" name="Picture 2" descr="Image result for help wanted">
+            <a:extLst>
+              <a:ext uri="{FF2B5EF4-FFF2-40B4-BE49-F238E27FC236}">
+                <a16:creationId xmlns:a16="http://schemas.microsoft.com/office/drawing/2014/main" id="{51B63FC6-BBFD-433E-9BBC-E955EF6F6FA6}"/>
+              </a:ext>
+            </a:extLst>
+          </p:cNvPr>
+          <p:cNvPicPr>
+            <a:picLocks noChangeAspect="1" noChangeArrowheads="1"/>
+          </p:cNvPicPr>
+          <p:nvPr/>
+        </p:nvPicPr>
+        <p:blipFill>
+          <a:blip r:embed="rId3">
+            <a:extLst>
+              <a:ext uri="{28A0092B-C50C-407E-A947-70E740481C1C}">
+                <a14:useLocalDpi xmlns:a14="http://schemas.microsoft.com/office/drawing/2010/main" val="0"/>
+              </a:ext>
+            </a:extLst>
+          </a:blip>
+          <a:srcRect/>
+          <a:stretch>
+            <a:fillRect/>
+          </a:stretch>
+        </p:blipFill>
+        <p:spPr bwMode="auto">
+          <a:xfrm rot="20559325">
+            <a:off x="7624214" y="243653"/>
+            <a:ext cx="1113066" cy="844178"/>
+          </a:xfrm>
+          <a:prstGeom prst="rect">
+            <a:avLst/>
+          </a:prstGeom>
+          <a:noFill/>
+          <a:extLst>
+            <a:ext uri="{909E8E84-426E-40DD-AFC4-6F175D3DCCD1}">
+              <a14:hiddenFill xmlns:a14="http://schemas.microsoft.com/office/drawing/2010/main">
+                <a:solidFill>
+                  <a:srgbClr val="FFFFFF"/>
+                </a:solidFill>
+              </a14:hiddenFill>
+            </a:ext>
+          </a:extLst>
+        </p:spPr>
+      </p:pic>
+      <p:sp>
+        <p:nvSpPr>
+          <p:cNvPr id="4" name="Rectangle 3">
+            <a:extLst>
+              <a:ext uri="{FF2B5EF4-FFF2-40B4-BE49-F238E27FC236}">
+                <a16:creationId xmlns:a16="http://schemas.microsoft.com/office/drawing/2014/main" id="{82BBDFA4-3970-4F67-A61E-2AE7B728180E}"/>
+              </a:ext>
+            </a:extLst>
+          </p:cNvPr>
+          <p:cNvSpPr/>
+          <p:nvPr/>
+        </p:nvSpPr>
+        <p:spPr>
+          <a:xfrm>
+            <a:off x="2740578" y="4349611"/>
+            <a:ext cx="5659370" cy="707886"/>
+          </a:xfrm>
+          <a:prstGeom prst="rect">
+            <a:avLst/>
+          </a:prstGeom>
+        </p:spPr>
+        <p:txBody>
+          <a:bodyPr wrap="none">
+            <a:spAutoFit/>
+          </a:bodyPr>
+          <a:lstStyle/>
+          <a:p>
+            <a:r>
+              <a:rPr lang="en-US" sz="4000" dirty="0">
+                <a:solidFill>
+                  <a:schemeClr val="tx2">
+                    <a:lumMod val="60000"/>
+                    <a:lumOff val="40000"/>
+                  </a:schemeClr>
+                </a:solidFill>
+              </a:rPr>
+              <a:t>workinggroups@phuse.eu</a:t>
+            </a:r>
+          </a:p>
+        </p:txBody>
+      </p:sp>
+      <p:sp>
+        <p:nvSpPr>
+          <p:cNvPr id="5" name="TextBox 4">
+            <a:extLst>
+              <a:ext uri="{FF2B5EF4-FFF2-40B4-BE49-F238E27FC236}">
+                <a16:creationId xmlns:a16="http://schemas.microsoft.com/office/drawing/2014/main" id="{A3560439-CEDC-42C0-9891-C7E71719297D}"/>
+              </a:ext>
+            </a:extLst>
+          </p:cNvPr>
+          <p:cNvSpPr txBox="1"/>
+          <p:nvPr/>
+        </p:nvSpPr>
+        <p:spPr>
+          <a:xfrm>
+            <a:off x="880902" y="4484976"/>
+            <a:ext cx="1859676" cy="523220"/>
+          </a:xfrm>
+          <a:prstGeom prst="rect">
+            <a:avLst/>
+          </a:prstGeom>
+          <a:noFill/>
+        </p:spPr>
+        <p:txBody>
+          <a:bodyPr wrap="none" rtlCol="0">
+            <a:spAutoFit/>
+          </a:bodyPr>
+          <a:lstStyle/>
+          <a:p>
+            <a:r>
+              <a:rPr lang="en-US" sz="2800" dirty="0"/>
+              <a:t>Email us at:</a:t>
+            </a:r>
+          </a:p>
+        </p:txBody>
+      </p:sp>
+    </p:spTree>
+    <p:extLst>
+      <p:ext uri="{BB962C8B-B14F-4D97-AF65-F5344CB8AC3E}">
+        <p14:creationId xmlns:p14="http://schemas.microsoft.com/office/powerpoint/2010/main" val="269597887"/>
+      </p:ext>
+    </p:extLst>
+  </p:cSld>
+  <p:clrMapOvr>
+    <a:masterClrMapping/>
+  </p:clrMapOvr>
+</p:sld>
+</file>
+
+<file path=ppt/slides/slide12.xml><?xml version="1.0" encoding="utf-8"?>
+<p:sld xmlns:a="http://schemas.openxmlformats.org/drawingml/2006/main" xmlns:r="http://schemas.openxmlformats.org/officeDocument/2006/relationships" xmlns:p="http://schemas.openxmlformats.org/presentationml/2006/main" showMasterSp="0">
+  <p:cSld>
+    <p:bg>
+      <p:bgPr>
+        <a:blipFill dpi="0" rotWithShape="1">
+          <a:blip r:embed="rId2">
+            <a:lum/>
+          </a:blip>
+          <a:srcRect/>
+          <a:stretch>
+            <a:fillRect r="-6000"/>
+          </a:stretch>
+        </a:blipFill>
+        <a:effectLst/>
+      </p:bgPr>
+    </p:bg>
+    <p:spTree>
+      <p:nvGrpSpPr>
+        <p:cNvPr id="1" name=""/>
+        <p:cNvGrpSpPr/>
+        <p:nvPr/>
+      </p:nvGrpSpPr>
+      <p:grpSpPr>
+        <a:xfrm>
+          <a:off x="0" y="0"/>
+          <a:ext cx="0" cy="0"/>
+          <a:chOff x="0" y="0"/>
+          <a:chExt cx="0" cy="0"/>
+        </a:xfrm>
+      </p:grpSpPr>
+      <p:sp>
+        <p:nvSpPr>
+          <p:cNvPr id="2" name="TextBox 1">
+            <a:extLst>
+              <a:ext uri="{FF2B5EF4-FFF2-40B4-BE49-F238E27FC236}">
+                <a16:creationId xmlns:a16="http://schemas.microsoft.com/office/drawing/2014/main" id="{87FF9F14-71C8-4B7F-8438-B7889DB69F65}"/>
+              </a:ext>
+            </a:extLst>
+          </p:cNvPr>
+          <p:cNvSpPr txBox="1"/>
+          <p:nvPr/>
+        </p:nvSpPr>
+        <p:spPr>
+          <a:xfrm>
+            <a:off x="2578100" y="2413000"/>
+            <a:ext cx="3500574" cy="923330"/>
+          </a:xfrm>
+          <a:prstGeom prst="rect">
+            <a:avLst/>
+          </a:prstGeom>
+          <a:noFill/>
+        </p:spPr>
+        <p:txBody>
+          <a:bodyPr wrap="none" rtlCol="0">
+            <a:spAutoFit/>
+          </a:bodyPr>
+          <a:lstStyle/>
+          <a:p>
+            <a:r>
+              <a:rPr lang="en-US" sz="5400" dirty="0">
+                <a:latin typeface="Cambria" panose="02040503050406030204" pitchFamily="18" charset="0"/>
+                <a:ea typeface="Cambria" panose="02040503050406030204" pitchFamily="18" charset="0"/>
+              </a:rPr>
+              <a:t>Thank you!</a:t>
+            </a:r>
+          </a:p>
+        </p:txBody>
+      </p:sp>
+    </p:spTree>
+    <p:extLst>
+      <p:ext uri="{BB962C8B-B14F-4D97-AF65-F5344CB8AC3E}">
+        <p14:creationId xmlns:p14="http://schemas.microsoft.com/office/powerpoint/2010/main" val="1004527406"/>
+      </p:ext>
+    </p:extLst>
+  </p:cSld>
+  <p:clrMapOvr>
+    <a:masterClrMapping/>
+  </p:clrMapOvr>
+</p:sld>
+</file>
+
+<file path=ppt/slides/slide2.xml><?xml version="1.0" encoding="utf-8"?>
+<p:sld xmlns:a="http://schemas.openxmlformats.org/drawingml/2006/main" xmlns:r="http://schemas.openxmlformats.org/officeDocument/2006/relationships" xmlns:p="http://schemas.openxmlformats.org/presentationml/2006/main" showMasterSp="0">
+  <p:cSld>
+    <p:bg>
+      <p:bgPr>
+        <a:blipFill dpi="0" rotWithShape="1">
+          <a:blip r:embed="rId2">
+            <a:lum/>
+          </a:blip>
+          <a:srcRect/>
+          <a:stretch>
+            <a:fillRect r="-6000"/>
+          </a:stretch>
+        </a:blipFill>
+        <a:effectLst/>
+      </p:bgPr>
+    </p:bg>
+    <p:spTree>
+      <p:nvGrpSpPr>
+        <p:cNvPr id="1" name=""/>
+        <p:cNvGrpSpPr/>
+        <p:nvPr/>
+      </p:nvGrpSpPr>
+      <p:grpSpPr>
+        <a:xfrm>
+          <a:off x="0" y="0"/>
+          <a:ext cx="0" cy="0"/>
+          <a:chOff x="0" y="0"/>
+          <a:chExt cx="0" cy="0"/>
+        </a:xfrm>
+      </p:grpSpPr>
+      <p:sp>
+        <p:nvSpPr>
+          <p:cNvPr id="2" name="Title 1"/>
+          <p:cNvSpPr>
+            <a:spLocks noGrp="1"/>
+          </p:cNvSpPr>
+          <p:nvPr>
+            <p:ph type="title"/>
+          </p:nvPr>
+        </p:nvSpPr>
+        <p:spPr>
+          <a:xfrm>
+            <a:off x="265322" y="420272"/>
+            <a:ext cx="8369284" cy="1015637"/>
+          </a:xfrm>
+          <a:prstGeom prst="rect">
+            <a:avLst/>
+          </a:prstGeom>
+        </p:spPr>
+        <p:txBody>
+          <a:bodyPr/>
+          <a:lstStyle/>
+          <a:p>
+            <a:pPr algn="l"/>
+            <a:r>
+              <a:rPr lang="en-US" sz="4000" b="1" dirty="0">
+                <a:solidFill>
+                  <a:srgbClr val="BBBCBC"/>
+                </a:solidFill>
+                <a:latin typeface="Helvetica Neue"/>
+                <a:cs typeface="Helvetica Neue"/>
+              </a:rPr>
+              <a:t>Project Leads</a:t>
+            </a:r>
+          </a:p>
+        </p:txBody>
+      </p:sp>
+      <p:sp>
+        <p:nvSpPr>
+          <p:cNvPr id="3" name="Content Placeholder 2"/>
+          <p:cNvSpPr>
+            <a:spLocks noGrp="1"/>
+          </p:cNvSpPr>
+          <p:nvPr>
+            <p:ph idx="4294967295"/>
+          </p:nvPr>
+        </p:nvSpPr>
+        <p:spPr>
+          <a:xfrm>
+            <a:off x="2527300" y="1600201"/>
+            <a:ext cx="6451600" cy="1390425"/>
+          </a:xfrm>
+          <a:prstGeom prst="rect">
+            <a:avLst/>
+          </a:prstGeom>
+        </p:spPr>
+        <p:txBody>
+          <a:bodyPr/>
+          <a:lstStyle/>
+          <a:p>
+            <a:r>
+              <a:rPr lang="en-US" sz="2800" b="1" dirty="0">
+                <a:latin typeface="Helvetica Neue"/>
+                <a:cs typeface="Helvetica Neue"/>
+              </a:rPr>
+              <a:t>Project Lead</a:t>
+            </a:r>
+          </a:p>
+          <a:p>
+            <a:pPr marL="457200" lvl="1" indent="0">
+              <a:buNone/>
+            </a:pPr>
+            <a:r>
+              <a:rPr lang="en-US" sz="2400" dirty="0">
+                <a:latin typeface="Helvetica Neue"/>
+                <a:cs typeface="Helvetica Neue"/>
+              </a:rPr>
+              <a:t>- Tim Williams, UCB Biosciences</a:t>
+            </a:r>
+          </a:p>
+          <a:p>
+            <a:endParaRPr lang="en-US" sz="2800" dirty="0">
+              <a:latin typeface="Helvetica Neue"/>
+              <a:cs typeface="Helvetica Neue"/>
+            </a:endParaRPr>
+          </a:p>
+          <a:p>
+            <a:pPr marL="457200" lvl="1" indent="0">
+              <a:buNone/>
+            </a:pPr>
+            <a:endParaRPr lang="en-US" dirty="0">
+              <a:latin typeface="Helvetica Neue"/>
+              <a:cs typeface="Helvetica Neue"/>
+            </a:endParaRPr>
+          </a:p>
+          <a:p>
+            <a:pPr marL="0" indent="0">
+              <a:buNone/>
+            </a:pPr>
+            <a:endParaRPr lang="en-US" sz="2800" dirty="0">
+              <a:latin typeface="Helvetica Neue"/>
+              <a:cs typeface="Helvetica Neue"/>
+            </a:endParaRPr>
+          </a:p>
+        </p:txBody>
+      </p:sp>
+      <p:pic>
+        <p:nvPicPr>
+          <p:cNvPr id="4" name="Picture 3">
+            <a:extLst>
+              <a:ext uri="{FF2B5EF4-FFF2-40B4-BE49-F238E27FC236}">
+                <a16:creationId xmlns:a16="http://schemas.microsoft.com/office/drawing/2014/main" id="{A14CBDA2-69F8-4090-8530-39E345C55541}"/>
+              </a:ext>
+            </a:extLst>
+          </p:cNvPr>
+          <p:cNvPicPr>
+            <a:picLocks noChangeAspect="1"/>
+          </p:cNvPicPr>
+          <p:nvPr/>
+        </p:nvPicPr>
+        <p:blipFill>
+          <a:blip r:embed="rId3"/>
+          <a:stretch>
+            <a:fillRect/>
+          </a:stretch>
+        </p:blipFill>
+        <p:spPr>
+          <a:xfrm>
+            <a:off x="1338580" y="1600201"/>
+            <a:ext cx="1188720" cy="1193693"/>
+          </a:xfrm>
+          <a:prstGeom prst="rect">
+            <a:avLst/>
+          </a:prstGeom>
+        </p:spPr>
+      </p:pic>
+      <p:sp>
+        <p:nvSpPr>
+          <p:cNvPr id="5" name="Rectangle 4">
+            <a:extLst>
+              <a:ext uri="{FF2B5EF4-FFF2-40B4-BE49-F238E27FC236}">
+                <a16:creationId xmlns:a16="http://schemas.microsoft.com/office/drawing/2014/main" id="{EAE0A66C-2B63-4210-9497-7685E4624E9A}"/>
+              </a:ext>
+            </a:extLst>
+          </p:cNvPr>
+          <p:cNvSpPr/>
+          <p:nvPr/>
+        </p:nvSpPr>
+        <p:spPr>
+          <a:xfrm>
+            <a:off x="1602889" y="3569763"/>
+            <a:ext cx="7272169" cy="892552"/>
+          </a:xfrm>
+          <a:prstGeom prst="rect">
+            <a:avLst/>
+          </a:prstGeom>
+        </p:spPr>
+        <p:txBody>
+          <a:bodyPr wrap="square">
+            <a:spAutoFit/>
+          </a:bodyPr>
+          <a:lstStyle/>
+          <a:p>
+            <a:pPr marL="457200" indent="-457200">
+              <a:buFont typeface="Arial" panose="020B0604020202020204" pitchFamily="34" charset="0"/>
+              <a:buChar char="•"/>
+            </a:pPr>
+            <a:r>
+              <a:rPr lang="en-US" sz="2800" b="1" dirty="0">
+                <a:latin typeface="Helvetica Neue"/>
+                <a:cs typeface="Helvetica Neue"/>
+              </a:rPr>
+              <a:t>Ontology Development Consultant</a:t>
+            </a:r>
+          </a:p>
+          <a:p>
+            <a:pPr lvl="1"/>
+            <a:r>
+              <a:rPr lang="en-US" sz="2400" dirty="0">
+                <a:latin typeface="Helvetica Neue"/>
+                <a:cs typeface="Helvetica Neue"/>
+              </a:rPr>
+              <a:t>- Dr. Armando Oliva, </a:t>
+            </a:r>
+            <a:r>
+              <a:rPr lang="en-US" sz="2400" dirty="0" err="1">
+                <a:latin typeface="Helvetica Neue"/>
+                <a:cs typeface="Helvetica Neue"/>
+              </a:rPr>
+              <a:t>Semantica</a:t>
+            </a:r>
+            <a:r>
+              <a:rPr lang="en-US" sz="2400" dirty="0">
+                <a:latin typeface="Helvetica Neue"/>
+                <a:cs typeface="Helvetica Neue"/>
+              </a:rPr>
+              <a:t> LLC (retired)</a:t>
+            </a:r>
+          </a:p>
+        </p:txBody>
+      </p:sp>
+    </p:spTree>
+    <p:extLst>
+      <p:ext uri="{BB962C8B-B14F-4D97-AF65-F5344CB8AC3E}">
+        <p14:creationId xmlns:p14="http://schemas.microsoft.com/office/powerpoint/2010/main" val="581032234"/>
+      </p:ext>
+    </p:extLst>
+  </p:cSld>
+  <p:clrMapOvr>
+    <a:masterClrMapping/>
+  </p:clrMapOvr>
+</p:sld>
+</file>
+
+<file path=ppt/slides/slide3.xml><?xml version="1.0" encoding="utf-8"?>
+<p:sld xmlns:a="http://schemas.openxmlformats.org/drawingml/2006/main" xmlns:r="http://schemas.openxmlformats.org/officeDocument/2006/relationships" xmlns:p="http://schemas.openxmlformats.org/presentationml/2006/main" showMasterSp="0">
+  <p:cSld>
+    <p:bg>
+      <p:bgPr>
+        <a:blipFill dpi="0" rotWithShape="1">
+          <a:blip r:embed="rId2">
+            <a:lum/>
+          </a:blip>
+          <a:srcRect/>
+          <a:stretch>
+            <a:fillRect r="-6000"/>
+          </a:stretch>
+        </a:blipFill>
+        <a:effectLst/>
+      </p:bgPr>
+    </p:bg>
+    <p:spTree>
+      <p:nvGrpSpPr>
+        <p:cNvPr id="1" name=""/>
+        <p:cNvGrpSpPr/>
+        <p:nvPr/>
+      </p:nvGrpSpPr>
+      <p:grpSpPr>
+        <a:xfrm>
+          <a:off x="0" y="0"/>
+          <a:ext cx="0" cy="0"/>
+          <a:chOff x="0" y="0"/>
+          <a:chExt cx="0" cy="0"/>
+        </a:xfrm>
+      </p:grpSpPr>
+      <p:sp>
+        <p:nvSpPr>
+          <p:cNvPr id="2" name="Title 1"/>
+          <p:cNvSpPr>
+            <a:spLocks noGrp="1"/>
+          </p:cNvSpPr>
+          <p:nvPr>
+            <p:ph type="title"/>
+          </p:nvPr>
+        </p:nvSpPr>
+        <p:spPr>
+          <a:xfrm>
+            <a:off x="265322" y="420272"/>
+            <a:ext cx="8369284" cy="1015637"/>
+          </a:xfrm>
+          <a:prstGeom prst="rect">
+            <a:avLst/>
+          </a:prstGeom>
+        </p:spPr>
+        <p:txBody>
+          <a:bodyPr/>
+          <a:lstStyle/>
+          <a:p>
+            <a:pPr algn="l"/>
+            <a:r>
+              <a:rPr lang="en-US" sz="4000" dirty="0">
+                <a:latin typeface="Helvetica Neue"/>
+                <a:cs typeface="Helvetica Neue"/>
+              </a:rPr>
+              <a:t>Project Collaboration</a:t>
+            </a:r>
+            <a:endParaRPr lang="en-US" sz="4000" b="1" dirty="0">
+              <a:solidFill>
+                <a:srgbClr val="BBBCBC"/>
+              </a:solidFill>
+              <a:latin typeface="Helvetica Neue"/>
+              <a:cs typeface="Helvetica Neue"/>
+            </a:endParaRPr>
+          </a:p>
+        </p:txBody>
+      </p:sp>
+      <p:sp>
+        <p:nvSpPr>
+          <p:cNvPr id="3" name="Content Placeholder 2"/>
+          <p:cNvSpPr>
+            <a:spLocks noGrp="1"/>
+          </p:cNvSpPr>
+          <p:nvPr>
+            <p:ph idx="4294967295"/>
+          </p:nvPr>
+        </p:nvSpPr>
+        <p:spPr>
+          <a:xfrm>
+            <a:off x="265322" y="1600201"/>
+            <a:ext cx="8369284" cy="3834837"/>
+          </a:xfrm>
+          <a:prstGeom prst="rect">
+            <a:avLst/>
+          </a:prstGeom>
+        </p:spPr>
+        <p:txBody>
+          <a:bodyPr/>
+          <a:lstStyle/>
+          <a:p>
+            <a:r>
+              <a:rPr lang="en-US" dirty="0">
+                <a:latin typeface="Helvetica Neue"/>
+                <a:cs typeface="Helvetica Neue"/>
+              </a:rPr>
+              <a:t>PHUSE </a:t>
+            </a:r>
+          </a:p>
+          <a:p>
+            <a:r>
+              <a:rPr lang="en-US" dirty="0">
+                <a:latin typeface="Helvetica Neue"/>
+                <a:cs typeface="Helvetica Neue"/>
+              </a:rPr>
+              <a:t>FDA (preclinical submissions)</a:t>
+            </a:r>
+          </a:p>
+          <a:p>
+            <a:r>
+              <a:rPr lang="en-US" dirty="0">
+                <a:latin typeface="Helvetica Neue"/>
+                <a:cs typeface="Helvetica Neue"/>
+              </a:rPr>
+              <a:t>Academia (pending/TBA)</a:t>
+            </a:r>
+          </a:p>
+        </p:txBody>
+      </p:sp>
+    </p:spTree>
+    <p:extLst>
+      <p:ext uri="{BB962C8B-B14F-4D97-AF65-F5344CB8AC3E}">
+        <p14:creationId xmlns:p14="http://schemas.microsoft.com/office/powerpoint/2010/main" val="1657060191"/>
+      </p:ext>
+    </p:extLst>
+  </p:cSld>
+  <p:clrMapOvr>
+    <a:masterClrMapping/>
+  </p:clrMapOvr>
+</p:sld>
+</file>
+
+<file path=ppt/slides/slide4.xml><?xml version="1.0" encoding="utf-8"?>
+<p:sld xmlns:a="http://schemas.openxmlformats.org/drawingml/2006/main" xmlns:r="http://schemas.openxmlformats.org/officeDocument/2006/relationships" xmlns:p="http://schemas.openxmlformats.org/presentationml/2006/main" showMasterSp="0">
+  <p:cSld>
+    <p:bg>
+      <p:bgPr>
+        <a:blipFill dpi="0" rotWithShape="1">
+          <a:blip r:embed="rId2">
+            <a:lum/>
+          </a:blip>
+          <a:srcRect/>
+          <a:stretch>
+            <a:fillRect r="-6000"/>
+          </a:stretch>
+        </a:blipFill>
+        <a:effectLst/>
+      </p:bgPr>
+    </p:bg>
+    <p:spTree>
+      <p:nvGrpSpPr>
+        <p:cNvPr id="1" name=""/>
+        <p:cNvGrpSpPr/>
+        <p:nvPr/>
+      </p:nvGrpSpPr>
+      <p:grpSpPr>
+        <a:xfrm>
+          <a:off x="0" y="0"/>
+          <a:ext cx="0" cy="0"/>
+          <a:chOff x="0" y="0"/>
+          <a:chExt cx="0" cy="0"/>
+        </a:xfrm>
+      </p:grpSpPr>
+      <p:pic>
+        <p:nvPicPr>
+          <p:cNvPr id="4" name="Picture 2" descr="Image result for 1989 flip phone transparent image">
+            <a:extLst>
+              <a:ext uri="{FF2B5EF4-FFF2-40B4-BE49-F238E27FC236}">
+                <a16:creationId xmlns:a16="http://schemas.microsoft.com/office/drawing/2014/main" id="{B411B069-DC02-4A49-84E7-A8F6DB08E984}"/>
+              </a:ext>
+            </a:extLst>
+          </p:cNvPr>
+          <p:cNvPicPr>
+            <a:picLocks noChangeAspect="1" noChangeArrowheads="1"/>
+          </p:cNvPicPr>
+          <p:nvPr/>
+        </p:nvPicPr>
+        <p:blipFill>
+          <a:blip r:embed="rId3">
+            <a:extLst>
+              <a:ext uri="{28A0092B-C50C-407E-A947-70E740481C1C}">
+                <a14:useLocalDpi xmlns:a14="http://schemas.microsoft.com/office/drawing/2010/main" val="0"/>
+              </a:ext>
+            </a:extLst>
+          </a:blip>
+          <a:srcRect/>
+          <a:stretch>
+            <a:fillRect/>
+          </a:stretch>
+        </p:blipFill>
+        <p:spPr bwMode="auto">
+          <a:xfrm>
+            <a:off x="5333242" y="1054681"/>
+            <a:ext cx="1649364" cy="1237024"/>
+          </a:xfrm>
+          <a:prstGeom prst="rect">
+            <a:avLst/>
+          </a:prstGeom>
+          <a:noFill/>
+          <a:extLst>
+            <a:ext uri="{909E8E84-426E-40DD-AFC4-6F175D3DCCD1}">
+              <a14:hiddenFill xmlns:a14="http://schemas.microsoft.com/office/drawing/2010/main">
+                <a:solidFill>
+                  <a:srgbClr val="FFFFFF"/>
+                </a:solidFill>
+              </a14:hiddenFill>
+            </a:ext>
+          </a:extLst>
+        </p:spPr>
+      </p:pic>
+      <p:sp>
+        <p:nvSpPr>
+          <p:cNvPr id="2" name="Title 1"/>
+          <p:cNvSpPr>
+            <a:spLocks noGrp="1"/>
+          </p:cNvSpPr>
+          <p:nvPr>
+            <p:ph type="title"/>
+          </p:nvPr>
+        </p:nvSpPr>
+        <p:spPr>
+          <a:xfrm>
+            <a:off x="265322" y="420272"/>
+            <a:ext cx="8369284" cy="1015637"/>
+          </a:xfrm>
+          <a:prstGeom prst="rect">
+            <a:avLst/>
+          </a:prstGeom>
+        </p:spPr>
+        <p:txBody>
+          <a:bodyPr/>
+          <a:lstStyle/>
+          <a:p>
+            <a:pPr algn="l"/>
+            <a:r>
+              <a:rPr lang="en-US" sz="4000" dirty="0">
+                <a:latin typeface="Helvetica Neue"/>
+                <a:cs typeface="Helvetica Neue"/>
+              </a:rPr>
+              <a:t>Challenges</a:t>
+            </a:r>
+            <a:endParaRPr lang="en-US" sz="4000" b="1" dirty="0">
+              <a:solidFill>
+                <a:srgbClr val="BBBCBC"/>
+              </a:solidFill>
+              <a:latin typeface="Helvetica Neue"/>
+              <a:cs typeface="Helvetica Neue"/>
+            </a:endParaRPr>
+          </a:p>
+        </p:txBody>
+      </p:sp>
+      <p:sp>
+        <p:nvSpPr>
+          <p:cNvPr id="3" name="Content Placeholder 2"/>
+          <p:cNvSpPr>
+            <a:spLocks noGrp="1"/>
+          </p:cNvSpPr>
+          <p:nvPr>
+            <p:ph idx="4294967295"/>
+          </p:nvPr>
+        </p:nvSpPr>
+        <p:spPr>
+          <a:xfrm>
+            <a:off x="265322" y="1435910"/>
+            <a:ext cx="8369284" cy="3397348"/>
+          </a:xfrm>
+          <a:prstGeom prst="rect">
+            <a:avLst/>
+          </a:prstGeom>
+        </p:spPr>
+        <p:txBody>
+          <a:bodyPr/>
+          <a:lstStyle/>
+          <a:p>
+            <a:r>
+              <a:rPr lang="en-US" dirty="0">
+                <a:latin typeface="Helvetica Neue"/>
+                <a:cs typeface="Helvetica Neue"/>
+              </a:rPr>
+              <a:t>File format from late 1980’s</a:t>
+            </a:r>
+          </a:p>
+          <a:p>
+            <a:endParaRPr lang="en-US" dirty="0">
+              <a:latin typeface="Helvetica Neue"/>
+              <a:cs typeface="Helvetica Neue"/>
+            </a:endParaRPr>
+          </a:p>
+          <a:p>
+            <a:pPr>
+              <a:spcBef>
+                <a:spcPts val="300"/>
+              </a:spcBef>
+            </a:pPr>
+            <a:r>
+              <a:rPr lang="en-GB" dirty="0">
+                <a:latin typeface="Arial" panose="020B0604020202020204" pitchFamily="34" charset="0"/>
+                <a:cs typeface="Arial" panose="020B0604020202020204" pitchFamily="34" charset="0"/>
+              </a:rPr>
+              <a:t>Data modelled to industry standards in row-by-column structures</a:t>
+            </a:r>
+          </a:p>
+          <a:p>
+            <a:pPr>
+              <a:spcBef>
+                <a:spcPts val="600"/>
+              </a:spcBef>
+            </a:pPr>
+            <a:r>
+              <a:rPr lang="en-GB" dirty="0">
+                <a:latin typeface="Arial" panose="020B0604020202020204" pitchFamily="34" charset="0"/>
+                <a:cs typeface="Arial" panose="020B0604020202020204" pitchFamily="34" charset="0"/>
+              </a:rPr>
+              <a:t>FDA Submissions</a:t>
+            </a:r>
+            <a:r>
+              <a:rPr lang="en-GB" dirty="0">
+                <a:solidFill>
+                  <a:schemeClr val="tx1">
+                    <a:lumMod val="95000"/>
+                    <a:lumOff val="5000"/>
+                  </a:schemeClr>
+                </a:solidFill>
+                <a:latin typeface="Arial" panose="020B0604020202020204" pitchFamily="34" charset="0"/>
+                <a:cs typeface="Arial" panose="020B0604020202020204" pitchFamily="34" charset="0"/>
+              </a:rPr>
+              <a:t>:</a:t>
+            </a:r>
+            <a:r>
+              <a:rPr lang="en-GB" dirty="0">
+                <a:solidFill>
+                  <a:srgbClr val="990033"/>
+                </a:solidFill>
+                <a:latin typeface="Arial" panose="020B0604020202020204" pitchFamily="34" charset="0"/>
+                <a:cs typeface="Arial" panose="020B0604020202020204" pitchFamily="34" charset="0"/>
+              </a:rPr>
+              <a:t> 32% conformance issues*  </a:t>
+            </a:r>
+            <a:r>
+              <a:rPr lang="en-GB" dirty="0">
+                <a:latin typeface="Arial" panose="020B0604020202020204" pitchFamily="34" charset="0"/>
+                <a:cs typeface="Arial" panose="020B0604020202020204" pitchFamily="34" charset="0"/>
+              </a:rPr>
+              <a:t> (2016-2018)</a:t>
+            </a:r>
+            <a:endParaRPr lang="en-GB" u="sng" dirty="0">
+              <a:latin typeface="Arial" panose="020B0604020202020204" pitchFamily="34" charset="0"/>
+              <a:cs typeface="Arial" panose="020B0604020202020204" pitchFamily="34" charset="0"/>
+            </a:endParaRPr>
+          </a:p>
+          <a:p>
+            <a:pPr marL="0" indent="0">
+              <a:buNone/>
+            </a:pPr>
+            <a:endParaRPr lang="en-US" dirty="0">
+              <a:latin typeface="Helvetica Neue"/>
+              <a:cs typeface="Helvetica Neue"/>
+            </a:endParaRPr>
+          </a:p>
+        </p:txBody>
+      </p:sp>
+      <p:sp>
+        <p:nvSpPr>
+          <p:cNvPr id="5" name="TextBox 4">
+            <a:extLst>
+              <a:ext uri="{FF2B5EF4-FFF2-40B4-BE49-F238E27FC236}">
+                <a16:creationId xmlns:a16="http://schemas.microsoft.com/office/drawing/2014/main" id="{8BA07A74-C228-49CE-B454-41520AAB44A9}"/>
+              </a:ext>
+            </a:extLst>
+          </p:cNvPr>
+          <p:cNvSpPr txBox="1"/>
+          <p:nvPr/>
+        </p:nvSpPr>
+        <p:spPr>
+          <a:xfrm>
+            <a:off x="4256509" y="4968361"/>
+            <a:ext cx="4991688" cy="584775"/>
+          </a:xfrm>
+          <a:prstGeom prst="rect">
+            <a:avLst/>
+          </a:prstGeom>
+          <a:noFill/>
+        </p:spPr>
+        <p:txBody>
+          <a:bodyPr wrap="none" rtlCol="0">
+            <a:spAutoFit/>
+          </a:bodyPr>
+          <a:lstStyle/>
+          <a:p>
+            <a:r>
+              <a:rPr lang="en-US" sz="1600" dirty="0">
+                <a:solidFill>
+                  <a:schemeClr val="accent2">
+                    <a:lumMod val="75000"/>
+                  </a:schemeClr>
+                </a:solidFill>
+              </a:rPr>
+              <a:t>*</a:t>
+            </a:r>
+            <a:r>
+              <a:rPr lang="en-US" sz="1600" dirty="0">
+                <a:solidFill>
+                  <a:srgbClr val="C00000"/>
+                </a:solidFill>
+              </a:rPr>
+              <a:t> </a:t>
+            </a:r>
+            <a:r>
+              <a:rPr lang="en-US" sz="1600" dirty="0"/>
+              <a:t>“Update on Technical Rejection Criteria for Study Data”. </a:t>
+            </a:r>
+          </a:p>
+          <a:p>
+            <a:r>
+              <a:rPr lang="en-US" sz="1600" dirty="0"/>
+              <a:t>- Ethan Chen, CDER. 3 April 2019.</a:t>
+            </a:r>
+          </a:p>
+        </p:txBody>
+      </p:sp>
+    </p:spTree>
+    <p:extLst>
+      <p:ext uri="{BB962C8B-B14F-4D97-AF65-F5344CB8AC3E}">
+        <p14:creationId xmlns:p14="http://schemas.microsoft.com/office/powerpoint/2010/main" val="2092435612"/>
+      </p:ext>
+    </p:extLst>
+  </p:cSld>
+  <p:clrMapOvr>
+    <a:masterClrMapping/>
+  </p:clrMapOvr>
+</p:sld>
+</file>
+
+<file path=ppt/slides/slide5.xml><?xml version="1.0" encoding="utf-8"?>
+<p:sld xmlns:a="http://schemas.openxmlformats.org/drawingml/2006/main" xmlns:r="http://schemas.openxmlformats.org/officeDocument/2006/relationships" xmlns:p="http://schemas.openxmlformats.org/presentationml/2006/main" showMasterSp="0">
+  <p:cSld>
+    <p:bg>
+      <p:bgPr>
+        <a:blipFill dpi="0" rotWithShape="1">
+          <a:blip r:embed="rId2">
+            <a:lum/>
+          </a:blip>
+          <a:srcRect/>
+          <a:stretch>
+            <a:fillRect r="-6000"/>
+          </a:stretch>
+        </a:blipFill>
+        <a:effectLst/>
+      </p:bgPr>
+    </p:bg>
+    <p:spTree>
+      <p:nvGrpSpPr>
+        <p:cNvPr id="1" name=""/>
+        <p:cNvGrpSpPr/>
+        <p:nvPr/>
+      </p:nvGrpSpPr>
+      <p:grpSpPr>
+        <a:xfrm>
+          <a:off x="0" y="0"/>
+          <a:ext cx="0" cy="0"/>
+          <a:chOff x="0" y="0"/>
+          <a:chExt cx="0" cy="0"/>
+        </a:xfrm>
+      </p:grpSpPr>
+      <p:sp>
+        <p:nvSpPr>
+          <p:cNvPr id="2" name="Title 1"/>
+          <p:cNvSpPr>
+            <a:spLocks noGrp="1"/>
+          </p:cNvSpPr>
+          <p:nvPr>
+            <p:ph type="title"/>
+          </p:nvPr>
+        </p:nvSpPr>
+        <p:spPr>
+          <a:xfrm>
+            <a:off x="265322" y="420272"/>
+            <a:ext cx="8369284" cy="1015637"/>
+          </a:xfrm>
+          <a:prstGeom prst="rect">
+            <a:avLst/>
+          </a:prstGeom>
+        </p:spPr>
+        <p:txBody>
+          <a:bodyPr/>
+          <a:lstStyle/>
+          <a:p>
+            <a:pPr algn="l"/>
+            <a:r>
+              <a:rPr lang="en-US" sz="4000" dirty="0">
+                <a:latin typeface="Helvetica Neue"/>
+                <a:cs typeface="Helvetica Neue"/>
+              </a:rPr>
+              <a:t>Our Approach</a:t>
+            </a:r>
+            <a:endParaRPr lang="en-US" sz="4000" b="1" dirty="0">
+              <a:solidFill>
+                <a:srgbClr val="BBBCBC"/>
+              </a:solidFill>
+              <a:latin typeface="Helvetica Neue"/>
+              <a:cs typeface="Helvetica Neue"/>
+            </a:endParaRPr>
+          </a:p>
+        </p:txBody>
+      </p:sp>
+      <p:sp>
+        <p:nvSpPr>
+          <p:cNvPr id="3" name="Content Placeholder 2"/>
+          <p:cNvSpPr>
+            <a:spLocks noGrp="1"/>
+          </p:cNvSpPr>
+          <p:nvPr>
+            <p:ph idx="4294967295"/>
+          </p:nvPr>
+        </p:nvSpPr>
+        <p:spPr>
+          <a:xfrm>
+            <a:off x="265322" y="1338943"/>
+            <a:ext cx="8369284" cy="805191"/>
+          </a:xfrm>
+          <a:prstGeom prst="rect">
+            <a:avLst/>
+          </a:prstGeom>
+        </p:spPr>
+        <p:txBody>
+          <a:bodyPr/>
+          <a:lstStyle/>
+          <a:p>
+            <a:r>
+              <a:rPr lang="en-US" dirty="0">
+                <a:latin typeface="Helvetica Neue"/>
+                <a:cs typeface="Helvetica Neue"/>
+              </a:rPr>
+              <a:t>Model the Study </a:t>
+            </a:r>
+            <a:r>
+              <a:rPr lang="en-US" i="1" dirty="0">
+                <a:latin typeface="Helvetica Neue"/>
+                <a:cs typeface="Helvetica Neue"/>
+              </a:rPr>
+              <a:t>Entities </a:t>
+            </a:r>
+            <a:r>
+              <a:rPr lang="en-US" dirty="0">
+                <a:latin typeface="Helvetica Neue"/>
+                <a:cs typeface="Helvetica Neue"/>
+              </a:rPr>
+              <a:t>and </a:t>
+            </a:r>
+            <a:r>
+              <a:rPr lang="en-US" i="1" dirty="0">
+                <a:latin typeface="Helvetica Neue"/>
+                <a:cs typeface="Helvetica Neue"/>
+              </a:rPr>
+              <a:t>Relations</a:t>
+            </a:r>
+          </a:p>
+          <a:p>
+            <a:endParaRPr lang="en-US" dirty="0">
+              <a:latin typeface="Helvetica Neue"/>
+              <a:cs typeface="Helvetica Neue"/>
+            </a:endParaRPr>
+          </a:p>
+        </p:txBody>
+      </p:sp>
+      <p:grpSp>
+        <p:nvGrpSpPr>
+          <p:cNvPr id="34" name="Group 33">
+            <a:extLst>
+              <a:ext uri="{FF2B5EF4-FFF2-40B4-BE49-F238E27FC236}">
+                <a16:creationId xmlns:a16="http://schemas.microsoft.com/office/drawing/2014/main" id="{1E553815-ED8E-4A24-B872-61BD7B043A3C}"/>
+              </a:ext>
+            </a:extLst>
+          </p:cNvPr>
+          <p:cNvGrpSpPr/>
+          <p:nvPr/>
+        </p:nvGrpSpPr>
+        <p:grpSpPr>
+          <a:xfrm>
+            <a:off x="2309982" y="2078819"/>
+            <a:ext cx="2943342" cy="1184106"/>
+            <a:chOff x="3141573" y="2405392"/>
+            <a:chExt cx="2943342" cy="1184106"/>
+          </a:xfrm>
+        </p:grpSpPr>
+        <p:cxnSp>
+          <p:nvCxnSpPr>
+            <p:cNvPr id="8" name="Straight Arrow Connector 7">
+              <a:extLst>
+                <a:ext uri="{FF2B5EF4-FFF2-40B4-BE49-F238E27FC236}">
+                  <a16:creationId xmlns:a16="http://schemas.microsoft.com/office/drawing/2014/main" id="{82A88043-366F-4C0F-B90B-8FF13186427D}"/>
+                </a:ext>
+              </a:extLst>
+            </p:cNvPr>
+            <p:cNvCxnSpPr>
+              <a:cxnSpLocks/>
+              <a:stCxn id="5" idx="2"/>
+            </p:cNvCxnSpPr>
+            <p:nvPr/>
+          </p:nvCxnSpPr>
+          <p:spPr>
+            <a:xfrm>
+              <a:off x="3781653" y="2730856"/>
+              <a:ext cx="396647" cy="533178"/>
+            </a:xfrm>
+            <a:prstGeom prst="straightConnector1">
+              <a:avLst/>
+            </a:prstGeom>
+            <a:ln w="44450">
+              <a:tailEnd type="triangle"/>
+            </a:ln>
+          </p:spPr>
+          <p:style>
+            <a:lnRef idx="1">
+              <a:schemeClr val="accent1"/>
+            </a:lnRef>
+            <a:fillRef idx="0">
+              <a:schemeClr val="accent1"/>
+            </a:fillRef>
+            <a:effectRef idx="0">
+              <a:schemeClr val="accent1"/>
+            </a:effectRef>
+            <a:fontRef idx="minor">
+              <a:schemeClr val="tx1"/>
+            </a:fontRef>
+          </p:style>
+        </p:cxnSp>
+        <p:cxnSp>
+          <p:nvCxnSpPr>
+            <p:cNvPr id="9" name="Straight Arrow Connector 8">
+              <a:extLst>
+                <a:ext uri="{FF2B5EF4-FFF2-40B4-BE49-F238E27FC236}">
+                  <a16:creationId xmlns:a16="http://schemas.microsoft.com/office/drawing/2014/main" id="{F742E9ED-8E11-460A-AC7B-D84BEE3AF2AA}"/>
+                </a:ext>
+              </a:extLst>
+            </p:cNvPr>
+            <p:cNvCxnSpPr>
+              <a:cxnSpLocks/>
+              <a:stCxn id="7" idx="2"/>
+            </p:cNvCxnSpPr>
+            <p:nvPr/>
+          </p:nvCxnSpPr>
+          <p:spPr>
+            <a:xfrm flipH="1">
+              <a:off x="4991100" y="2730856"/>
+              <a:ext cx="453735" cy="533178"/>
+            </a:xfrm>
+            <a:prstGeom prst="straightConnector1">
+              <a:avLst/>
+            </a:prstGeom>
+            <a:ln w="44450">
+              <a:tailEnd type="triangle"/>
+            </a:ln>
+          </p:spPr>
+          <p:style>
+            <a:lnRef idx="1">
+              <a:schemeClr val="accent1"/>
+            </a:lnRef>
+            <a:fillRef idx="0">
+              <a:schemeClr val="accent1"/>
+            </a:fillRef>
+            <a:effectRef idx="0">
+              <a:schemeClr val="accent1"/>
+            </a:effectRef>
+            <a:fontRef idx="minor">
+              <a:schemeClr val="tx1"/>
+            </a:fontRef>
+          </p:style>
+        </p:cxnSp>
+        <p:sp>
+          <p:nvSpPr>
+            <p:cNvPr id="5" name="Rectangle: Rounded Corners 4">
+              <a:extLst>
+                <a:ext uri="{FF2B5EF4-FFF2-40B4-BE49-F238E27FC236}">
+                  <a16:creationId xmlns:a16="http://schemas.microsoft.com/office/drawing/2014/main" id="{37B83357-FE3C-40DE-B745-4BDCC635C9D8}"/>
+                </a:ext>
+              </a:extLst>
+            </p:cNvPr>
+            <p:cNvSpPr/>
+            <p:nvPr/>
+          </p:nvSpPr>
+          <p:spPr>
+            <a:xfrm>
+              <a:off x="3141573" y="2405392"/>
+              <a:ext cx="1280160" cy="325464"/>
+            </a:xfrm>
+            <a:prstGeom prst="roundRect">
+              <a:avLst/>
+            </a:prstGeom>
+            <a:solidFill>
+              <a:schemeClr val="accent1">
+                <a:lumMod val="20000"/>
+                <a:lumOff val="80000"/>
+              </a:schemeClr>
+            </a:solidFill>
+            <a:ln w="38100"/>
+          </p:spPr>
+          <p:style>
+            <a:lnRef idx="2">
+              <a:schemeClr val="accent1">
+                <a:shade val="50000"/>
+              </a:schemeClr>
+            </a:lnRef>
+            <a:fillRef idx="1">
+              <a:schemeClr val="accent1"/>
+            </a:fillRef>
+            <a:effectRef idx="0">
+              <a:schemeClr val="accent1"/>
+            </a:effectRef>
+            <a:fontRef idx="minor">
+              <a:schemeClr val="lt1"/>
+            </a:fontRef>
+          </p:style>
+          <p:txBody>
+            <a:bodyPr lIns="9144" tIns="9144" rIns="9144" bIns="9144" rtlCol="0" anchor="ctr"/>
+            <a:lstStyle/>
+            <a:p>
+              <a:pPr algn="ctr"/>
+              <a:r>
+                <a:rPr lang="en-US" sz="1600" b="1" dirty="0">
+                  <a:solidFill>
+                    <a:schemeClr val="tx1"/>
+                  </a:solidFill>
+                </a:rPr>
+                <a:t>Study</a:t>
+              </a:r>
+            </a:p>
+          </p:txBody>
+        </p:sp>
+        <p:sp>
+          <p:nvSpPr>
+            <p:cNvPr id="6" name="Rectangle: Rounded Corners 5">
+              <a:extLst>
+                <a:ext uri="{FF2B5EF4-FFF2-40B4-BE49-F238E27FC236}">
+                  <a16:creationId xmlns:a16="http://schemas.microsoft.com/office/drawing/2014/main" id="{D5BCF4B6-D038-462E-89BC-747546F2400A}"/>
+                </a:ext>
+              </a:extLst>
+            </p:cNvPr>
+            <p:cNvSpPr/>
+            <p:nvPr/>
+          </p:nvSpPr>
+          <p:spPr>
+            <a:xfrm>
+              <a:off x="3973164" y="3264034"/>
+              <a:ext cx="1280160" cy="325464"/>
+            </a:xfrm>
+            <a:prstGeom prst="roundRect">
+              <a:avLst/>
+            </a:prstGeom>
+            <a:solidFill>
+              <a:schemeClr val="accent3">
+                <a:lumMod val="60000"/>
+                <a:lumOff val="40000"/>
+              </a:schemeClr>
+            </a:solidFill>
+            <a:ln w="38100">
+              <a:solidFill>
+                <a:schemeClr val="accent3">
+                  <a:lumMod val="75000"/>
+                </a:schemeClr>
+              </a:solidFill>
+            </a:ln>
+          </p:spPr>
+          <p:style>
+            <a:lnRef idx="2">
+              <a:schemeClr val="accent1">
+                <a:shade val="50000"/>
+              </a:schemeClr>
+            </a:lnRef>
+            <a:fillRef idx="1">
+              <a:schemeClr val="accent1"/>
+            </a:fillRef>
+            <a:effectRef idx="0">
+              <a:schemeClr val="accent1"/>
+            </a:effectRef>
+            <a:fontRef idx="minor">
+              <a:schemeClr val="lt1"/>
+            </a:fontRef>
+          </p:style>
+          <p:txBody>
+            <a:bodyPr lIns="9144" tIns="9144" rIns="9144" bIns="9144" rtlCol="0" anchor="ctr"/>
+            <a:lstStyle/>
+            <a:p>
+              <a:pPr algn="ctr"/>
+              <a:r>
+                <a:rPr lang="en-US" sz="1600" b="1" dirty="0">
+                  <a:solidFill>
+                    <a:schemeClr val="tx1"/>
+                  </a:solidFill>
+                </a:rPr>
+                <a:t>Treat Arm</a:t>
+              </a:r>
+            </a:p>
+          </p:txBody>
+        </p:sp>
+        <p:sp>
+          <p:nvSpPr>
+            <p:cNvPr id="7" name="Rectangle: Rounded Corners 6">
+              <a:extLst>
+                <a:ext uri="{FF2B5EF4-FFF2-40B4-BE49-F238E27FC236}">
+                  <a16:creationId xmlns:a16="http://schemas.microsoft.com/office/drawing/2014/main" id="{C572DCED-9EA7-4A98-86DD-06AA7E8DF761}"/>
+                </a:ext>
+              </a:extLst>
+            </p:cNvPr>
+            <p:cNvSpPr/>
+            <p:nvPr/>
+          </p:nvSpPr>
+          <p:spPr>
+            <a:xfrm>
+              <a:off x="4804755" y="2405392"/>
+              <a:ext cx="1280160" cy="325464"/>
+            </a:xfrm>
+            <a:prstGeom prst="roundRect">
+              <a:avLst/>
+            </a:prstGeom>
+            <a:solidFill>
+              <a:srgbClr val="CC99FF"/>
+            </a:solidFill>
+            <a:ln w="38100">
+              <a:solidFill>
+                <a:srgbClr val="7030A0"/>
+              </a:solidFill>
+            </a:ln>
+          </p:spPr>
+          <p:style>
+            <a:lnRef idx="2">
+              <a:schemeClr val="accent1">
+                <a:shade val="50000"/>
+              </a:schemeClr>
+            </a:lnRef>
+            <a:fillRef idx="1">
+              <a:schemeClr val="accent1"/>
+            </a:fillRef>
+            <a:effectRef idx="0">
+              <a:schemeClr val="accent1"/>
+            </a:effectRef>
+            <a:fontRef idx="minor">
+              <a:schemeClr val="lt1"/>
+            </a:fontRef>
+          </p:style>
+          <p:txBody>
+            <a:bodyPr lIns="9144" tIns="9144" rIns="9144" bIns="9144" rtlCol="0" anchor="ctr"/>
+            <a:lstStyle/>
+            <a:p>
+              <a:pPr algn="ctr"/>
+              <a:r>
+                <a:rPr lang="en-US" sz="1600" b="1" dirty="0">
+                  <a:solidFill>
+                    <a:schemeClr val="tx1"/>
+                  </a:solidFill>
+                </a:rPr>
+                <a:t>Subject</a:t>
+              </a:r>
+            </a:p>
+          </p:txBody>
+        </p:sp>
+      </p:grpSp>
+      <p:sp>
+        <p:nvSpPr>
+          <p:cNvPr id="20" name="Rectangle 19">
+            <a:extLst>
+              <a:ext uri="{FF2B5EF4-FFF2-40B4-BE49-F238E27FC236}">
+                <a16:creationId xmlns:a16="http://schemas.microsoft.com/office/drawing/2014/main" id="{60DDAA95-B29C-4E6E-8358-1BFCC3817511}"/>
+              </a:ext>
+            </a:extLst>
+          </p:cNvPr>
+          <p:cNvSpPr/>
+          <p:nvPr/>
+        </p:nvSpPr>
+        <p:spPr>
+          <a:xfrm>
+            <a:off x="265322" y="3490939"/>
+            <a:ext cx="7893050" cy="2305669"/>
+          </a:xfrm>
+          <a:prstGeom prst="rect">
+            <a:avLst/>
+          </a:prstGeom>
+        </p:spPr>
+        <p:txBody>
+          <a:bodyPr/>
+          <a:lstStyle/>
+          <a:p>
+            <a:pPr marL="342900" indent="-342900">
+              <a:spcBef>
+                <a:spcPct val="20000"/>
+              </a:spcBef>
+              <a:buFont typeface="Arial"/>
+              <a:buChar char="•"/>
+            </a:pPr>
+            <a:r>
+              <a:rPr lang="en-GB" sz="3200" u="sng" dirty="0">
+                <a:latin typeface="Helvetica Neue"/>
+              </a:rPr>
+              <a:t>Knowledge Graph</a:t>
+            </a:r>
+            <a:r>
+              <a:rPr lang="en-GB" sz="3200" dirty="0">
+                <a:latin typeface="Helvetica Neue"/>
+              </a:rPr>
+              <a:t> using </a:t>
+            </a:r>
+            <a:r>
+              <a:rPr lang="en-GB" sz="3200" b="1" dirty="0">
+                <a:latin typeface="Helvetica Neue"/>
+              </a:rPr>
+              <a:t>R</a:t>
+            </a:r>
+            <a:r>
+              <a:rPr lang="en-GB" sz="3200" dirty="0">
+                <a:latin typeface="Helvetica Neue"/>
+              </a:rPr>
+              <a:t>esource </a:t>
+            </a:r>
+            <a:r>
+              <a:rPr lang="en-GB" sz="3200" b="1" dirty="0">
+                <a:latin typeface="Helvetica Neue"/>
+              </a:rPr>
+              <a:t>D</a:t>
+            </a:r>
+            <a:r>
+              <a:rPr lang="en-GB" sz="3200" dirty="0">
+                <a:latin typeface="Helvetica Neue"/>
+              </a:rPr>
+              <a:t>escription </a:t>
+            </a:r>
+            <a:r>
+              <a:rPr lang="en-GB" sz="3200" b="1" dirty="0">
+                <a:latin typeface="Helvetica Neue"/>
+              </a:rPr>
+              <a:t>F</a:t>
+            </a:r>
+            <a:r>
+              <a:rPr lang="en-GB" sz="3200" dirty="0">
+                <a:latin typeface="Helvetica Neue"/>
+              </a:rPr>
+              <a:t>ramework (</a:t>
+            </a:r>
+            <a:r>
+              <a:rPr lang="en-GB" sz="3200" b="1" dirty="0">
+                <a:latin typeface="Helvetica Neue"/>
+              </a:rPr>
+              <a:t>RDF</a:t>
+            </a:r>
+            <a:r>
+              <a:rPr lang="en-GB" sz="3200" dirty="0">
+                <a:latin typeface="Helvetica Neue"/>
+              </a:rPr>
+              <a:t>) </a:t>
+            </a:r>
+          </a:p>
+        </p:txBody>
+      </p:sp>
+      <p:pic>
+        <p:nvPicPr>
+          <p:cNvPr id="10" name="Picture 9">
+            <a:extLst>
+              <a:ext uri="{FF2B5EF4-FFF2-40B4-BE49-F238E27FC236}">
+                <a16:creationId xmlns:a16="http://schemas.microsoft.com/office/drawing/2014/main" id="{60C53201-577E-49E3-9965-DC381E59B93A}"/>
+              </a:ext>
+            </a:extLst>
+          </p:cNvPr>
+          <p:cNvPicPr>
+            <a:picLocks noChangeAspect="1"/>
+          </p:cNvPicPr>
+          <p:nvPr/>
+        </p:nvPicPr>
+        <p:blipFill>
+          <a:blip r:embed="rId3"/>
+          <a:stretch>
+            <a:fillRect/>
+          </a:stretch>
+        </p:blipFill>
+        <p:spPr>
+          <a:xfrm>
+            <a:off x="3590142" y="4706244"/>
+            <a:ext cx="4699242" cy="533427"/>
+          </a:xfrm>
+          <a:prstGeom prst="rect">
+            <a:avLst/>
+          </a:prstGeom>
+        </p:spPr>
+      </p:pic>
+    </p:spTree>
+    <p:extLst>
+      <p:ext uri="{BB962C8B-B14F-4D97-AF65-F5344CB8AC3E}">
+        <p14:creationId xmlns:p14="http://schemas.microsoft.com/office/powerpoint/2010/main" val="2825885360"/>
+      </p:ext>
+    </p:extLst>
+  </p:cSld>
+  <p:clrMapOvr>
+    <a:masterClrMapping/>
+  </p:clrMapOvr>
+</p:sld>
+</file>
+
+<file path=ppt/slides/slide6.xml><?xml version="1.0" encoding="utf-8"?>
+<p:sld xmlns:a="http://schemas.openxmlformats.org/drawingml/2006/main" xmlns:r="http://schemas.openxmlformats.org/officeDocument/2006/relationships" xmlns:p="http://schemas.openxmlformats.org/presentationml/2006/main" showMasterSp="0">
+  <p:cSld>
+    <p:bg>
+      <p:bgPr>
+        <a:blipFill dpi="0" rotWithShape="1">
+          <a:blip r:embed="rId2">
+            <a:lum/>
+          </a:blip>
+          <a:srcRect/>
+          <a:stretch>
+            <a:fillRect r="-6000"/>
+          </a:stretch>
+        </a:blipFill>
+        <a:effectLst/>
+      </p:bgPr>
+    </p:bg>
+    <p:spTree>
+      <p:nvGrpSpPr>
+        <p:cNvPr id="1" name=""/>
+        <p:cNvGrpSpPr/>
+        <p:nvPr/>
+      </p:nvGrpSpPr>
+      <p:grpSpPr>
+        <a:xfrm>
+          <a:off x="0" y="0"/>
+          <a:ext cx="0" cy="0"/>
+          <a:chOff x="0" y="0"/>
+          <a:chExt cx="0" cy="0"/>
+        </a:xfrm>
+      </p:grpSpPr>
+      <p:sp>
+        <p:nvSpPr>
+          <p:cNvPr id="2" name="Title 1"/>
+          <p:cNvSpPr>
+            <a:spLocks noGrp="1"/>
+          </p:cNvSpPr>
+          <p:nvPr>
+            <p:ph type="title"/>
+          </p:nvPr>
+        </p:nvSpPr>
+        <p:spPr>
+          <a:xfrm>
+            <a:off x="265322" y="420272"/>
+            <a:ext cx="8369284" cy="1015637"/>
+          </a:xfrm>
+          <a:prstGeom prst="rect">
+            <a:avLst/>
+          </a:prstGeom>
+        </p:spPr>
+        <p:txBody>
+          <a:bodyPr/>
+          <a:lstStyle/>
+          <a:p>
+            <a:pPr algn="l"/>
+            <a:r>
+              <a:rPr lang="en-US" sz="4000" dirty="0">
+                <a:latin typeface="Helvetica Neue"/>
+                <a:cs typeface="Helvetica Neue"/>
+              </a:rPr>
+              <a:t>Study Data Validation</a:t>
+            </a:r>
+            <a:endParaRPr lang="en-US" sz="4000" b="1" dirty="0">
+              <a:solidFill>
+                <a:srgbClr val="BBBCBC"/>
+              </a:solidFill>
+              <a:latin typeface="Helvetica Neue"/>
+              <a:cs typeface="Helvetica Neue"/>
+            </a:endParaRPr>
+          </a:p>
+        </p:txBody>
+      </p:sp>
+      <p:sp>
+        <p:nvSpPr>
+          <p:cNvPr id="3" name="Content Placeholder 2"/>
+          <p:cNvSpPr>
+            <a:spLocks noGrp="1"/>
+          </p:cNvSpPr>
+          <p:nvPr>
+            <p:ph idx="4294967295"/>
+          </p:nvPr>
+        </p:nvSpPr>
+        <p:spPr>
+          <a:xfrm>
+            <a:off x="265322" y="1244601"/>
+            <a:ext cx="8369284" cy="1160792"/>
+          </a:xfrm>
+          <a:prstGeom prst="rect">
+            <a:avLst/>
+          </a:prstGeom>
+        </p:spPr>
+        <p:txBody>
+          <a:bodyPr/>
+          <a:lstStyle/>
+          <a:p>
+            <a:r>
+              <a:rPr lang="en-US" dirty="0">
+                <a:latin typeface="Helvetica Neue"/>
+                <a:cs typeface="Helvetica Neue"/>
+              </a:rPr>
+              <a:t>FDA Validation Rules</a:t>
+            </a:r>
+          </a:p>
+          <a:p>
+            <a:r>
+              <a:rPr lang="en-US" b="1" dirty="0" err="1">
+                <a:solidFill>
+                  <a:srgbClr val="0FA9D9"/>
+                </a:solidFill>
+                <a:latin typeface="Helvetica Neue"/>
+                <a:cs typeface="Helvetica Neue"/>
+              </a:rPr>
+              <a:t>SHA</a:t>
+            </a:r>
+            <a:r>
+              <a:rPr lang="en-US" dirty="0" err="1">
+                <a:latin typeface="Helvetica Neue"/>
+                <a:cs typeface="Helvetica Neue"/>
+              </a:rPr>
+              <a:t>pes</a:t>
+            </a:r>
+            <a:r>
+              <a:rPr lang="en-US" dirty="0">
+                <a:latin typeface="Helvetica Neue"/>
+                <a:cs typeface="Helvetica Neue"/>
+              </a:rPr>
+              <a:t> </a:t>
+            </a:r>
+            <a:r>
+              <a:rPr lang="en-US" b="1" dirty="0">
+                <a:solidFill>
+                  <a:srgbClr val="0FA9D9"/>
+                </a:solidFill>
+                <a:latin typeface="Helvetica Neue"/>
+                <a:cs typeface="Helvetica Neue"/>
+              </a:rPr>
+              <a:t>C</a:t>
+            </a:r>
+            <a:r>
+              <a:rPr lang="en-US" dirty="0">
+                <a:latin typeface="Helvetica Neue"/>
+                <a:cs typeface="Helvetica Neue"/>
+              </a:rPr>
+              <a:t>onstraint </a:t>
+            </a:r>
+            <a:r>
+              <a:rPr lang="en-US" b="1" dirty="0">
+                <a:solidFill>
+                  <a:srgbClr val="0FA9D9"/>
+                </a:solidFill>
+                <a:latin typeface="Helvetica Neue"/>
+                <a:cs typeface="Helvetica Neue"/>
+              </a:rPr>
+              <a:t>L</a:t>
+            </a:r>
+            <a:r>
+              <a:rPr lang="en-US" dirty="0">
+                <a:latin typeface="Helvetica Neue"/>
+                <a:cs typeface="Helvetica Neue"/>
+              </a:rPr>
+              <a:t>anguage (</a:t>
+            </a:r>
+            <a:r>
+              <a:rPr lang="en-US" dirty="0">
+                <a:solidFill>
+                  <a:srgbClr val="0FA9D9"/>
+                </a:solidFill>
+                <a:latin typeface="Helvetica Neue"/>
+                <a:cs typeface="Helvetica Neue"/>
+              </a:rPr>
+              <a:t>SHACL</a:t>
+            </a:r>
+            <a:r>
+              <a:rPr lang="en-US" dirty="0">
+                <a:latin typeface="Helvetica Neue"/>
+                <a:cs typeface="Helvetica Neue"/>
+              </a:rPr>
+              <a:t>)</a:t>
+            </a:r>
+          </a:p>
+          <a:p>
+            <a:endParaRPr lang="en-US" dirty="0">
+              <a:latin typeface="Helvetica Neue"/>
+              <a:cs typeface="Helvetica Neue"/>
+            </a:endParaRPr>
+          </a:p>
+        </p:txBody>
+      </p:sp>
+      <p:pic>
+        <p:nvPicPr>
+          <p:cNvPr id="11" name="Picture 10" descr="A picture containing LEGO, toy&#10;&#10;Description generated with high confidence">
+            <a:extLst>
+              <a:ext uri="{FF2B5EF4-FFF2-40B4-BE49-F238E27FC236}">
+                <a16:creationId xmlns:a16="http://schemas.microsoft.com/office/drawing/2014/main" id="{BDAC823A-D1B5-4982-8C96-1BB1E223CB34}"/>
+              </a:ext>
+            </a:extLst>
+          </p:cNvPr>
+          <p:cNvPicPr>
+            <a:picLocks noChangeAspect="1"/>
+          </p:cNvPicPr>
+          <p:nvPr/>
+        </p:nvPicPr>
+        <p:blipFill>
+          <a:blip r:embed="rId3"/>
+          <a:stretch>
+            <a:fillRect/>
+          </a:stretch>
+        </p:blipFill>
+        <p:spPr>
+          <a:xfrm>
+            <a:off x="882464" y="2895554"/>
+            <a:ext cx="7239372" cy="1778091"/>
+          </a:xfrm>
+          <a:prstGeom prst="rect">
+            <a:avLst/>
+          </a:prstGeom>
+        </p:spPr>
+      </p:pic>
+      <p:sp>
+        <p:nvSpPr>
+          <p:cNvPr id="12" name="Rectangle 11">
+            <a:extLst>
+              <a:ext uri="{FF2B5EF4-FFF2-40B4-BE49-F238E27FC236}">
+                <a16:creationId xmlns:a16="http://schemas.microsoft.com/office/drawing/2014/main" id="{4F6BDB98-8AD6-43BE-A196-622F8809020C}"/>
+              </a:ext>
+            </a:extLst>
+          </p:cNvPr>
+          <p:cNvSpPr/>
+          <p:nvPr/>
+        </p:nvSpPr>
+        <p:spPr>
+          <a:xfrm>
+            <a:off x="4470400" y="2730500"/>
+            <a:ext cx="4076700" cy="2324100"/>
+          </a:xfrm>
+          <a:prstGeom prst="rect">
+            <a:avLst/>
+          </a:prstGeom>
+          <a:solidFill>
+            <a:schemeClr val="bg1"/>
+          </a:solidFill>
+          <a:ln>
+            <a:noFill/>
+          </a:ln>
+          <a:effectLst/>
+        </p:spPr>
+        <p:style>
+          <a:lnRef idx="1">
+            <a:schemeClr val="accent1"/>
+          </a:lnRef>
+          <a:fillRef idx="3">
+            <a:schemeClr val="accent1"/>
+          </a:fillRef>
+          <a:effectRef idx="2">
+            <a:schemeClr val="accent1"/>
+          </a:effectRef>
+          <a:fontRef idx="minor">
+            <a:schemeClr val="lt1"/>
+          </a:fontRef>
+        </p:style>
+        <p:txBody>
+          <a:bodyPr rtlCol="0" anchor="ctr"/>
+          <a:lstStyle/>
+          <a:p>
+            <a:pPr algn="ctr"/>
+            <a:endParaRPr lang="en-US"/>
+          </a:p>
+        </p:txBody>
+      </p:sp>
+      <p:sp>
+        <p:nvSpPr>
+          <p:cNvPr id="15" name="Rectangle 14">
+            <a:extLst>
+              <a:ext uri="{FF2B5EF4-FFF2-40B4-BE49-F238E27FC236}">
+                <a16:creationId xmlns:a16="http://schemas.microsoft.com/office/drawing/2014/main" id="{AF2791E1-4638-4285-8363-CC169EF8214A}"/>
+              </a:ext>
+            </a:extLst>
+          </p:cNvPr>
+          <p:cNvSpPr/>
+          <p:nvPr/>
+        </p:nvSpPr>
+        <p:spPr>
+          <a:xfrm>
+            <a:off x="393700" y="2730500"/>
+            <a:ext cx="4076700" cy="2324100"/>
+          </a:xfrm>
+          <a:prstGeom prst="rect">
+            <a:avLst/>
+          </a:prstGeom>
+          <a:solidFill>
+            <a:schemeClr val="bg1"/>
+          </a:solidFill>
+          <a:ln>
+            <a:noFill/>
+          </a:ln>
+          <a:effectLst/>
+        </p:spPr>
+        <p:style>
+          <a:lnRef idx="1">
+            <a:schemeClr val="accent1"/>
+          </a:lnRef>
+          <a:fillRef idx="3">
+            <a:schemeClr val="accent1"/>
+          </a:fillRef>
+          <a:effectRef idx="2">
+            <a:schemeClr val="accent1"/>
+          </a:effectRef>
+          <a:fontRef idx="minor">
+            <a:schemeClr val="lt1"/>
+          </a:fontRef>
+        </p:style>
+        <p:txBody>
+          <a:bodyPr rtlCol="0" anchor="ctr"/>
+          <a:lstStyle/>
+          <a:p>
+            <a:pPr algn="ctr"/>
+            <a:endParaRPr lang="en-US"/>
+          </a:p>
+        </p:txBody>
+      </p:sp>
+      <p:pic>
+        <p:nvPicPr>
+          <p:cNvPr id="7" name="Picture 6">
+            <a:extLst>
+              <a:ext uri="{FF2B5EF4-FFF2-40B4-BE49-F238E27FC236}">
+                <a16:creationId xmlns:a16="http://schemas.microsoft.com/office/drawing/2014/main" id="{0616107A-9A6C-4A86-A51A-4E19584BB9E5}"/>
+              </a:ext>
+            </a:extLst>
+          </p:cNvPr>
+          <p:cNvPicPr>
+            <a:picLocks noChangeAspect="1"/>
+          </p:cNvPicPr>
+          <p:nvPr/>
+        </p:nvPicPr>
+        <p:blipFill>
+          <a:blip r:embed="rId4"/>
+          <a:stretch>
+            <a:fillRect/>
+          </a:stretch>
+        </p:blipFill>
+        <p:spPr>
+          <a:xfrm>
+            <a:off x="5647064" y="2405393"/>
+            <a:ext cx="2987542" cy="339126"/>
+          </a:xfrm>
+          <a:prstGeom prst="rect">
+            <a:avLst/>
+          </a:prstGeom>
+        </p:spPr>
+      </p:pic>
+    </p:spTree>
+    <p:extLst>
+      <p:ext uri="{BB962C8B-B14F-4D97-AF65-F5344CB8AC3E}">
+        <p14:creationId xmlns:p14="http://schemas.microsoft.com/office/powerpoint/2010/main" val="3548382039"/>
+      </p:ext>
+    </p:extLst>
+  </p:cSld>
+  <p:clrMapOvr>
+    <a:masterClrMapping/>
+  </p:clrMapOvr>
+  <p:timing>
+    <p:tnLst>
+      <p:par>
+        <p:cTn id="1" dur="indefinite" restart="never" nodeType="tmRoot">
+          <p:childTnLst>
+            <p:seq concurrent="1" nextAc="seek">
+              <p:cTn id="2" dur="indefinite" nodeType="mainSeq">
+                <p:childTnLst>
+                  <p:par>
+                    <p:cTn id="3" fill="hold">
+                      <p:stCondLst>
+                        <p:cond delay="indefinite"/>
+                      </p:stCondLst>
+                      <p:childTnLst>
+                        <p:par>
+                          <p:cTn id="4" fill="hold">
+                            <p:stCondLst>
+                              <p:cond delay="0"/>
+                            </p:stCondLst>
+                            <p:childTnLst>
+                              <p:par>
+                                <p:cTn id="5" presetID="1" presetClass="exit" presetSubtype="0" fill="hold" grpId="0" nodeType="clickEffect">
+                                  <p:stCondLst>
+                                    <p:cond delay="0"/>
+                                  </p:stCondLst>
+                                  <p:childTnLst>
+                                    <p:set>
+                                      <p:cBhvr>
+                                        <p:cTn id="6" dur="1" fill="hold">
+                                          <p:stCondLst>
+                                            <p:cond delay="0"/>
+                                          </p:stCondLst>
+                                        </p:cTn>
+                                        <p:tgtEl>
+                                          <p:spTgt spid="15"/>
+                                        </p:tgtEl>
+                                        <p:attrNameLst>
+                                          <p:attrName>style.visibility</p:attrName>
+                                        </p:attrNameLst>
+                                      </p:cBhvr>
+                                      <p:to>
+                                        <p:strVal val="hidden"/>
+                                      </p:to>
+                                    </p:set>
+                                  </p:childTnLst>
+                                </p:cTn>
+                              </p:par>
+                            </p:childTnLst>
+                          </p:cTn>
+                        </p:par>
+                      </p:childTnLst>
+                    </p:cTn>
+                  </p:par>
+                  <p:par>
+                    <p:cTn id="7" fill="hold">
+                      <p:stCondLst>
+                        <p:cond delay="indefinite"/>
+                      </p:stCondLst>
+                      <p:childTnLst>
+                        <p:par>
+                          <p:cTn id="8" fill="hold">
+                            <p:stCondLst>
+                              <p:cond delay="0"/>
+                            </p:stCondLst>
+                            <p:childTnLst>
+                              <p:par>
+                                <p:cTn id="9" presetID="1" presetClass="exit" presetSubtype="0" fill="hold" grpId="0" nodeType="clickEffect">
+                                  <p:stCondLst>
+                                    <p:cond delay="0"/>
+                                  </p:stCondLst>
+                                  <p:childTnLst>
+                                    <p:set>
+                                      <p:cBhvr>
+                                        <p:cTn id="10" dur="1" fill="hold">
+                                          <p:stCondLst>
+                                            <p:cond delay="0"/>
+                                          </p:stCondLst>
+                                        </p:cTn>
+                                        <p:tgtEl>
+                                          <p:spTgt spid="12"/>
+                                        </p:tgtEl>
+                                        <p:attrNameLst>
+                                          <p:attrName>style.visibility</p:attrName>
+                                        </p:attrNameLst>
+                                      </p:cBhvr>
+                                      <p:to>
+                                        <p:strVal val="hidden"/>
+                                      </p:to>
+                                    </p:set>
+                                  </p:childTnLst>
+                                </p:cTn>
+                              </p:par>
+                            </p:childTnLst>
+                          </p:cTn>
+                        </p:par>
+                      </p:childTnLst>
+                    </p:cTn>
+                  </p:par>
+                </p:childTnLst>
+              </p:cTn>
+              <p:prevCondLst>
+                <p:cond evt="onPrev" delay="0">
+                  <p:tgtEl>
+                    <p:sldTgt/>
+                  </p:tgtEl>
+                </p:cond>
+              </p:prevCondLst>
+              <p:nextCondLst>
+                <p:cond evt="onNext" delay="0">
+                  <p:tgtEl>
+                    <p:sldTgt/>
+                  </p:tgtEl>
+                </p:cond>
+              </p:nextCondLst>
+            </p:seq>
+          </p:childTnLst>
+        </p:cTn>
+      </p:par>
+    </p:tnLst>
+    <p:bldLst>
+      <p:bldP spid="12" grpId="0" animBg="1"/>
+      <p:bldP spid="15" grpId="0" animBg="1"/>
+    </p:bldLst>
+  </p:timing>
+</p:sld>
+</file>
+
+<file path=ppt/slides/slide7.xml><?xml version="1.0" encoding="utf-8"?>
+<p:sld xmlns:a="http://schemas.openxmlformats.org/drawingml/2006/main" xmlns:r="http://schemas.openxmlformats.org/officeDocument/2006/relationships" xmlns:p="http://schemas.openxmlformats.org/presentationml/2006/main" showMasterSp="0">
+  <p:cSld>
+    <p:bg>
+      <p:bgPr>
+        <a:blipFill dpi="0" rotWithShape="1">
+          <a:blip r:embed="rId2">
+            <a:lum/>
+          </a:blip>
+          <a:srcRect/>
+          <a:stretch>
+            <a:fillRect r="-6000"/>
+          </a:stretch>
+        </a:blipFill>
+        <a:effectLst/>
+      </p:bgPr>
+    </p:bg>
+    <p:spTree>
+      <p:nvGrpSpPr>
+        <p:cNvPr id="1" name=""/>
+        <p:cNvGrpSpPr/>
+        <p:nvPr/>
+      </p:nvGrpSpPr>
+      <p:grpSpPr>
+        <a:xfrm>
+          <a:off x="0" y="0"/>
+          <a:ext cx="0" cy="0"/>
+          <a:chOff x="0" y="0"/>
+          <a:chExt cx="0" cy="0"/>
+        </a:xfrm>
+      </p:grpSpPr>
+      <p:sp>
+        <p:nvSpPr>
+          <p:cNvPr id="2" name="Title 1"/>
+          <p:cNvSpPr>
+            <a:spLocks noGrp="1"/>
+          </p:cNvSpPr>
+          <p:nvPr>
+            <p:ph type="title"/>
+          </p:nvPr>
+        </p:nvSpPr>
+        <p:spPr>
+          <a:xfrm>
+            <a:off x="265322" y="420272"/>
+            <a:ext cx="8369284" cy="1015637"/>
+          </a:xfrm>
+          <a:prstGeom prst="rect">
+            <a:avLst/>
+          </a:prstGeom>
+        </p:spPr>
+        <p:txBody>
+          <a:bodyPr/>
+          <a:lstStyle/>
+          <a:p>
+            <a:pPr algn="l"/>
+            <a:r>
+              <a:rPr lang="en-US" sz="4000" dirty="0">
+                <a:latin typeface="Helvetica Neue"/>
+                <a:cs typeface="Helvetica Neue"/>
+              </a:rPr>
+              <a:t>Submission Conformance</a:t>
+            </a:r>
+            <a:endParaRPr lang="en-US" sz="4000" b="1" dirty="0">
+              <a:solidFill>
+                <a:srgbClr val="BBBCBC"/>
+              </a:solidFill>
+              <a:latin typeface="Helvetica Neue"/>
+              <a:cs typeface="Helvetica Neue"/>
+            </a:endParaRPr>
+          </a:p>
+        </p:txBody>
+      </p:sp>
+      <p:sp>
+        <p:nvSpPr>
+          <p:cNvPr id="3" name="Content Placeholder 2"/>
+          <p:cNvSpPr>
+            <a:spLocks noGrp="1"/>
+          </p:cNvSpPr>
+          <p:nvPr>
+            <p:ph idx="4294967295"/>
+          </p:nvPr>
+        </p:nvSpPr>
+        <p:spPr>
+          <a:xfrm>
+            <a:off x="265322" y="1243584"/>
+            <a:ext cx="8662778" cy="3834837"/>
+          </a:xfrm>
+          <a:prstGeom prst="rect">
+            <a:avLst/>
+          </a:prstGeom>
+        </p:spPr>
+        <p:txBody>
+          <a:bodyPr/>
+          <a:lstStyle/>
+          <a:p>
+            <a:r>
+              <a:rPr lang="en-US" dirty="0">
+                <a:latin typeface="Helvetica Neue"/>
+                <a:cs typeface="Helvetica Neue"/>
+              </a:rPr>
+              <a:t>Format and Content Completeness</a:t>
+            </a:r>
+          </a:p>
+          <a:p>
+            <a:r>
+              <a:rPr lang="en-US" dirty="0">
+                <a:latin typeface="Helvetica Neue"/>
+                <a:cs typeface="Helvetica Neue"/>
+              </a:rPr>
+              <a:t>FDA Standards Catalog</a:t>
+            </a:r>
+          </a:p>
+          <a:p>
+            <a:r>
+              <a:rPr lang="en-US" dirty="0">
+                <a:latin typeface="Helvetica Neue"/>
+                <a:cs typeface="Helvetica Neue"/>
+              </a:rPr>
+              <a:t>Increase automation of:</a:t>
+            </a:r>
+          </a:p>
+          <a:p>
+            <a:pPr lvl="1"/>
+            <a:r>
+              <a:rPr lang="en-US" dirty="0">
+                <a:latin typeface="Helvetica Neue"/>
+                <a:cs typeface="Helvetica Neue"/>
+              </a:rPr>
+              <a:t>Submission metadata collection</a:t>
+            </a:r>
+          </a:p>
+          <a:p>
+            <a:pPr lvl="1"/>
+            <a:r>
+              <a:rPr lang="en-US" dirty="0">
+                <a:latin typeface="Helvetica Neue"/>
+                <a:cs typeface="Helvetica Neue"/>
+              </a:rPr>
+              <a:t>Data validation</a:t>
+            </a:r>
+          </a:p>
+          <a:p>
+            <a:r>
+              <a:rPr lang="en-US" dirty="0">
+                <a:latin typeface="Helvetica Neue"/>
+                <a:cs typeface="Helvetica Neue"/>
+              </a:rPr>
+              <a:t>Collaboration with Academia (TBA!)</a:t>
+            </a:r>
+          </a:p>
+          <a:p>
+            <a:r>
+              <a:rPr lang="en-US" dirty="0">
+                <a:latin typeface="Helvetica Neue"/>
+                <a:cs typeface="Helvetica Neue"/>
+              </a:rPr>
+              <a:t>F.A.I.R.  </a:t>
+            </a:r>
+            <a:r>
+              <a:rPr lang="en-US" sz="1800" dirty="0">
+                <a:latin typeface="Helvetica Neue"/>
+                <a:cs typeface="Helvetica Neue"/>
+              </a:rPr>
+              <a:t>(Findable, Accessible, Interoperable, Reusable)</a:t>
+            </a:r>
+          </a:p>
+        </p:txBody>
+      </p:sp>
+    </p:spTree>
+    <p:extLst>
+      <p:ext uri="{BB962C8B-B14F-4D97-AF65-F5344CB8AC3E}">
+        <p14:creationId xmlns:p14="http://schemas.microsoft.com/office/powerpoint/2010/main" val="420154652"/>
+      </p:ext>
+    </p:extLst>
+  </p:cSld>
+  <p:clrMapOvr>
+    <a:masterClrMapping/>
+  </p:clrMapOvr>
+</p:sld>
+</file>
+
+<file path=ppt/slides/slide8.xml><?xml version="1.0" encoding="utf-8"?>
+<p:sld xmlns:a="http://schemas.openxmlformats.org/drawingml/2006/main" xmlns:r="http://schemas.openxmlformats.org/officeDocument/2006/relationships" xmlns:p="http://schemas.openxmlformats.org/presentationml/2006/main" showMasterSp="0">
+  <p:cSld>
+    <p:bg>
+      <p:bgPr>
+        <a:blipFill dpi="0" rotWithShape="1">
+          <a:blip r:embed="rId2">
+            <a:lum/>
+          </a:blip>
+          <a:srcRect/>
+          <a:stretch>
+            <a:fillRect r="-6000"/>
+          </a:stretch>
+        </a:blipFill>
+        <a:effectLst/>
+      </p:bgPr>
+    </p:bg>
+    <p:spTree>
+      <p:nvGrpSpPr>
+        <p:cNvPr id="1" name=""/>
+        <p:cNvGrpSpPr/>
+        <p:nvPr/>
+      </p:nvGrpSpPr>
+      <p:grpSpPr>
+        <a:xfrm>
+          <a:off x="0" y="0"/>
+          <a:ext cx="0" cy="0"/>
+          <a:chOff x="0" y="0"/>
+          <a:chExt cx="0" cy="0"/>
+        </a:xfrm>
+      </p:grpSpPr>
+      <p:sp>
+        <p:nvSpPr>
+          <p:cNvPr id="2" name="Title 1"/>
+          <p:cNvSpPr>
+            <a:spLocks noGrp="1"/>
+          </p:cNvSpPr>
+          <p:nvPr>
+            <p:ph type="title"/>
+          </p:nvPr>
+        </p:nvSpPr>
+        <p:spPr>
+          <a:xfrm>
+            <a:off x="265322" y="420272"/>
+            <a:ext cx="8369284" cy="1015637"/>
+          </a:xfrm>
+          <a:prstGeom prst="rect">
+            <a:avLst/>
+          </a:prstGeom>
+        </p:spPr>
+        <p:txBody>
+          <a:bodyPr/>
+          <a:lstStyle/>
+          <a:p>
+            <a:pPr algn="l"/>
+            <a:r>
+              <a:rPr lang="en-US" sz="4000" b="1" dirty="0">
+                <a:solidFill>
+                  <a:srgbClr val="BBBCBC"/>
+                </a:solidFill>
+                <a:latin typeface="Helvetica Neue"/>
+                <a:cs typeface="Helvetica Neue"/>
+              </a:rPr>
+              <a:t>I. Project Website</a:t>
+            </a:r>
+          </a:p>
+        </p:txBody>
+      </p:sp>
+      <p:pic>
+        <p:nvPicPr>
+          <p:cNvPr id="4" name="Picture 3" descr="A picture containing sky, indoor&#10;&#10;Description generated with very high confidence">
+            <a:extLst>
+              <a:ext uri="{FF2B5EF4-FFF2-40B4-BE49-F238E27FC236}">
+                <a16:creationId xmlns:a16="http://schemas.microsoft.com/office/drawing/2014/main" id="{D30A4E40-C833-4152-9057-052522E37442}"/>
+              </a:ext>
+            </a:extLst>
+          </p:cNvPr>
+          <p:cNvPicPr>
+            <a:picLocks noChangeAspect="1"/>
+          </p:cNvPicPr>
+          <p:nvPr/>
+        </p:nvPicPr>
+        <p:blipFill>
+          <a:blip r:embed="rId3">
+            <a:extLst>
+              <a:ext uri="{28A0092B-C50C-407E-A947-70E740481C1C}">
+                <a14:useLocalDpi xmlns:a14="http://schemas.microsoft.com/office/drawing/2010/main" val="0"/>
+              </a:ext>
+            </a:extLst>
+          </a:blip>
+          <a:stretch>
+            <a:fillRect/>
+          </a:stretch>
+        </p:blipFill>
+        <p:spPr>
+          <a:xfrm>
+            <a:off x="5130800" y="723431"/>
+            <a:ext cx="3856150" cy="3802218"/>
+          </a:xfrm>
+          <a:prstGeom prst="rect">
+            <a:avLst/>
+          </a:prstGeom>
+        </p:spPr>
+      </p:pic>
+      <p:sp>
+        <p:nvSpPr>
+          <p:cNvPr id="5" name="TextBox 4">
+            <a:extLst>
+              <a:ext uri="{FF2B5EF4-FFF2-40B4-BE49-F238E27FC236}">
+                <a16:creationId xmlns:a16="http://schemas.microsoft.com/office/drawing/2014/main" id="{12E5BEBE-8C8A-4130-8E87-E1242AEDD5B6}"/>
+              </a:ext>
+            </a:extLst>
+          </p:cNvPr>
+          <p:cNvSpPr txBox="1"/>
+          <p:nvPr/>
+        </p:nvSpPr>
+        <p:spPr>
+          <a:xfrm>
+            <a:off x="5362588" y="1988437"/>
+            <a:ext cx="1837361" cy="646331"/>
+          </a:xfrm>
+          <a:prstGeom prst="rect">
+            <a:avLst/>
+          </a:prstGeom>
+          <a:noFill/>
+        </p:spPr>
+        <p:txBody>
+          <a:bodyPr wrap="none" rtlCol="0">
+            <a:spAutoFit/>
+          </a:bodyPr>
+          <a:lstStyle/>
+          <a:p>
+            <a:pPr algn="ctr"/>
+            <a:r>
+              <a:rPr lang="en-US" i="1" dirty="0">
+                <a:solidFill>
+                  <a:schemeClr val="accent1">
+                    <a:lumMod val="50000"/>
+                  </a:schemeClr>
+                </a:solidFill>
+                <a:latin typeface="Calibri" panose="020F0502020204030204" pitchFamily="34" charset="0"/>
+                <a:cs typeface="Calibri" panose="020F0502020204030204" pitchFamily="34" charset="0"/>
+              </a:rPr>
+              <a:t>Violation of rule: </a:t>
+            </a:r>
+          </a:p>
+          <a:p>
+            <a:pPr algn="ctr"/>
+            <a:r>
+              <a:rPr lang="en-US" i="1" dirty="0">
+                <a:solidFill>
+                  <a:schemeClr val="accent1">
+                    <a:lumMod val="50000"/>
+                  </a:schemeClr>
+                </a:solidFill>
+                <a:latin typeface="Calibri" panose="020F0502020204030204" pitchFamily="34" charset="0"/>
+                <a:cs typeface="Calibri" panose="020F0502020204030204" pitchFamily="34" charset="0"/>
+              </a:rPr>
+              <a:t>Unique Subject ID</a:t>
+            </a:r>
+          </a:p>
+        </p:txBody>
+      </p:sp>
+      <p:sp>
+        <p:nvSpPr>
+          <p:cNvPr id="6" name="TextBox 5">
+            <a:extLst>
+              <a:ext uri="{FF2B5EF4-FFF2-40B4-BE49-F238E27FC236}">
+                <a16:creationId xmlns:a16="http://schemas.microsoft.com/office/drawing/2014/main" id="{9CF898D6-EFA5-461F-A821-C776D32B3E4C}"/>
+              </a:ext>
+            </a:extLst>
+          </p:cNvPr>
+          <p:cNvSpPr txBox="1"/>
+          <p:nvPr/>
+        </p:nvSpPr>
+        <p:spPr>
+          <a:xfrm>
+            <a:off x="265322" y="2311603"/>
+            <a:ext cx="4665251" cy="584775"/>
+          </a:xfrm>
+          <a:prstGeom prst="rect">
+            <a:avLst/>
+          </a:prstGeom>
+          <a:noFill/>
+        </p:spPr>
+        <p:txBody>
+          <a:bodyPr wrap="none" rtlCol="0">
+            <a:spAutoFit/>
+          </a:bodyPr>
+          <a:lstStyle/>
+          <a:p>
+            <a:r>
+              <a:rPr lang="en-US" sz="3200" dirty="0">
+                <a:solidFill>
+                  <a:srgbClr val="0000FF"/>
+                </a:solidFill>
+                <a:cs typeface="Arial" panose="020B0604020202020204" pitchFamily="34" charset="0"/>
+                <a:hlinkClick r:id="rId4"/>
+              </a:rPr>
+              <a:t>http://bit.ly/SENDConform</a:t>
+            </a:r>
+            <a:endParaRPr lang="en-US" sz="3200" dirty="0">
+              <a:solidFill>
+                <a:srgbClr val="0000FF"/>
+              </a:solidFill>
+              <a:cs typeface="Arial" panose="020B0604020202020204" pitchFamily="34" charset="0"/>
+            </a:endParaRPr>
+          </a:p>
+        </p:txBody>
+      </p:sp>
+      <p:sp>
+        <p:nvSpPr>
+          <p:cNvPr id="8" name="TextBox 7">
+            <a:extLst>
+              <a:ext uri="{FF2B5EF4-FFF2-40B4-BE49-F238E27FC236}">
+                <a16:creationId xmlns:a16="http://schemas.microsoft.com/office/drawing/2014/main" id="{58C8FF8C-CE9C-46C9-A650-C44B19A14E17}"/>
+              </a:ext>
+            </a:extLst>
+          </p:cNvPr>
+          <p:cNvSpPr txBox="1"/>
+          <p:nvPr/>
+        </p:nvSpPr>
+        <p:spPr>
+          <a:xfrm>
+            <a:off x="6674956" y="723431"/>
+            <a:ext cx="761747" cy="307777"/>
+          </a:xfrm>
+          <a:prstGeom prst="rect">
+            <a:avLst/>
+          </a:prstGeom>
+          <a:noFill/>
+        </p:spPr>
+        <p:txBody>
+          <a:bodyPr wrap="none" rtlCol="0">
+            <a:spAutoFit/>
+          </a:bodyPr>
+          <a:lstStyle>
+            <a:defPPr>
+              <a:defRPr lang="en-US"/>
+            </a:defPPr>
+            <a:lvl1pPr>
+              <a:defRPr sz="1400" b="1">
+                <a:solidFill>
+                  <a:schemeClr val="accent1">
+                    <a:lumMod val="75000"/>
+                  </a:schemeClr>
+                </a:solidFill>
+                <a:latin typeface="Arial" panose="020B0604020202020204" pitchFamily="34" charset="0"/>
+                <a:cs typeface="Arial" panose="020B0604020202020204" pitchFamily="34" charset="0"/>
+              </a:defRPr>
+            </a:lvl1pPr>
+          </a:lstStyle>
+          <a:p>
+            <a:r>
+              <a:rPr lang="en-US" dirty="0">
+                <a:solidFill>
+                  <a:srgbClr val="7030A0"/>
+                </a:solidFill>
+              </a:rPr>
+              <a:t>Report</a:t>
+            </a:r>
+          </a:p>
+        </p:txBody>
+      </p:sp>
+      <p:sp>
+        <p:nvSpPr>
+          <p:cNvPr id="9" name="TextBox 8">
+            <a:extLst>
+              <a:ext uri="{FF2B5EF4-FFF2-40B4-BE49-F238E27FC236}">
+                <a16:creationId xmlns:a16="http://schemas.microsoft.com/office/drawing/2014/main" id="{489373E0-CDF0-4CAB-9580-F8FF2DB1B893}"/>
+              </a:ext>
+            </a:extLst>
+          </p:cNvPr>
+          <p:cNvSpPr txBox="1"/>
+          <p:nvPr/>
+        </p:nvSpPr>
+        <p:spPr>
+          <a:xfrm>
+            <a:off x="5863408" y="3076628"/>
+            <a:ext cx="572593" cy="307777"/>
+          </a:xfrm>
+          <a:prstGeom prst="rect">
+            <a:avLst/>
+          </a:prstGeom>
+          <a:noFill/>
+        </p:spPr>
+        <p:txBody>
+          <a:bodyPr wrap="none" rtlCol="0">
+            <a:spAutoFit/>
+          </a:bodyPr>
+          <a:lstStyle/>
+          <a:p>
+            <a:r>
+              <a:rPr lang="en-US" sz="1400" b="1" dirty="0">
+                <a:solidFill>
+                  <a:schemeClr val="accent1">
+                    <a:lumMod val="75000"/>
+                  </a:schemeClr>
+                </a:solidFill>
+                <a:latin typeface="Arial" panose="020B0604020202020204" pitchFamily="34" charset="0"/>
+                <a:cs typeface="Arial" panose="020B0604020202020204" pitchFamily="34" charset="0"/>
+              </a:rPr>
+              <a:t>Data</a:t>
+            </a:r>
+          </a:p>
+        </p:txBody>
+      </p:sp>
+      <p:sp>
+        <p:nvSpPr>
+          <p:cNvPr id="10" name="TextBox 9">
+            <a:extLst>
+              <a:ext uri="{FF2B5EF4-FFF2-40B4-BE49-F238E27FC236}">
+                <a16:creationId xmlns:a16="http://schemas.microsoft.com/office/drawing/2014/main" id="{913B7FE3-370B-48ED-B465-673D1B072BBA}"/>
+              </a:ext>
+            </a:extLst>
+          </p:cNvPr>
+          <p:cNvSpPr txBox="1"/>
+          <p:nvPr/>
+        </p:nvSpPr>
+        <p:spPr>
+          <a:xfrm>
+            <a:off x="8183525" y="4106817"/>
+            <a:ext cx="803425" cy="307777"/>
+          </a:xfrm>
+          <a:prstGeom prst="rect">
+            <a:avLst/>
+          </a:prstGeom>
+          <a:noFill/>
+        </p:spPr>
+        <p:txBody>
+          <a:bodyPr wrap="none" rtlCol="0">
+            <a:spAutoFit/>
+          </a:bodyPr>
+          <a:lstStyle>
+            <a:defPPr>
+              <a:defRPr lang="en-US"/>
+            </a:defPPr>
+            <a:lvl1pPr>
+              <a:defRPr sz="1400">
+                <a:solidFill>
+                  <a:schemeClr val="accent1">
+                    <a:lumMod val="75000"/>
+                  </a:schemeClr>
+                </a:solidFill>
+                <a:latin typeface="Arial" panose="020B0604020202020204" pitchFamily="34" charset="0"/>
+                <a:cs typeface="Arial" panose="020B0604020202020204" pitchFamily="34" charset="0"/>
+              </a:defRPr>
+            </a:lvl1pPr>
+          </a:lstStyle>
+          <a:p>
+            <a:r>
+              <a:rPr lang="en-US" b="1" dirty="0">
+                <a:solidFill>
+                  <a:schemeClr val="accent6">
+                    <a:lumMod val="75000"/>
+                  </a:schemeClr>
+                </a:solidFill>
+              </a:rPr>
+              <a:t>SHACL</a:t>
+            </a:r>
+          </a:p>
+        </p:txBody>
+      </p:sp>
+    </p:spTree>
+    <p:extLst>
+      <p:ext uri="{BB962C8B-B14F-4D97-AF65-F5344CB8AC3E}">
+        <p14:creationId xmlns:p14="http://schemas.microsoft.com/office/powerpoint/2010/main" val="3877750731"/>
+      </p:ext>
+    </p:extLst>
+  </p:cSld>
+  <p:clrMapOvr>
+    <a:masterClrMapping/>
+  </p:clrMapOvr>
+</p:sld>
+</file>
+
+<file path=ppt/slides/slide9.xml><?xml version="1.0" encoding="utf-8"?>
+<p:sld xmlns:a="http://schemas.openxmlformats.org/drawingml/2006/main" xmlns:r="http://schemas.openxmlformats.org/officeDocument/2006/relationships" xmlns:p="http://schemas.openxmlformats.org/presentationml/2006/main" showMasterSp="0">
+  <p:cSld>
+    <p:bg>
+      <p:bgPr>
+        <a:blipFill dpi="0" rotWithShape="1">
+          <a:blip r:embed="rId2">
+            <a:lum/>
+          </a:blip>
+          <a:srcRect/>
+          <a:stretch>
+            <a:fillRect r="-6000"/>
+          </a:stretch>
+        </a:blipFill>
+        <a:effectLst/>
+      </p:bgPr>
+    </p:bg>
+    <p:spTree>
+      <p:nvGrpSpPr>
+        <p:cNvPr id="1" name=""/>
+        <p:cNvGrpSpPr/>
+        <p:nvPr/>
+      </p:nvGrpSpPr>
+      <p:grpSpPr>
+        <a:xfrm>
+          <a:off x="0" y="0"/>
+          <a:ext cx="0" cy="0"/>
+          <a:chOff x="0" y="0"/>
+          <a:chExt cx="0" cy="0"/>
+        </a:xfrm>
+      </p:grpSpPr>
       <p:grpSp>
         <p:nvGrpSpPr>
           <p:cNvPr id="11" name="Group 10">
@@ -2080,8 +4911,8 @@
         </p:nvSpPr>
         <p:spPr>
           <a:xfrm>
-            <a:off x="6108810" y="1126935"/>
-            <a:ext cx="3035190" cy="2308324"/>
+            <a:off x="6108810" y="924729"/>
+            <a:ext cx="3035190" cy="2677656"/>
           </a:xfrm>
           <a:prstGeom prst="rect">
             <a:avLst/>
@@ -2097,6 +4928,16 @@
             <a:r>
               <a:rPr lang="en-US" sz="2400" b="1" u="sng" dirty="0"/>
               <a:t>Supports</a:t>
+            </a:r>
+          </a:p>
+          <a:p>
+            <a:pPr marL="342900" indent="-342900">
+              <a:buFont typeface="Arial" panose="020B0604020202020204" pitchFamily="34" charset="0"/>
+              <a:buChar char="•"/>
+            </a:pPr>
+            <a:r>
+              <a:rPr lang="en-US" sz="2400" dirty="0"/>
+              <a:t>Data Quality</a:t>
             </a:r>
           </a:p>
           <a:p>
@@ -2182,9 +5023,7 @@
             <a:r>
               <a:rPr lang="en-US" sz="2400" b="1" dirty="0">
                 <a:solidFill>
-                  <a:schemeClr val="bg1">
-                    <a:lumMod val="95000"/>
-                  </a:schemeClr>
+                  <a:schemeClr val="bg1"/>
                 </a:solidFill>
               </a:rPr>
               <a:t>Industry</a:t>
@@ -2542,3092 +5381,6 @@
       <p:bldP spid="10" grpId="0"/>
     </p:bldLst>
   </p:timing>
-</p:sld>
-</file>
-
-<file path=ppt/slides/slide11.xml><?xml version="1.0" encoding="utf-8"?>
-<p:sld xmlns:a="http://schemas.openxmlformats.org/drawingml/2006/main" xmlns:r="http://schemas.openxmlformats.org/officeDocument/2006/relationships" xmlns:p="http://schemas.openxmlformats.org/presentationml/2006/main" showMasterSp="0">
-  <p:cSld>
-    <p:bg>
-      <p:bgPr>
-        <a:blipFill dpi="0" rotWithShape="1">
-          <a:blip r:embed="rId2">
-            <a:lum/>
-          </a:blip>
-          <a:srcRect/>
-          <a:stretch>
-            <a:fillRect r="-6000"/>
-          </a:stretch>
-        </a:blipFill>
-        <a:effectLst/>
-      </p:bgPr>
-    </p:bg>
-    <p:spTree>
-      <p:nvGrpSpPr>
-        <p:cNvPr id="1" name=""/>
-        <p:cNvGrpSpPr/>
-        <p:nvPr/>
-      </p:nvGrpSpPr>
-      <p:grpSpPr>
-        <a:xfrm>
-          <a:off x="0" y="0"/>
-          <a:ext cx="0" cy="0"/>
-          <a:chOff x="0" y="0"/>
-          <a:chExt cx="0" cy="0"/>
-        </a:xfrm>
-      </p:grpSpPr>
-      <p:sp>
-        <p:nvSpPr>
-          <p:cNvPr id="2" name="Title 1"/>
-          <p:cNvSpPr>
-            <a:spLocks noGrp="1"/>
-          </p:cNvSpPr>
-          <p:nvPr>
-            <p:ph type="title"/>
-          </p:nvPr>
-        </p:nvSpPr>
-        <p:spPr>
-          <a:xfrm>
-            <a:off x="265322" y="420272"/>
-            <a:ext cx="8369284" cy="1015637"/>
-          </a:xfrm>
-          <a:prstGeom prst="rect">
-            <a:avLst/>
-          </a:prstGeom>
-        </p:spPr>
-        <p:txBody>
-          <a:bodyPr/>
-          <a:lstStyle/>
-          <a:p>
-            <a:pPr algn="l"/>
-            <a:r>
-              <a:rPr lang="en-US" sz="4000" dirty="0">
-                <a:latin typeface="Helvetica Neue"/>
-                <a:cs typeface="Helvetica Neue"/>
-              </a:rPr>
-              <a:t>Impact</a:t>
-            </a:r>
-            <a:endParaRPr lang="en-US" sz="4000" b="1" dirty="0">
-              <a:solidFill>
-                <a:srgbClr val="BBBCBC"/>
-              </a:solidFill>
-              <a:latin typeface="Helvetica Neue"/>
-              <a:cs typeface="Helvetica Neue"/>
-            </a:endParaRPr>
-          </a:p>
-        </p:txBody>
-      </p:sp>
-      <p:sp>
-        <p:nvSpPr>
-          <p:cNvPr id="3" name="Content Placeholder 2"/>
-          <p:cNvSpPr>
-            <a:spLocks noGrp="1"/>
-          </p:cNvSpPr>
-          <p:nvPr>
-            <p:ph idx="4294967295"/>
-          </p:nvPr>
-        </p:nvSpPr>
-        <p:spPr>
-          <a:xfrm>
-            <a:off x="265322" y="1600201"/>
-            <a:ext cx="8662778" cy="3834837"/>
-          </a:xfrm>
-          <a:prstGeom prst="rect">
-            <a:avLst/>
-          </a:prstGeom>
-        </p:spPr>
-        <p:txBody>
-          <a:bodyPr/>
-          <a:lstStyle/>
-          <a:p>
-            <a:r>
-              <a:rPr lang="en-US" dirty="0">
-                <a:latin typeface="Helvetica Neue"/>
-                <a:cs typeface="Helvetica Neue"/>
-              </a:rPr>
-              <a:t>Paradigm shift to data-centric approach</a:t>
-            </a:r>
-          </a:p>
-          <a:p>
-            <a:r>
-              <a:rPr lang="en-US" dirty="0">
-                <a:latin typeface="Helvetica Neue"/>
-                <a:cs typeface="Helvetica Neue"/>
-              </a:rPr>
-              <a:t>Higher data quality</a:t>
-            </a:r>
-          </a:p>
-          <a:p>
-            <a:r>
-              <a:rPr lang="en-US" dirty="0">
-                <a:latin typeface="Helvetica Neue"/>
-                <a:cs typeface="Helvetica Neue"/>
-              </a:rPr>
-              <a:t>Successful Submissions</a:t>
-            </a:r>
-          </a:p>
-          <a:p>
-            <a:r>
-              <a:rPr lang="en-US" dirty="0">
-                <a:latin typeface="Helvetica Neue"/>
-                <a:cs typeface="Helvetica Neue"/>
-              </a:rPr>
-              <a:t>New Insights</a:t>
-            </a:r>
-          </a:p>
-          <a:p>
-            <a:r>
-              <a:rPr lang="en-US" b="1" i="1" dirty="0">
-                <a:latin typeface="Helvetica Neue"/>
-                <a:cs typeface="Helvetica Neue"/>
-              </a:rPr>
-              <a:t>Faster therapies to patients</a:t>
-            </a:r>
-          </a:p>
-        </p:txBody>
-      </p:sp>
-    </p:spTree>
-    <p:extLst>
-      <p:ext uri="{BB962C8B-B14F-4D97-AF65-F5344CB8AC3E}">
-        <p14:creationId xmlns:p14="http://schemas.microsoft.com/office/powerpoint/2010/main" val="3190843788"/>
-      </p:ext>
-    </p:extLst>
-  </p:cSld>
-  <p:clrMapOvr>
-    <a:masterClrMapping/>
-  </p:clrMapOvr>
-</p:sld>
-</file>
-
-<file path=ppt/slides/slide12.xml><?xml version="1.0" encoding="utf-8"?>
-<p:sld xmlns:a="http://schemas.openxmlformats.org/drawingml/2006/main" xmlns:r="http://schemas.openxmlformats.org/officeDocument/2006/relationships" xmlns:p="http://schemas.openxmlformats.org/presentationml/2006/main" showMasterSp="0">
-  <p:cSld>
-    <p:bg>
-      <p:bgPr>
-        <a:blipFill dpi="0" rotWithShape="1">
-          <a:blip r:embed="rId2">
-            <a:lum/>
-          </a:blip>
-          <a:srcRect/>
-          <a:stretch>
-            <a:fillRect r="-6000"/>
-          </a:stretch>
-        </a:blipFill>
-        <a:effectLst/>
-      </p:bgPr>
-    </p:bg>
-    <p:spTree>
-      <p:nvGrpSpPr>
-        <p:cNvPr id="1" name=""/>
-        <p:cNvGrpSpPr/>
-        <p:nvPr/>
-      </p:nvGrpSpPr>
-      <p:grpSpPr>
-        <a:xfrm>
-          <a:off x="0" y="0"/>
-          <a:ext cx="0" cy="0"/>
-          <a:chOff x="0" y="0"/>
-          <a:chExt cx="0" cy="0"/>
-        </a:xfrm>
-      </p:grpSpPr>
-      <p:sp>
-        <p:nvSpPr>
-          <p:cNvPr id="2" name="Title 1"/>
-          <p:cNvSpPr>
-            <a:spLocks noGrp="1"/>
-          </p:cNvSpPr>
-          <p:nvPr>
-            <p:ph type="title"/>
-          </p:nvPr>
-        </p:nvSpPr>
-        <p:spPr>
-          <a:xfrm>
-            <a:off x="265322" y="420272"/>
-            <a:ext cx="8369284" cy="1015637"/>
-          </a:xfrm>
-          <a:prstGeom prst="rect">
-            <a:avLst/>
-          </a:prstGeom>
-        </p:spPr>
-        <p:txBody>
-          <a:bodyPr/>
-          <a:lstStyle/>
-          <a:p>
-            <a:pPr algn="l"/>
-            <a:r>
-              <a:rPr lang="en-US" sz="4000" dirty="0">
-                <a:latin typeface="Helvetica Neue"/>
-                <a:cs typeface="Helvetica Neue"/>
-              </a:rPr>
-              <a:t>We need your help!</a:t>
-            </a:r>
-            <a:endParaRPr lang="en-US" sz="4000" b="1" dirty="0">
-              <a:solidFill>
-                <a:srgbClr val="BBBCBC"/>
-              </a:solidFill>
-              <a:latin typeface="Helvetica Neue"/>
-              <a:cs typeface="Helvetica Neue"/>
-            </a:endParaRPr>
-          </a:p>
-        </p:txBody>
-      </p:sp>
-      <p:sp>
-        <p:nvSpPr>
-          <p:cNvPr id="3" name="Content Placeholder 2"/>
-          <p:cNvSpPr>
-            <a:spLocks noGrp="1"/>
-          </p:cNvSpPr>
-          <p:nvPr>
-            <p:ph idx="4294967295"/>
-          </p:nvPr>
-        </p:nvSpPr>
-        <p:spPr>
-          <a:xfrm>
-            <a:off x="468523" y="1222660"/>
-            <a:ext cx="8369284" cy="3834837"/>
-          </a:xfrm>
-          <a:prstGeom prst="rect">
-            <a:avLst/>
-          </a:prstGeom>
-        </p:spPr>
-        <p:txBody>
-          <a:bodyPr/>
-          <a:lstStyle/>
-          <a:p>
-            <a:r>
-              <a:rPr lang="en-US" b="1" dirty="0">
-                <a:latin typeface="Helvetica Neue"/>
-                <a:cs typeface="Helvetica Neue"/>
-              </a:rPr>
-              <a:t>Project Co-lead</a:t>
-            </a:r>
-            <a:r>
-              <a:rPr lang="en-US" dirty="0">
-                <a:latin typeface="Helvetica Neue"/>
-                <a:cs typeface="Helvetica Neue"/>
-              </a:rPr>
-              <a:t>: </a:t>
-            </a:r>
-            <a:r>
-              <a:rPr lang="en-US" dirty="0" err="1">
-                <a:latin typeface="Helvetica Neue"/>
-                <a:cs typeface="Helvetica Neue"/>
-              </a:rPr>
-              <a:t>Ontologist</a:t>
-            </a:r>
-            <a:r>
-              <a:rPr lang="en-US" dirty="0">
-                <a:latin typeface="Helvetica Neue"/>
-                <a:cs typeface="Helvetica Neue"/>
-              </a:rPr>
-              <a:t> with Clinical Experience</a:t>
-            </a:r>
-          </a:p>
-          <a:p>
-            <a:r>
-              <a:rPr lang="en-US" dirty="0">
-                <a:latin typeface="Helvetica Neue"/>
-                <a:cs typeface="Helvetica Neue"/>
-              </a:rPr>
-              <a:t>Protege, </a:t>
-            </a:r>
-            <a:r>
-              <a:rPr lang="en-US" dirty="0" err="1">
-                <a:latin typeface="Helvetica Neue"/>
-                <a:cs typeface="Helvetica Neue"/>
-              </a:rPr>
-              <a:t>WebProtege</a:t>
-            </a:r>
-            <a:endParaRPr lang="en-US" dirty="0">
-              <a:latin typeface="Helvetica Neue"/>
-              <a:cs typeface="Helvetica Neue"/>
-            </a:endParaRPr>
-          </a:p>
-          <a:p>
-            <a:r>
-              <a:rPr lang="en-US" dirty="0">
-                <a:latin typeface="Helvetica Neue"/>
-                <a:cs typeface="Helvetica Neue"/>
-              </a:rPr>
-              <a:t>Linked Data, R, Python, Markdown...or want to learn!</a:t>
-            </a:r>
-          </a:p>
-        </p:txBody>
-      </p:sp>
-      <p:pic>
-        <p:nvPicPr>
-          <p:cNvPr id="1026" name="Picture 2" descr="Image result for help wanted">
-            <a:extLst>
-              <a:ext uri="{FF2B5EF4-FFF2-40B4-BE49-F238E27FC236}">
-                <a16:creationId xmlns:a16="http://schemas.microsoft.com/office/drawing/2014/main" id="{51B63FC6-BBFD-433E-9BBC-E955EF6F6FA6}"/>
-              </a:ext>
-            </a:extLst>
-          </p:cNvPr>
-          <p:cNvPicPr>
-            <a:picLocks noChangeAspect="1" noChangeArrowheads="1"/>
-          </p:cNvPicPr>
-          <p:nvPr/>
-        </p:nvPicPr>
-        <p:blipFill>
-          <a:blip r:embed="rId3">
-            <a:extLst>
-              <a:ext uri="{28A0092B-C50C-407E-A947-70E740481C1C}">
-                <a14:useLocalDpi xmlns:a14="http://schemas.microsoft.com/office/drawing/2010/main" val="0"/>
-              </a:ext>
-            </a:extLst>
-          </a:blip>
-          <a:srcRect/>
-          <a:stretch>
-            <a:fillRect/>
-          </a:stretch>
-        </p:blipFill>
-        <p:spPr bwMode="auto">
-          <a:xfrm rot="20559325">
-            <a:off x="7624214" y="243653"/>
-            <a:ext cx="1113066" cy="844178"/>
-          </a:xfrm>
-          <a:prstGeom prst="rect">
-            <a:avLst/>
-          </a:prstGeom>
-          <a:noFill/>
-          <a:extLst>
-            <a:ext uri="{909E8E84-426E-40DD-AFC4-6F175D3DCCD1}">
-              <a14:hiddenFill xmlns:a14="http://schemas.microsoft.com/office/drawing/2010/main">
-                <a:solidFill>
-                  <a:srgbClr val="FFFFFF"/>
-                </a:solidFill>
-              </a14:hiddenFill>
-            </a:ext>
-          </a:extLst>
-        </p:spPr>
-      </p:pic>
-    </p:spTree>
-    <p:extLst>
-      <p:ext uri="{BB962C8B-B14F-4D97-AF65-F5344CB8AC3E}">
-        <p14:creationId xmlns:p14="http://schemas.microsoft.com/office/powerpoint/2010/main" val="269597887"/>
-      </p:ext>
-    </p:extLst>
-  </p:cSld>
-  <p:clrMapOvr>
-    <a:masterClrMapping/>
-  </p:clrMapOvr>
-</p:sld>
-</file>
-
-<file path=ppt/slides/slide13.xml><?xml version="1.0" encoding="utf-8"?>
-<p:sld xmlns:a="http://schemas.openxmlformats.org/drawingml/2006/main" xmlns:r="http://schemas.openxmlformats.org/officeDocument/2006/relationships" xmlns:p="http://schemas.openxmlformats.org/presentationml/2006/main" showMasterSp="0">
-  <p:cSld>
-    <p:bg>
-      <p:bgPr>
-        <a:blipFill dpi="0" rotWithShape="1">
-          <a:blip r:embed="rId2">
-            <a:lum/>
-          </a:blip>
-          <a:srcRect/>
-          <a:stretch>
-            <a:fillRect r="-6000"/>
-          </a:stretch>
-        </a:blipFill>
-        <a:effectLst/>
-      </p:bgPr>
-    </p:bg>
-    <p:spTree>
-      <p:nvGrpSpPr>
-        <p:cNvPr id="1" name=""/>
-        <p:cNvGrpSpPr/>
-        <p:nvPr/>
-      </p:nvGrpSpPr>
-      <p:grpSpPr>
-        <a:xfrm>
-          <a:off x="0" y="0"/>
-          <a:ext cx="0" cy="0"/>
-          <a:chOff x="0" y="0"/>
-          <a:chExt cx="0" cy="0"/>
-        </a:xfrm>
-      </p:grpSpPr>
-      <p:sp>
-        <p:nvSpPr>
-          <p:cNvPr id="2" name="TextBox 1">
-            <a:extLst>
-              <a:ext uri="{FF2B5EF4-FFF2-40B4-BE49-F238E27FC236}">
-                <a16:creationId xmlns:a16="http://schemas.microsoft.com/office/drawing/2014/main" id="{87FF9F14-71C8-4B7F-8438-B7889DB69F65}"/>
-              </a:ext>
-            </a:extLst>
-          </p:cNvPr>
-          <p:cNvSpPr txBox="1"/>
-          <p:nvPr/>
-        </p:nvSpPr>
-        <p:spPr>
-          <a:xfrm>
-            <a:off x="2578100" y="2413000"/>
-            <a:ext cx="3500574" cy="923330"/>
-          </a:xfrm>
-          <a:prstGeom prst="rect">
-            <a:avLst/>
-          </a:prstGeom>
-          <a:noFill/>
-        </p:spPr>
-        <p:txBody>
-          <a:bodyPr wrap="none" rtlCol="0">
-            <a:spAutoFit/>
-          </a:bodyPr>
-          <a:lstStyle/>
-          <a:p>
-            <a:r>
-              <a:rPr lang="en-US" sz="5400" dirty="0">
-                <a:latin typeface="Cambria" panose="02040503050406030204" pitchFamily="18" charset="0"/>
-                <a:ea typeface="Cambria" panose="02040503050406030204" pitchFamily="18" charset="0"/>
-              </a:rPr>
-              <a:t>Thank you!</a:t>
-            </a:r>
-          </a:p>
-        </p:txBody>
-      </p:sp>
-    </p:spTree>
-    <p:extLst>
-      <p:ext uri="{BB962C8B-B14F-4D97-AF65-F5344CB8AC3E}">
-        <p14:creationId xmlns:p14="http://schemas.microsoft.com/office/powerpoint/2010/main" val="1004527406"/>
-      </p:ext>
-    </p:extLst>
-  </p:cSld>
-  <p:clrMapOvr>
-    <a:masterClrMapping/>
-  </p:clrMapOvr>
-</p:sld>
-</file>
-
-<file path=ppt/slides/slide2.xml><?xml version="1.0" encoding="utf-8"?>
-<p:sld xmlns:a="http://schemas.openxmlformats.org/drawingml/2006/main" xmlns:r="http://schemas.openxmlformats.org/officeDocument/2006/relationships" xmlns:p="http://schemas.openxmlformats.org/presentationml/2006/main" showMasterSp="0">
-  <p:cSld>
-    <p:bg>
-      <p:bgPr>
-        <a:blipFill dpi="0" rotWithShape="1">
-          <a:blip r:embed="rId2">
-            <a:lum/>
-          </a:blip>
-          <a:srcRect/>
-          <a:stretch>
-            <a:fillRect r="-6000"/>
-          </a:stretch>
-        </a:blipFill>
-        <a:effectLst/>
-      </p:bgPr>
-    </p:bg>
-    <p:spTree>
-      <p:nvGrpSpPr>
-        <p:cNvPr id="1" name=""/>
-        <p:cNvGrpSpPr/>
-        <p:nvPr/>
-      </p:nvGrpSpPr>
-      <p:grpSpPr>
-        <a:xfrm>
-          <a:off x="0" y="0"/>
-          <a:ext cx="0" cy="0"/>
-          <a:chOff x="0" y="0"/>
-          <a:chExt cx="0" cy="0"/>
-        </a:xfrm>
-      </p:grpSpPr>
-      <p:sp>
-        <p:nvSpPr>
-          <p:cNvPr id="2" name="Title 1"/>
-          <p:cNvSpPr>
-            <a:spLocks noGrp="1"/>
-          </p:cNvSpPr>
-          <p:nvPr>
-            <p:ph type="title"/>
-          </p:nvPr>
-        </p:nvSpPr>
-        <p:spPr>
-          <a:xfrm>
-            <a:off x="265322" y="420272"/>
-            <a:ext cx="8369284" cy="1015637"/>
-          </a:xfrm>
-          <a:prstGeom prst="rect">
-            <a:avLst/>
-          </a:prstGeom>
-        </p:spPr>
-        <p:txBody>
-          <a:bodyPr/>
-          <a:lstStyle/>
-          <a:p>
-            <a:pPr algn="l"/>
-            <a:r>
-              <a:rPr lang="en-US" sz="4000" b="1" dirty="0">
-                <a:solidFill>
-                  <a:srgbClr val="BBBCBC"/>
-                </a:solidFill>
-                <a:latin typeface="Helvetica Neue"/>
-                <a:cs typeface="Helvetica Neue"/>
-              </a:rPr>
-              <a:t>Project Leads</a:t>
-            </a:r>
-          </a:p>
-        </p:txBody>
-      </p:sp>
-      <p:sp>
-        <p:nvSpPr>
-          <p:cNvPr id="3" name="Content Placeholder 2"/>
-          <p:cNvSpPr>
-            <a:spLocks noGrp="1"/>
-          </p:cNvSpPr>
-          <p:nvPr>
-            <p:ph idx="4294967295"/>
-          </p:nvPr>
-        </p:nvSpPr>
-        <p:spPr>
-          <a:xfrm>
-            <a:off x="2527300" y="1600201"/>
-            <a:ext cx="6451600" cy="3834837"/>
-          </a:xfrm>
-          <a:prstGeom prst="rect">
-            <a:avLst/>
-          </a:prstGeom>
-        </p:spPr>
-        <p:txBody>
-          <a:bodyPr/>
-          <a:lstStyle/>
-          <a:p>
-            <a:r>
-              <a:rPr lang="en-US" sz="2800" b="1" dirty="0">
-                <a:latin typeface="Helvetica Neue"/>
-                <a:cs typeface="Helvetica Neue"/>
-              </a:rPr>
-              <a:t>Project Lead</a:t>
-            </a:r>
-          </a:p>
-          <a:p>
-            <a:r>
-              <a:rPr lang="en-US" sz="2800" dirty="0">
-                <a:latin typeface="Helvetica Neue"/>
-                <a:cs typeface="Helvetica Neue"/>
-              </a:rPr>
-              <a:t>Tim Williams, UCB Biosciences</a:t>
-            </a:r>
-          </a:p>
-          <a:p>
-            <a:endParaRPr lang="en-US" sz="2800" dirty="0">
-              <a:latin typeface="Helvetica Neue"/>
-              <a:cs typeface="Helvetica Neue"/>
-            </a:endParaRPr>
-          </a:p>
-          <a:p>
-            <a:r>
-              <a:rPr lang="en-US" sz="2800" b="1" dirty="0">
-                <a:latin typeface="Helvetica Neue"/>
-                <a:cs typeface="Helvetica Neue"/>
-              </a:rPr>
-              <a:t>Ontology Development Consultant</a:t>
-            </a:r>
-          </a:p>
-          <a:p>
-            <a:r>
-              <a:rPr lang="en-US" sz="2800" dirty="0">
-                <a:latin typeface="Helvetica Neue"/>
-                <a:cs typeface="Helvetica Neue"/>
-              </a:rPr>
-              <a:t>Dr. Armando Oliva, </a:t>
-            </a:r>
-            <a:r>
-              <a:rPr lang="en-US" sz="2800" dirty="0" err="1">
-                <a:latin typeface="Helvetica Neue"/>
-                <a:cs typeface="Helvetica Neue"/>
-              </a:rPr>
-              <a:t>Semantica</a:t>
-            </a:r>
-            <a:r>
-              <a:rPr lang="en-US" sz="2800" dirty="0">
-                <a:latin typeface="Helvetica Neue"/>
-                <a:cs typeface="Helvetica Neue"/>
-              </a:rPr>
-              <a:t> LLC (retired)</a:t>
-            </a:r>
-          </a:p>
-          <a:p>
-            <a:pPr lvl="1"/>
-            <a:endParaRPr lang="en-US" dirty="0">
-              <a:latin typeface="Helvetica Neue"/>
-              <a:cs typeface="Helvetica Neue"/>
-            </a:endParaRPr>
-          </a:p>
-          <a:p>
-            <a:pPr marL="0" indent="0">
-              <a:buNone/>
-            </a:pPr>
-            <a:endParaRPr lang="en-US" sz="2800" dirty="0">
-              <a:latin typeface="Helvetica Neue"/>
-              <a:cs typeface="Helvetica Neue"/>
-            </a:endParaRPr>
-          </a:p>
-        </p:txBody>
-      </p:sp>
-      <p:pic>
-        <p:nvPicPr>
-          <p:cNvPr id="4" name="Picture 3">
-            <a:extLst>
-              <a:ext uri="{FF2B5EF4-FFF2-40B4-BE49-F238E27FC236}">
-                <a16:creationId xmlns:a16="http://schemas.microsoft.com/office/drawing/2014/main" id="{A14CBDA2-69F8-4090-8530-39E345C55541}"/>
-              </a:ext>
-            </a:extLst>
-          </p:cNvPr>
-          <p:cNvPicPr>
-            <a:picLocks noChangeAspect="1"/>
-          </p:cNvPicPr>
-          <p:nvPr/>
-        </p:nvPicPr>
-        <p:blipFill>
-          <a:blip r:embed="rId3"/>
-          <a:stretch>
-            <a:fillRect/>
-          </a:stretch>
-        </p:blipFill>
-        <p:spPr>
-          <a:xfrm>
-            <a:off x="1338580" y="1600201"/>
-            <a:ext cx="1188720" cy="1193693"/>
-          </a:xfrm>
-          <a:prstGeom prst="rect">
-            <a:avLst/>
-          </a:prstGeom>
-        </p:spPr>
-      </p:pic>
-    </p:spTree>
-    <p:extLst>
-      <p:ext uri="{BB962C8B-B14F-4D97-AF65-F5344CB8AC3E}">
-        <p14:creationId xmlns:p14="http://schemas.microsoft.com/office/powerpoint/2010/main" val="581032234"/>
-      </p:ext>
-    </p:extLst>
-  </p:cSld>
-  <p:clrMapOvr>
-    <a:masterClrMapping/>
-  </p:clrMapOvr>
-</p:sld>
-</file>
-
-<file path=ppt/slides/slide3.xml><?xml version="1.0" encoding="utf-8"?>
-<p:sld xmlns:a="http://schemas.openxmlformats.org/drawingml/2006/main" xmlns:r="http://schemas.openxmlformats.org/officeDocument/2006/relationships" xmlns:p="http://schemas.openxmlformats.org/presentationml/2006/main" showMasterSp="0">
-  <p:cSld>
-    <p:bg>
-      <p:bgPr>
-        <a:blipFill dpi="0" rotWithShape="1">
-          <a:blip r:embed="rId2">
-            <a:lum/>
-          </a:blip>
-          <a:srcRect/>
-          <a:stretch>
-            <a:fillRect r="-6000"/>
-          </a:stretch>
-        </a:blipFill>
-        <a:effectLst/>
-      </p:bgPr>
-    </p:bg>
-    <p:spTree>
-      <p:nvGrpSpPr>
-        <p:cNvPr id="1" name=""/>
-        <p:cNvGrpSpPr/>
-        <p:nvPr/>
-      </p:nvGrpSpPr>
-      <p:grpSpPr>
-        <a:xfrm>
-          <a:off x="0" y="0"/>
-          <a:ext cx="0" cy="0"/>
-          <a:chOff x="0" y="0"/>
-          <a:chExt cx="0" cy="0"/>
-        </a:xfrm>
-      </p:grpSpPr>
-      <p:sp>
-        <p:nvSpPr>
-          <p:cNvPr id="2" name="Title 1"/>
-          <p:cNvSpPr>
-            <a:spLocks noGrp="1"/>
-          </p:cNvSpPr>
-          <p:nvPr>
-            <p:ph type="title"/>
-          </p:nvPr>
-        </p:nvSpPr>
-        <p:spPr>
-          <a:xfrm>
-            <a:off x="265322" y="420272"/>
-            <a:ext cx="8369284" cy="1015637"/>
-          </a:xfrm>
-          <a:prstGeom prst="rect">
-            <a:avLst/>
-          </a:prstGeom>
-        </p:spPr>
-        <p:txBody>
-          <a:bodyPr/>
-          <a:lstStyle/>
-          <a:p>
-            <a:pPr algn="l"/>
-            <a:r>
-              <a:rPr lang="en-US" sz="4000" dirty="0">
-                <a:latin typeface="Helvetica Neue"/>
-                <a:cs typeface="Helvetica Neue"/>
-              </a:rPr>
-              <a:t>Project Collaboration</a:t>
-            </a:r>
-            <a:endParaRPr lang="en-US" sz="4000" b="1" dirty="0">
-              <a:solidFill>
-                <a:srgbClr val="BBBCBC"/>
-              </a:solidFill>
-              <a:latin typeface="Helvetica Neue"/>
-              <a:cs typeface="Helvetica Neue"/>
-            </a:endParaRPr>
-          </a:p>
-        </p:txBody>
-      </p:sp>
-      <p:sp>
-        <p:nvSpPr>
-          <p:cNvPr id="3" name="Content Placeholder 2"/>
-          <p:cNvSpPr>
-            <a:spLocks noGrp="1"/>
-          </p:cNvSpPr>
-          <p:nvPr>
-            <p:ph idx="4294967295"/>
-          </p:nvPr>
-        </p:nvSpPr>
-        <p:spPr>
-          <a:xfrm>
-            <a:off x="265322" y="1600201"/>
-            <a:ext cx="8369284" cy="3834837"/>
-          </a:xfrm>
-          <a:prstGeom prst="rect">
-            <a:avLst/>
-          </a:prstGeom>
-        </p:spPr>
-        <p:txBody>
-          <a:bodyPr/>
-          <a:lstStyle/>
-          <a:p>
-            <a:r>
-              <a:rPr lang="en-US" dirty="0">
-                <a:latin typeface="Helvetica Neue"/>
-                <a:cs typeface="Helvetica Neue"/>
-              </a:rPr>
-              <a:t>PHUSE Working Group Project Team</a:t>
-            </a:r>
-          </a:p>
-          <a:p>
-            <a:r>
-              <a:rPr lang="en-US" dirty="0">
-                <a:latin typeface="Helvetica Neue"/>
-                <a:cs typeface="Helvetica Neue"/>
-              </a:rPr>
-              <a:t>FDA (preclinical submissions)</a:t>
-            </a:r>
-          </a:p>
-          <a:p>
-            <a:r>
-              <a:rPr lang="en-US" dirty="0">
-                <a:latin typeface="Helvetica Neue"/>
-                <a:cs typeface="Helvetica Neue"/>
-              </a:rPr>
-              <a:t>Academia (pending/TBA)</a:t>
-            </a:r>
-          </a:p>
-        </p:txBody>
-      </p:sp>
-    </p:spTree>
-    <p:extLst>
-      <p:ext uri="{BB962C8B-B14F-4D97-AF65-F5344CB8AC3E}">
-        <p14:creationId xmlns:p14="http://schemas.microsoft.com/office/powerpoint/2010/main" val="1657060191"/>
-      </p:ext>
-    </p:extLst>
-  </p:cSld>
-  <p:clrMapOvr>
-    <a:masterClrMapping/>
-  </p:clrMapOvr>
-</p:sld>
-</file>
-
-<file path=ppt/slides/slide4.xml><?xml version="1.0" encoding="utf-8"?>
-<p:sld xmlns:a="http://schemas.openxmlformats.org/drawingml/2006/main" xmlns:r="http://schemas.openxmlformats.org/officeDocument/2006/relationships" xmlns:p="http://schemas.openxmlformats.org/presentationml/2006/main" showMasterSp="0">
-  <p:cSld>
-    <p:bg>
-      <p:bgPr>
-        <a:blipFill dpi="0" rotWithShape="1">
-          <a:blip r:embed="rId2">
-            <a:lum/>
-          </a:blip>
-          <a:srcRect/>
-          <a:stretch>
-            <a:fillRect r="-6000"/>
-          </a:stretch>
-        </a:blipFill>
-        <a:effectLst/>
-      </p:bgPr>
-    </p:bg>
-    <p:spTree>
-      <p:nvGrpSpPr>
-        <p:cNvPr id="1" name=""/>
-        <p:cNvGrpSpPr/>
-        <p:nvPr/>
-      </p:nvGrpSpPr>
-      <p:grpSpPr>
-        <a:xfrm>
-          <a:off x="0" y="0"/>
-          <a:ext cx="0" cy="0"/>
-          <a:chOff x="0" y="0"/>
-          <a:chExt cx="0" cy="0"/>
-        </a:xfrm>
-      </p:grpSpPr>
-      <p:pic>
-        <p:nvPicPr>
-          <p:cNvPr id="4" name="Picture 2" descr="Image result for 1989 flip phone transparent image">
-            <a:extLst>
-              <a:ext uri="{FF2B5EF4-FFF2-40B4-BE49-F238E27FC236}">
-                <a16:creationId xmlns:a16="http://schemas.microsoft.com/office/drawing/2014/main" id="{B411B069-DC02-4A49-84E7-A8F6DB08E984}"/>
-              </a:ext>
-            </a:extLst>
-          </p:cNvPr>
-          <p:cNvPicPr>
-            <a:picLocks noChangeAspect="1" noChangeArrowheads="1"/>
-          </p:cNvPicPr>
-          <p:nvPr/>
-        </p:nvPicPr>
-        <p:blipFill>
-          <a:blip r:embed="rId3">
-            <a:extLst>
-              <a:ext uri="{28A0092B-C50C-407E-A947-70E740481C1C}">
-                <a14:useLocalDpi xmlns:a14="http://schemas.microsoft.com/office/drawing/2010/main" val="0"/>
-              </a:ext>
-            </a:extLst>
-          </a:blip>
-          <a:srcRect/>
-          <a:stretch>
-            <a:fillRect/>
-          </a:stretch>
-        </p:blipFill>
-        <p:spPr bwMode="auto">
-          <a:xfrm>
-            <a:off x="5258597" y="1297277"/>
-            <a:ext cx="1649364" cy="1237024"/>
-          </a:xfrm>
-          <a:prstGeom prst="rect">
-            <a:avLst/>
-          </a:prstGeom>
-          <a:noFill/>
-          <a:extLst>
-            <a:ext uri="{909E8E84-426E-40DD-AFC4-6F175D3DCCD1}">
-              <a14:hiddenFill xmlns:a14="http://schemas.microsoft.com/office/drawing/2010/main">
-                <a:solidFill>
-                  <a:srgbClr val="FFFFFF"/>
-                </a:solidFill>
-              </a14:hiddenFill>
-            </a:ext>
-          </a:extLst>
-        </p:spPr>
-      </p:pic>
-      <p:sp>
-        <p:nvSpPr>
-          <p:cNvPr id="2" name="Title 1"/>
-          <p:cNvSpPr>
-            <a:spLocks noGrp="1"/>
-          </p:cNvSpPr>
-          <p:nvPr>
-            <p:ph type="title"/>
-          </p:nvPr>
-        </p:nvSpPr>
-        <p:spPr>
-          <a:xfrm>
-            <a:off x="265322" y="420272"/>
-            <a:ext cx="8369284" cy="1015637"/>
-          </a:xfrm>
-          <a:prstGeom prst="rect">
-            <a:avLst/>
-          </a:prstGeom>
-        </p:spPr>
-        <p:txBody>
-          <a:bodyPr/>
-          <a:lstStyle/>
-          <a:p>
-            <a:pPr algn="l"/>
-            <a:r>
-              <a:rPr lang="en-US" sz="4000" dirty="0">
-                <a:latin typeface="Helvetica Neue"/>
-                <a:cs typeface="Helvetica Neue"/>
-              </a:rPr>
-              <a:t>Challenges</a:t>
-            </a:r>
-            <a:endParaRPr lang="en-US" sz="4000" b="1" dirty="0">
-              <a:solidFill>
-                <a:srgbClr val="BBBCBC"/>
-              </a:solidFill>
-              <a:latin typeface="Helvetica Neue"/>
-              <a:cs typeface="Helvetica Neue"/>
-            </a:endParaRPr>
-          </a:p>
-        </p:txBody>
-      </p:sp>
-      <p:sp>
-        <p:nvSpPr>
-          <p:cNvPr id="3" name="Content Placeholder 2"/>
-          <p:cNvSpPr>
-            <a:spLocks noGrp="1"/>
-          </p:cNvSpPr>
-          <p:nvPr>
-            <p:ph idx="4294967295"/>
-          </p:nvPr>
-        </p:nvSpPr>
-        <p:spPr>
-          <a:xfrm>
-            <a:off x="265322" y="1600201"/>
-            <a:ext cx="8369284" cy="3834837"/>
-          </a:xfrm>
-          <a:prstGeom prst="rect">
-            <a:avLst/>
-          </a:prstGeom>
-        </p:spPr>
-        <p:txBody>
-          <a:bodyPr/>
-          <a:lstStyle/>
-          <a:p>
-            <a:r>
-              <a:rPr lang="en-US" dirty="0">
-                <a:latin typeface="Helvetica Neue"/>
-                <a:cs typeface="Helvetica Neue"/>
-              </a:rPr>
-              <a:t>File format from late 1980’s</a:t>
-            </a:r>
-          </a:p>
-          <a:p>
-            <a:endParaRPr lang="en-US" dirty="0">
-              <a:latin typeface="Helvetica Neue"/>
-              <a:cs typeface="Helvetica Neue"/>
-            </a:endParaRPr>
-          </a:p>
-          <a:p>
-            <a:r>
-              <a:rPr lang="en-GB" dirty="0">
-                <a:latin typeface="Arial" panose="020B0604020202020204" pitchFamily="34" charset="0"/>
-                <a:cs typeface="Arial" panose="020B0604020202020204" pitchFamily="34" charset="0"/>
-              </a:rPr>
-              <a:t>Data modelled to industry standards in row-by-column </a:t>
-            </a:r>
-          </a:p>
-          <a:p>
-            <a:pPr marL="0" indent="0">
-              <a:buNone/>
-            </a:pPr>
-            <a:endParaRPr lang="en-GB" dirty="0">
-              <a:latin typeface="Arial" panose="020B0604020202020204" pitchFamily="34" charset="0"/>
-              <a:cs typeface="Arial" panose="020B0604020202020204" pitchFamily="34" charset="0"/>
-            </a:endParaRPr>
-          </a:p>
-          <a:p>
-            <a:r>
-              <a:rPr lang="en-GB" dirty="0">
-                <a:latin typeface="Arial" panose="020B0604020202020204" pitchFamily="34" charset="0"/>
-                <a:cs typeface="Arial" panose="020B0604020202020204" pitchFamily="34" charset="0"/>
-              </a:rPr>
-              <a:t>FDA Submissions</a:t>
-            </a:r>
-            <a:r>
-              <a:rPr lang="en-GB" dirty="0">
-                <a:solidFill>
-                  <a:schemeClr val="tx1">
-                    <a:lumMod val="95000"/>
-                    <a:lumOff val="5000"/>
-                  </a:schemeClr>
-                </a:solidFill>
-                <a:latin typeface="Arial" panose="020B0604020202020204" pitchFamily="34" charset="0"/>
-                <a:cs typeface="Arial" panose="020B0604020202020204" pitchFamily="34" charset="0"/>
-              </a:rPr>
-              <a:t>:</a:t>
-            </a:r>
-            <a:r>
-              <a:rPr lang="en-GB" dirty="0">
-                <a:solidFill>
-                  <a:srgbClr val="990033"/>
-                </a:solidFill>
-                <a:latin typeface="Arial" panose="020B0604020202020204" pitchFamily="34" charset="0"/>
-                <a:cs typeface="Arial" panose="020B0604020202020204" pitchFamily="34" charset="0"/>
-              </a:rPr>
-              <a:t> 32% conformance issues  </a:t>
-            </a:r>
-            <a:r>
-              <a:rPr lang="en-GB" dirty="0">
-                <a:latin typeface="Arial" panose="020B0604020202020204" pitchFamily="34" charset="0"/>
-                <a:cs typeface="Arial" panose="020B0604020202020204" pitchFamily="34" charset="0"/>
-              </a:rPr>
-              <a:t> (2016-2018)</a:t>
-            </a:r>
-            <a:endParaRPr lang="en-GB" u="sng" dirty="0">
-              <a:latin typeface="Arial" panose="020B0604020202020204" pitchFamily="34" charset="0"/>
-              <a:cs typeface="Arial" panose="020B0604020202020204" pitchFamily="34" charset="0"/>
-            </a:endParaRPr>
-          </a:p>
-          <a:p>
-            <a:endParaRPr lang="en-US" dirty="0">
-              <a:latin typeface="Helvetica Neue"/>
-              <a:cs typeface="Helvetica Neue"/>
-            </a:endParaRPr>
-          </a:p>
-        </p:txBody>
-      </p:sp>
-    </p:spTree>
-    <p:extLst>
-      <p:ext uri="{BB962C8B-B14F-4D97-AF65-F5344CB8AC3E}">
-        <p14:creationId xmlns:p14="http://schemas.microsoft.com/office/powerpoint/2010/main" val="2092435612"/>
-      </p:ext>
-    </p:extLst>
-  </p:cSld>
-  <p:clrMapOvr>
-    <a:masterClrMapping/>
-  </p:clrMapOvr>
-</p:sld>
-</file>
-
-<file path=ppt/slides/slide5.xml><?xml version="1.0" encoding="utf-8"?>
-<p:sld xmlns:a="http://schemas.openxmlformats.org/drawingml/2006/main" xmlns:r="http://schemas.openxmlformats.org/officeDocument/2006/relationships" xmlns:p="http://schemas.openxmlformats.org/presentationml/2006/main" showMasterSp="0">
-  <p:cSld>
-    <p:bg>
-      <p:bgPr>
-        <a:blipFill dpi="0" rotWithShape="1">
-          <a:blip r:embed="rId2">
-            <a:lum/>
-          </a:blip>
-          <a:srcRect/>
-          <a:stretch>
-            <a:fillRect r="-6000"/>
-          </a:stretch>
-        </a:blipFill>
-        <a:effectLst/>
-      </p:bgPr>
-    </p:bg>
-    <p:spTree>
-      <p:nvGrpSpPr>
-        <p:cNvPr id="1" name=""/>
-        <p:cNvGrpSpPr/>
-        <p:nvPr/>
-      </p:nvGrpSpPr>
-      <p:grpSpPr>
-        <a:xfrm>
-          <a:off x="0" y="0"/>
-          <a:ext cx="0" cy="0"/>
-          <a:chOff x="0" y="0"/>
-          <a:chExt cx="0" cy="0"/>
-        </a:xfrm>
-      </p:grpSpPr>
-      <p:sp>
-        <p:nvSpPr>
-          <p:cNvPr id="2" name="Title 1"/>
-          <p:cNvSpPr>
-            <a:spLocks noGrp="1"/>
-          </p:cNvSpPr>
-          <p:nvPr>
-            <p:ph type="title"/>
-          </p:nvPr>
-        </p:nvSpPr>
-        <p:spPr>
-          <a:xfrm>
-            <a:off x="265322" y="420272"/>
-            <a:ext cx="8369284" cy="1015637"/>
-          </a:xfrm>
-          <a:prstGeom prst="rect">
-            <a:avLst/>
-          </a:prstGeom>
-        </p:spPr>
-        <p:txBody>
-          <a:bodyPr/>
-          <a:lstStyle/>
-          <a:p>
-            <a:pPr algn="l"/>
-            <a:r>
-              <a:rPr lang="en-US" sz="4000" dirty="0">
-                <a:latin typeface="Helvetica Neue"/>
-                <a:cs typeface="Helvetica Neue"/>
-              </a:rPr>
-              <a:t>A Unique Approach</a:t>
-            </a:r>
-            <a:endParaRPr lang="en-US" sz="4000" b="1" dirty="0">
-              <a:solidFill>
-                <a:srgbClr val="BBBCBC"/>
-              </a:solidFill>
-              <a:latin typeface="Helvetica Neue"/>
-              <a:cs typeface="Helvetica Neue"/>
-            </a:endParaRPr>
-          </a:p>
-        </p:txBody>
-      </p:sp>
-      <p:sp>
-        <p:nvSpPr>
-          <p:cNvPr id="3" name="Content Placeholder 2"/>
-          <p:cNvSpPr>
-            <a:spLocks noGrp="1"/>
-          </p:cNvSpPr>
-          <p:nvPr>
-            <p:ph idx="4294967295"/>
-          </p:nvPr>
-        </p:nvSpPr>
-        <p:spPr>
-          <a:xfrm>
-            <a:off x="265322" y="1600201"/>
-            <a:ext cx="8369284" cy="805191"/>
-          </a:xfrm>
-          <a:prstGeom prst="rect">
-            <a:avLst/>
-          </a:prstGeom>
-        </p:spPr>
-        <p:txBody>
-          <a:bodyPr/>
-          <a:lstStyle/>
-          <a:p>
-            <a:r>
-              <a:rPr lang="en-US" dirty="0">
-                <a:latin typeface="Helvetica Neue"/>
-                <a:cs typeface="Helvetica Neue"/>
-              </a:rPr>
-              <a:t>Model the Study: Entities and Relations</a:t>
-            </a:r>
-          </a:p>
-          <a:p>
-            <a:endParaRPr lang="en-US" dirty="0">
-              <a:latin typeface="Helvetica Neue"/>
-              <a:cs typeface="Helvetica Neue"/>
-            </a:endParaRPr>
-          </a:p>
-        </p:txBody>
-      </p:sp>
-      <p:grpSp>
-        <p:nvGrpSpPr>
-          <p:cNvPr id="34" name="Group 33">
-            <a:extLst>
-              <a:ext uri="{FF2B5EF4-FFF2-40B4-BE49-F238E27FC236}">
-                <a16:creationId xmlns:a16="http://schemas.microsoft.com/office/drawing/2014/main" id="{1E553815-ED8E-4A24-B872-61BD7B043A3C}"/>
-              </a:ext>
-            </a:extLst>
-          </p:cNvPr>
-          <p:cNvGrpSpPr/>
-          <p:nvPr/>
-        </p:nvGrpSpPr>
-        <p:grpSpPr>
-          <a:xfrm>
-            <a:off x="2309982" y="2405392"/>
-            <a:ext cx="2943342" cy="1184106"/>
-            <a:chOff x="3141573" y="2405392"/>
-            <a:chExt cx="2943342" cy="1184106"/>
-          </a:xfrm>
-        </p:grpSpPr>
-        <p:cxnSp>
-          <p:nvCxnSpPr>
-            <p:cNvPr id="8" name="Straight Arrow Connector 7">
-              <a:extLst>
-                <a:ext uri="{FF2B5EF4-FFF2-40B4-BE49-F238E27FC236}">
-                  <a16:creationId xmlns:a16="http://schemas.microsoft.com/office/drawing/2014/main" id="{82A88043-366F-4C0F-B90B-8FF13186427D}"/>
-                </a:ext>
-              </a:extLst>
-            </p:cNvPr>
-            <p:cNvCxnSpPr>
-              <a:cxnSpLocks/>
-              <a:stCxn id="5" idx="2"/>
-            </p:cNvCxnSpPr>
-            <p:nvPr/>
-          </p:nvCxnSpPr>
-          <p:spPr>
-            <a:xfrm>
-              <a:off x="3781653" y="2730856"/>
-              <a:ext cx="396647" cy="533178"/>
-            </a:xfrm>
-            <a:prstGeom prst="straightConnector1">
-              <a:avLst/>
-            </a:prstGeom>
-            <a:ln w="44450">
-              <a:tailEnd type="triangle"/>
-            </a:ln>
-          </p:spPr>
-          <p:style>
-            <a:lnRef idx="1">
-              <a:schemeClr val="accent1"/>
-            </a:lnRef>
-            <a:fillRef idx="0">
-              <a:schemeClr val="accent1"/>
-            </a:fillRef>
-            <a:effectRef idx="0">
-              <a:schemeClr val="accent1"/>
-            </a:effectRef>
-            <a:fontRef idx="minor">
-              <a:schemeClr val="tx1"/>
-            </a:fontRef>
-          </p:style>
-        </p:cxnSp>
-        <p:cxnSp>
-          <p:nvCxnSpPr>
-            <p:cNvPr id="9" name="Straight Arrow Connector 8">
-              <a:extLst>
-                <a:ext uri="{FF2B5EF4-FFF2-40B4-BE49-F238E27FC236}">
-                  <a16:creationId xmlns:a16="http://schemas.microsoft.com/office/drawing/2014/main" id="{F742E9ED-8E11-460A-AC7B-D84BEE3AF2AA}"/>
-                </a:ext>
-              </a:extLst>
-            </p:cNvPr>
-            <p:cNvCxnSpPr>
-              <a:cxnSpLocks/>
-              <a:stCxn id="7" idx="2"/>
-            </p:cNvCxnSpPr>
-            <p:nvPr/>
-          </p:nvCxnSpPr>
-          <p:spPr>
-            <a:xfrm flipH="1">
-              <a:off x="4991100" y="2730856"/>
-              <a:ext cx="453735" cy="533178"/>
-            </a:xfrm>
-            <a:prstGeom prst="straightConnector1">
-              <a:avLst/>
-            </a:prstGeom>
-            <a:ln w="44450">
-              <a:tailEnd type="triangle"/>
-            </a:ln>
-          </p:spPr>
-          <p:style>
-            <a:lnRef idx="1">
-              <a:schemeClr val="accent1"/>
-            </a:lnRef>
-            <a:fillRef idx="0">
-              <a:schemeClr val="accent1"/>
-            </a:fillRef>
-            <a:effectRef idx="0">
-              <a:schemeClr val="accent1"/>
-            </a:effectRef>
-            <a:fontRef idx="minor">
-              <a:schemeClr val="tx1"/>
-            </a:fontRef>
-          </p:style>
-        </p:cxnSp>
-        <p:sp>
-          <p:nvSpPr>
-            <p:cNvPr id="5" name="Rectangle: Rounded Corners 4">
-              <a:extLst>
-                <a:ext uri="{FF2B5EF4-FFF2-40B4-BE49-F238E27FC236}">
-                  <a16:creationId xmlns:a16="http://schemas.microsoft.com/office/drawing/2014/main" id="{37B83357-FE3C-40DE-B745-4BDCC635C9D8}"/>
-                </a:ext>
-              </a:extLst>
-            </p:cNvPr>
-            <p:cNvSpPr/>
-            <p:nvPr/>
-          </p:nvSpPr>
-          <p:spPr>
-            <a:xfrm>
-              <a:off x="3141573" y="2405392"/>
-              <a:ext cx="1280160" cy="325464"/>
-            </a:xfrm>
-            <a:prstGeom prst="roundRect">
-              <a:avLst/>
-            </a:prstGeom>
-            <a:solidFill>
-              <a:schemeClr val="accent1">
-                <a:lumMod val="20000"/>
-                <a:lumOff val="80000"/>
-              </a:schemeClr>
-            </a:solidFill>
-            <a:ln w="38100"/>
-          </p:spPr>
-          <p:style>
-            <a:lnRef idx="2">
-              <a:schemeClr val="accent1">
-                <a:shade val="50000"/>
-              </a:schemeClr>
-            </a:lnRef>
-            <a:fillRef idx="1">
-              <a:schemeClr val="accent1"/>
-            </a:fillRef>
-            <a:effectRef idx="0">
-              <a:schemeClr val="accent1"/>
-            </a:effectRef>
-            <a:fontRef idx="minor">
-              <a:schemeClr val="lt1"/>
-            </a:fontRef>
-          </p:style>
-          <p:txBody>
-            <a:bodyPr lIns="9144" tIns="9144" rIns="9144" bIns="9144" rtlCol="0" anchor="ctr"/>
-            <a:lstStyle/>
-            <a:p>
-              <a:pPr algn="ctr"/>
-              <a:r>
-                <a:rPr lang="en-US" sz="1600" b="1" dirty="0">
-                  <a:solidFill>
-                    <a:schemeClr val="tx1"/>
-                  </a:solidFill>
-                </a:rPr>
-                <a:t>Study</a:t>
-              </a:r>
-            </a:p>
-          </p:txBody>
-        </p:sp>
-        <p:sp>
-          <p:nvSpPr>
-            <p:cNvPr id="6" name="Rectangle: Rounded Corners 5">
-              <a:extLst>
-                <a:ext uri="{FF2B5EF4-FFF2-40B4-BE49-F238E27FC236}">
-                  <a16:creationId xmlns:a16="http://schemas.microsoft.com/office/drawing/2014/main" id="{D5BCF4B6-D038-462E-89BC-747546F2400A}"/>
-                </a:ext>
-              </a:extLst>
-            </p:cNvPr>
-            <p:cNvSpPr/>
-            <p:nvPr/>
-          </p:nvSpPr>
-          <p:spPr>
-            <a:xfrm>
-              <a:off x="3973164" y="3264034"/>
-              <a:ext cx="1280160" cy="325464"/>
-            </a:xfrm>
-            <a:prstGeom prst="roundRect">
-              <a:avLst/>
-            </a:prstGeom>
-            <a:solidFill>
-              <a:schemeClr val="accent3">
-                <a:lumMod val="60000"/>
-                <a:lumOff val="40000"/>
-              </a:schemeClr>
-            </a:solidFill>
-            <a:ln w="38100">
-              <a:solidFill>
-                <a:schemeClr val="accent3">
-                  <a:lumMod val="75000"/>
-                </a:schemeClr>
-              </a:solidFill>
-            </a:ln>
-          </p:spPr>
-          <p:style>
-            <a:lnRef idx="2">
-              <a:schemeClr val="accent1">
-                <a:shade val="50000"/>
-              </a:schemeClr>
-            </a:lnRef>
-            <a:fillRef idx="1">
-              <a:schemeClr val="accent1"/>
-            </a:fillRef>
-            <a:effectRef idx="0">
-              <a:schemeClr val="accent1"/>
-            </a:effectRef>
-            <a:fontRef idx="minor">
-              <a:schemeClr val="lt1"/>
-            </a:fontRef>
-          </p:style>
-          <p:txBody>
-            <a:bodyPr lIns="9144" tIns="9144" rIns="9144" bIns="9144" rtlCol="0" anchor="ctr"/>
-            <a:lstStyle/>
-            <a:p>
-              <a:pPr algn="ctr"/>
-              <a:r>
-                <a:rPr lang="en-US" sz="1600" b="1" dirty="0">
-                  <a:solidFill>
-                    <a:schemeClr val="tx1"/>
-                  </a:solidFill>
-                </a:rPr>
-                <a:t>Treat Arm</a:t>
-              </a:r>
-            </a:p>
-          </p:txBody>
-        </p:sp>
-        <p:sp>
-          <p:nvSpPr>
-            <p:cNvPr id="7" name="Rectangle: Rounded Corners 6">
-              <a:extLst>
-                <a:ext uri="{FF2B5EF4-FFF2-40B4-BE49-F238E27FC236}">
-                  <a16:creationId xmlns:a16="http://schemas.microsoft.com/office/drawing/2014/main" id="{C572DCED-9EA7-4A98-86DD-06AA7E8DF761}"/>
-                </a:ext>
-              </a:extLst>
-            </p:cNvPr>
-            <p:cNvSpPr/>
-            <p:nvPr/>
-          </p:nvSpPr>
-          <p:spPr>
-            <a:xfrm>
-              <a:off x="4804755" y="2405392"/>
-              <a:ext cx="1280160" cy="325464"/>
-            </a:xfrm>
-            <a:prstGeom prst="roundRect">
-              <a:avLst/>
-            </a:prstGeom>
-            <a:solidFill>
-              <a:srgbClr val="CC99FF"/>
-            </a:solidFill>
-            <a:ln w="38100">
-              <a:solidFill>
-                <a:srgbClr val="7030A0"/>
-              </a:solidFill>
-            </a:ln>
-          </p:spPr>
-          <p:style>
-            <a:lnRef idx="2">
-              <a:schemeClr val="accent1">
-                <a:shade val="50000"/>
-              </a:schemeClr>
-            </a:lnRef>
-            <a:fillRef idx="1">
-              <a:schemeClr val="accent1"/>
-            </a:fillRef>
-            <a:effectRef idx="0">
-              <a:schemeClr val="accent1"/>
-            </a:effectRef>
-            <a:fontRef idx="minor">
-              <a:schemeClr val="lt1"/>
-            </a:fontRef>
-          </p:style>
-          <p:txBody>
-            <a:bodyPr lIns="9144" tIns="9144" rIns="9144" bIns="9144" rtlCol="0" anchor="ctr"/>
-            <a:lstStyle/>
-            <a:p>
-              <a:pPr algn="ctr"/>
-              <a:r>
-                <a:rPr lang="en-US" sz="1600" b="1" dirty="0">
-                  <a:solidFill>
-                    <a:schemeClr val="tx1"/>
-                  </a:solidFill>
-                </a:rPr>
-                <a:t>Subject</a:t>
-              </a:r>
-            </a:p>
-          </p:txBody>
-        </p:sp>
-      </p:grpSp>
-      <p:sp>
-        <p:nvSpPr>
-          <p:cNvPr id="20" name="Rectangle 19">
-            <a:extLst>
-              <a:ext uri="{FF2B5EF4-FFF2-40B4-BE49-F238E27FC236}">
-                <a16:creationId xmlns:a16="http://schemas.microsoft.com/office/drawing/2014/main" id="{60DDAA95-B29C-4E6E-8358-1BFCC3817511}"/>
-              </a:ext>
-            </a:extLst>
-          </p:cNvPr>
-          <p:cNvSpPr/>
-          <p:nvPr/>
-        </p:nvSpPr>
-        <p:spPr>
-          <a:xfrm>
-            <a:off x="265322" y="3873499"/>
-            <a:ext cx="7893050" cy="2305669"/>
-          </a:xfrm>
-          <a:prstGeom prst="rect">
-            <a:avLst/>
-          </a:prstGeom>
-        </p:spPr>
-        <p:txBody>
-          <a:bodyPr/>
-          <a:lstStyle/>
-          <a:p>
-            <a:pPr marL="342900" indent="-342900">
-              <a:spcBef>
-                <a:spcPct val="20000"/>
-              </a:spcBef>
-              <a:buFont typeface="Arial"/>
-              <a:buChar char="•"/>
-            </a:pPr>
-            <a:r>
-              <a:rPr lang="en-GB" sz="3200" dirty="0">
-                <a:latin typeface="Helvetica Neue"/>
-              </a:rPr>
-              <a:t>Knowledge Graph using </a:t>
-            </a:r>
-            <a:r>
-              <a:rPr lang="en-GB" sz="3200" b="1" dirty="0">
-                <a:latin typeface="Helvetica Neue"/>
-              </a:rPr>
-              <a:t>R</a:t>
-            </a:r>
-            <a:r>
-              <a:rPr lang="en-GB" sz="3200" dirty="0">
-                <a:latin typeface="Helvetica Neue"/>
-              </a:rPr>
-              <a:t>esource </a:t>
-            </a:r>
-            <a:r>
-              <a:rPr lang="en-GB" sz="3200" b="1" dirty="0">
-                <a:latin typeface="Helvetica Neue"/>
-              </a:rPr>
-              <a:t>D</a:t>
-            </a:r>
-            <a:r>
-              <a:rPr lang="en-GB" sz="3200" dirty="0">
-                <a:latin typeface="Helvetica Neue"/>
-              </a:rPr>
-              <a:t>escription </a:t>
-            </a:r>
-            <a:r>
-              <a:rPr lang="en-GB" sz="3200" b="1" dirty="0">
-                <a:latin typeface="Helvetica Neue"/>
-              </a:rPr>
-              <a:t>F</a:t>
-            </a:r>
-            <a:r>
-              <a:rPr lang="en-GB" sz="3200" dirty="0">
-                <a:latin typeface="Helvetica Neue"/>
-              </a:rPr>
-              <a:t>ramework (</a:t>
-            </a:r>
-            <a:r>
-              <a:rPr lang="en-GB" sz="3200" b="1" dirty="0">
-                <a:latin typeface="Helvetica Neue"/>
-              </a:rPr>
-              <a:t>RDF</a:t>
-            </a:r>
-            <a:r>
-              <a:rPr lang="en-GB" sz="3200" dirty="0">
-                <a:latin typeface="Helvetica Neue"/>
-              </a:rPr>
-              <a:t>) </a:t>
-            </a:r>
-          </a:p>
-        </p:txBody>
-      </p:sp>
-    </p:spTree>
-    <p:extLst>
-      <p:ext uri="{BB962C8B-B14F-4D97-AF65-F5344CB8AC3E}">
-        <p14:creationId xmlns:p14="http://schemas.microsoft.com/office/powerpoint/2010/main" val="2588461137"/>
-      </p:ext>
-    </p:extLst>
-  </p:cSld>
-  <p:clrMapOvr>
-    <a:masterClrMapping/>
-  </p:clrMapOvr>
-</p:sld>
-</file>
-
-<file path=ppt/slides/slide6.xml><?xml version="1.0" encoding="utf-8"?>
-<p:sld xmlns:a="http://schemas.openxmlformats.org/drawingml/2006/main" xmlns:r="http://schemas.openxmlformats.org/officeDocument/2006/relationships" xmlns:p="http://schemas.openxmlformats.org/presentationml/2006/main" showMasterSp="0">
-  <p:cSld>
-    <p:bg>
-      <p:bgPr>
-        <a:blipFill dpi="0" rotWithShape="1">
-          <a:blip r:embed="rId2">
-            <a:lum/>
-          </a:blip>
-          <a:srcRect/>
-          <a:stretch>
-            <a:fillRect r="-6000"/>
-          </a:stretch>
-        </a:blipFill>
-        <a:effectLst/>
-      </p:bgPr>
-    </p:bg>
-    <p:spTree>
-      <p:nvGrpSpPr>
-        <p:cNvPr id="1" name=""/>
-        <p:cNvGrpSpPr/>
-        <p:nvPr/>
-      </p:nvGrpSpPr>
-      <p:grpSpPr>
-        <a:xfrm>
-          <a:off x="0" y="0"/>
-          <a:ext cx="0" cy="0"/>
-          <a:chOff x="0" y="0"/>
-          <a:chExt cx="0" cy="0"/>
-        </a:xfrm>
-      </p:grpSpPr>
-      <p:sp>
-        <p:nvSpPr>
-          <p:cNvPr id="2" name="Title 1"/>
-          <p:cNvSpPr>
-            <a:spLocks noGrp="1"/>
-          </p:cNvSpPr>
-          <p:nvPr>
-            <p:ph type="title"/>
-          </p:nvPr>
-        </p:nvSpPr>
-        <p:spPr>
-          <a:xfrm>
-            <a:off x="265322" y="420272"/>
-            <a:ext cx="8369284" cy="1015637"/>
-          </a:xfrm>
-          <a:prstGeom prst="rect">
-            <a:avLst/>
-          </a:prstGeom>
-        </p:spPr>
-        <p:txBody>
-          <a:bodyPr/>
-          <a:lstStyle/>
-          <a:p>
-            <a:pPr algn="l"/>
-            <a:r>
-              <a:rPr lang="en-US" sz="4000" dirty="0">
-                <a:latin typeface="Helvetica Neue"/>
-                <a:cs typeface="Helvetica Neue"/>
-              </a:rPr>
-              <a:t>A Unique Approach</a:t>
-            </a:r>
-            <a:endParaRPr lang="en-US" sz="4000" b="1" dirty="0">
-              <a:solidFill>
-                <a:srgbClr val="BBBCBC"/>
-              </a:solidFill>
-              <a:latin typeface="Helvetica Neue"/>
-              <a:cs typeface="Helvetica Neue"/>
-            </a:endParaRPr>
-          </a:p>
-        </p:txBody>
-      </p:sp>
-      <p:sp>
-        <p:nvSpPr>
-          <p:cNvPr id="3" name="Content Placeholder 2"/>
-          <p:cNvSpPr>
-            <a:spLocks noGrp="1"/>
-          </p:cNvSpPr>
-          <p:nvPr>
-            <p:ph idx="4294967295"/>
-          </p:nvPr>
-        </p:nvSpPr>
-        <p:spPr>
-          <a:xfrm>
-            <a:off x="265322" y="1600201"/>
-            <a:ext cx="8369284" cy="805191"/>
-          </a:xfrm>
-          <a:prstGeom prst="rect">
-            <a:avLst/>
-          </a:prstGeom>
-        </p:spPr>
-        <p:txBody>
-          <a:bodyPr/>
-          <a:lstStyle/>
-          <a:p>
-            <a:r>
-              <a:rPr lang="en-US" dirty="0">
-                <a:latin typeface="Helvetica Neue"/>
-                <a:cs typeface="Helvetica Neue"/>
-              </a:rPr>
-              <a:t>Model the Study: Entities and Relations</a:t>
-            </a:r>
-          </a:p>
-          <a:p>
-            <a:endParaRPr lang="en-US" dirty="0">
-              <a:latin typeface="Helvetica Neue"/>
-              <a:cs typeface="Helvetica Neue"/>
-            </a:endParaRPr>
-          </a:p>
-        </p:txBody>
-      </p:sp>
-      <p:grpSp>
-        <p:nvGrpSpPr>
-          <p:cNvPr id="34" name="Group 33">
-            <a:extLst>
-              <a:ext uri="{FF2B5EF4-FFF2-40B4-BE49-F238E27FC236}">
-                <a16:creationId xmlns:a16="http://schemas.microsoft.com/office/drawing/2014/main" id="{1E553815-ED8E-4A24-B872-61BD7B043A3C}"/>
-              </a:ext>
-            </a:extLst>
-          </p:cNvPr>
-          <p:cNvGrpSpPr/>
-          <p:nvPr/>
-        </p:nvGrpSpPr>
-        <p:grpSpPr>
-          <a:xfrm>
-            <a:off x="2309982" y="2405392"/>
-            <a:ext cx="2943342" cy="1184106"/>
-            <a:chOff x="3141573" y="2405392"/>
-            <a:chExt cx="2943342" cy="1184106"/>
-          </a:xfrm>
-        </p:grpSpPr>
-        <p:cxnSp>
-          <p:nvCxnSpPr>
-            <p:cNvPr id="8" name="Straight Arrow Connector 7">
-              <a:extLst>
-                <a:ext uri="{FF2B5EF4-FFF2-40B4-BE49-F238E27FC236}">
-                  <a16:creationId xmlns:a16="http://schemas.microsoft.com/office/drawing/2014/main" id="{82A88043-366F-4C0F-B90B-8FF13186427D}"/>
-                </a:ext>
-              </a:extLst>
-            </p:cNvPr>
-            <p:cNvCxnSpPr>
-              <a:cxnSpLocks/>
-              <a:stCxn id="5" idx="2"/>
-            </p:cNvCxnSpPr>
-            <p:nvPr/>
-          </p:nvCxnSpPr>
-          <p:spPr>
-            <a:xfrm>
-              <a:off x="3781653" y="2730856"/>
-              <a:ext cx="396647" cy="533178"/>
-            </a:xfrm>
-            <a:prstGeom prst="straightConnector1">
-              <a:avLst/>
-            </a:prstGeom>
-            <a:ln w="44450">
-              <a:tailEnd type="triangle"/>
-            </a:ln>
-          </p:spPr>
-          <p:style>
-            <a:lnRef idx="1">
-              <a:schemeClr val="accent1"/>
-            </a:lnRef>
-            <a:fillRef idx="0">
-              <a:schemeClr val="accent1"/>
-            </a:fillRef>
-            <a:effectRef idx="0">
-              <a:schemeClr val="accent1"/>
-            </a:effectRef>
-            <a:fontRef idx="minor">
-              <a:schemeClr val="tx1"/>
-            </a:fontRef>
-          </p:style>
-        </p:cxnSp>
-        <p:cxnSp>
-          <p:nvCxnSpPr>
-            <p:cNvPr id="9" name="Straight Arrow Connector 8">
-              <a:extLst>
-                <a:ext uri="{FF2B5EF4-FFF2-40B4-BE49-F238E27FC236}">
-                  <a16:creationId xmlns:a16="http://schemas.microsoft.com/office/drawing/2014/main" id="{F742E9ED-8E11-460A-AC7B-D84BEE3AF2AA}"/>
-                </a:ext>
-              </a:extLst>
-            </p:cNvPr>
-            <p:cNvCxnSpPr>
-              <a:cxnSpLocks/>
-              <a:stCxn id="7" idx="2"/>
-            </p:cNvCxnSpPr>
-            <p:nvPr/>
-          </p:nvCxnSpPr>
-          <p:spPr>
-            <a:xfrm flipH="1">
-              <a:off x="4991100" y="2730856"/>
-              <a:ext cx="453735" cy="533178"/>
-            </a:xfrm>
-            <a:prstGeom prst="straightConnector1">
-              <a:avLst/>
-            </a:prstGeom>
-            <a:ln w="44450">
-              <a:tailEnd type="triangle"/>
-            </a:ln>
-          </p:spPr>
-          <p:style>
-            <a:lnRef idx="1">
-              <a:schemeClr val="accent1"/>
-            </a:lnRef>
-            <a:fillRef idx="0">
-              <a:schemeClr val="accent1"/>
-            </a:fillRef>
-            <a:effectRef idx="0">
-              <a:schemeClr val="accent1"/>
-            </a:effectRef>
-            <a:fontRef idx="minor">
-              <a:schemeClr val="tx1"/>
-            </a:fontRef>
-          </p:style>
-        </p:cxnSp>
-        <p:sp>
-          <p:nvSpPr>
-            <p:cNvPr id="5" name="Rectangle: Rounded Corners 4">
-              <a:extLst>
-                <a:ext uri="{FF2B5EF4-FFF2-40B4-BE49-F238E27FC236}">
-                  <a16:creationId xmlns:a16="http://schemas.microsoft.com/office/drawing/2014/main" id="{37B83357-FE3C-40DE-B745-4BDCC635C9D8}"/>
-                </a:ext>
-              </a:extLst>
-            </p:cNvPr>
-            <p:cNvSpPr/>
-            <p:nvPr/>
-          </p:nvSpPr>
-          <p:spPr>
-            <a:xfrm>
-              <a:off x="3141573" y="2405392"/>
-              <a:ext cx="1280160" cy="325464"/>
-            </a:xfrm>
-            <a:prstGeom prst="roundRect">
-              <a:avLst/>
-            </a:prstGeom>
-            <a:solidFill>
-              <a:schemeClr val="accent1">
-                <a:lumMod val="20000"/>
-                <a:lumOff val="80000"/>
-              </a:schemeClr>
-            </a:solidFill>
-            <a:ln w="38100"/>
-          </p:spPr>
-          <p:style>
-            <a:lnRef idx="2">
-              <a:schemeClr val="accent1">
-                <a:shade val="50000"/>
-              </a:schemeClr>
-            </a:lnRef>
-            <a:fillRef idx="1">
-              <a:schemeClr val="accent1"/>
-            </a:fillRef>
-            <a:effectRef idx="0">
-              <a:schemeClr val="accent1"/>
-            </a:effectRef>
-            <a:fontRef idx="minor">
-              <a:schemeClr val="lt1"/>
-            </a:fontRef>
-          </p:style>
-          <p:txBody>
-            <a:bodyPr lIns="9144" tIns="9144" rIns="9144" bIns="9144" rtlCol="0" anchor="ctr"/>
-            <a:lstStyle/>
-            <a:p>
-              <a:pPr algn="ctr"/>
-              <a:r>
-                <a:rPr lang="en-US" sz="1600" b="1" dirty="0">
-                  <a:solidFill>
-                    <a:schemeClr val="tx1"/>
-                  </a:solidFill>
-                </a:rPr>
-                <a:t>Study</a:t>
-              </a:r>
-            </a:p>
-          </p:txBody>
-        </p:sp>
-        <p:sp>
-          <p:nvSpPr>
-            <p:cNvPr id="6" name="Rectangle: Rounded Corners 5">
-              <a:extLst>
-                <a:ext uri="{FF2B5EF4-FFF2-40B4-BE49-F238E27FC236}">
-                  <a16:creationId xmlns:a16="http://schemas.microsoft.com/office/drawing/2014/main" id="{D5BCF4B6-D038-462E-89BC-747546F2400A}"/>
-                </a:ext>
-              </a:extLst>
-            </p:cNvPr>
-            <p:cNvSpPr/>
-            <p:nvPr/>
-          </p:nvSpPr>
-          <p:spPr>
-            <a:xfrm>
-              <a:off x="3973164" y="3264034"/>
-              <a:ext cx="1280160" cy="325464"/>
-            </a:xfrm>
-            <a:prstGeom prst="roundRect">
-              <a:avLst/>
-            </a:prstGeom>
-            <a:solidFill>
-              <a:schemeClr val="accent3">
-                <a:lumMod val="60000"/>
-                <a:lumOff val="40000"/>
-              </a:schemeClr>
-            </a:solidFill>
-            <a:ln w="38100">
-              <a:solidFill>
-                <a:schemeClr val="accent3">
-                  <a:lumMod val="75000"/>
-                </a:schemeClr>
-              </a:solidFill>
-            </a:ln>
-          </p:spPr>
-          <p:style>
-            <a:lnRef idx="2">
-              <a:schemeClr val="accent1">
-                <a:shade val="50000"/>
-              </a:schemeClr>
-            </a:lnRef>
-            <a:fillRef idx="1">
-              <a:schemeClr val="accent1"/>
-            </a:fillRef>
-            <a:effectRef idx="0">
-              <a:schemeClr val="accent1"/>
-            </a:effectRef>
-            <a:fontRef idx="minor">
-              <a:schemeClr val="lt1"/>
-            </a:fontRef>
-          </p:style>
-          <p:txBody>
-            <a:bodyPr lIns="9144" tIns="9144" rIns="9144" bIns="9144" rtlCol="0" anchor="ctr"/>
-            <a:lstStyle/>
-            <a:p>
-              <a:pPr algn="ctr"/>
-              <a:r>
-                <a:rPr lang="en-US" sz="1600" b="1" dirty="0">
-                  <a:solidFill>
-                    <a:schemeClr val="tx1"/>
-                  </a:solidFill>
-                </a:rPr>
-                <a:t>Treat Arm</a:t>
-              </a:r>
-            </a:p>
-          </p:txBody>
-        </p:sp>
-        <p:sp>
-          <p:nvSpPr>
-            <p:cNvPr id="7" name="Rectangle: Rounded Corners 6">
-              <a:extLst>
-                <a:ext uri="{FF2B5EF4-FFF2-40B4-BE49-F238E27FC236}">
-                  <a16:creationId xmlns:a16="http://schemas.microsoft.com/office/drawing/2014/main" id="{C572DCED-9EA7-4A98-86DD-06AA7E8DF761}"/>
-                </a:ext>
-              </a:extLst>
-            </p:cNvPr>
-            <p:cNvSpPr/>
-            <p:nvPr/>
-          </p:nvSpPr>
-          <p:spPr>
-            <a:xfrm>
-              <a:off x="4804755" y="2405392"/>
-              <a:ext cx="1280160" cy="325464"/>
-            </a:xfrm>
-            <a:prstGeom prst="roundRect">
-              <a:avLst/>
-            </a:prstGeom>
-            <a:solidFill>
-              <a:srgbClr val="CC99FF"/>
-            </a:solidFill>
-            <a:ln w="38100">
-              <a:solidFill>
-                <a:srgbClr val="7030A0"/>
-              </a:solidFill>
-            </a:ln>
-          </p:spPr>
-          <p:style>
-            <a:lnRef idx="2">
-              <a:schemeClr val="accent1">
-                <a:shade val="50000"/>
-              </a:schemeClr>
-            </a:lnRef>
-            <a:fillRef idx="1">
-              <a:schemeClr val="accent1"/>
-            </a:fillRef>
-            <a:effectRef idx="0">
-              <a:schemeClr val="accent1"/>
-            </a:effectRef>
-            <a:fontRef idx="minor">
-              <a:schemeClr val="lt1"/>
-            </a:fontRef>
-          </p:style>
-          <p:txBody>
-            <a:bodyPr lIns="9144" tIns="9144" rIns="9144" bIns="9144" rtlCol="0" anchor="ctr"/>
-            <a:lstStyle/>
-            <a:p>
-              <a:pPr algn="ctr"/>
-              <a:r>
-                <a:rPr lang="en-US" sz="1600" b="1" dirty="0">
-                  <a:solidFill>
-                    <a:schemeClr val="tx1"/>
-                  </a:solidFill>
-                </a:rPr>
-                <a:t>Subject</a:t>
-              </a:r>
-            </a:p>
-          </p:txBody>
-        </p:sp>
-      </p:grpSp>
-      <p:sp>
-        <p:nvSpPr>
-          <p:cNvPr id="20" name="Rectangle 19">
-            <a:extLst>
-              <a:ext uri="{FF2B5EF4-FFF2-40B4-BE49-F238E27FC236}">
-                <a16:creationId xmlns:a16="http://schemas.microsoft.com/office/drawing/2014/main" id="{60DDAA95-B29C-4E6E-8358-1BFCC3817511}"/>
-              </a:ext>
-            </a:extLst>
-          </p:cNvPr>
-          <p:cNvSpPr/>
-          <p:nvPr/>
-        </p:nvSpPr>
-        <p:spPr>
-          <a:xfrm>
-            <a:off x="265322" y="3873499"/>
-            <a:ext cx="7893050" cy="2305669"/>
-          </a:xfrm>
-          <a:prstGeom prst="rect">
-            <a:avLst/>
-          </a:prstGeom>
-        </p:spPr>
-        <p:txBody>
-          <a:bodyPr/>
-          <a:lstStyle/>
-          <a:p>
-            <a:pPr marL="342900" indent="-342900">
-              <a:spcBef>
-                <a:spcPct val="20000"/>
-              </a:spcBef>
-              <a:buFont typeface="Arial"/>
-              <a:buChar char="•"/>
-            </a:pPr>
-            <a:r>
-              <a:rPr lang="en-GB" sz="3200" dirty="0">
-                <a:latin typeface="Helvetica Neue"/>
-              </a:rPr>
-              <a:t>Knowledge Graph using </a:t>
-            </a:r>
-            <a:r>
-              <a:rPr lang="en-GB" sz="3200" b="1" dirty="0">
-                <a:latin typeface="Helvetica Neue"/>
-              </a:rPr>
-              <a:t>R</a:t>
-            </a:r>
-            <a:r>
-              <a:rPr lang="en-GB" sz="3200" dirty="0">
-                <a:latin typeface="Helvetica Neue"/>
-              </a:rPr>
-              <a:t>esource </a:t>
-            </a:r>
-            <a:r>
-              <a:rPr lang="en-GB" sz="3200" b="1" dirty="0">
-                <a:latin typeface="Helvetica Neue"/>
-              </a:rPr>
-              <a:t>D</a:t>
-            </a:r>
-            <a:r>
-              <a:rPr lang="en-GB" sz="3200" dirty="0">
-                <a:latin typeface="Helvetica Neue"/>
-              </a:rPr>
-              <a:t>escription </a:t>
-            </a:r>
-            <a:r>
-              <a:rPr lang="en-GB" sz="3200" b="1" dirty="0">
-                <a:latin typeface="Helvetica Neue"/>
-              </a:rPr>
-              <a:t>F</a:t>
-            </a:r>
-            <a:r>
-              <a:rPr lang="en-GB" sz="3200" dirty="0">
-                <a:latin typeface="Helvetica Neue"/>
-              </a:rPr>
-              <a:t>ramework (</a:t>
-            </a:r>
-            <a:r>
-              <a:rPr lang="en-GB" sz="3200" b="1" dirty="0">
-                <a:latin typeface="Helvetica Neue"/>
-              </a:rPr>
-              <a:t>RDF</a:t>
-            </a:r>
-            <a:r>
-              <a:rPr lang="en-GB" sz="3200" dirty="0">
-                <a:latin typeface="Helvetica Neue"/>
-              </a:rPr>
-              <a:t>) </a:t>
-            </a:r>
-          </a:p>
-        </p:txBody>
-      </p:sp>
-      <p:pic>
-        <p:nvPicPr>
-          <p:cNvPr id="10" name="Picture 9">
-            <a:extLst>
-              <a:ext uri="{FF2B5EF4-FFF2-40B4-BE49-F238E27FC236}">
-                <a16:creationId xmlns:a16="http://schemas.microsoft.com/office/drawing/2014/main" id="{60C53201-577E-49E3-9965-DC381E59B93A}"/>
-              </a:ext>
-            </a:extLst>
-          </p:cNvPr>
-          <p:cNvPicPr>
-            <a:picLocks noChangeAspect="1"/>
-          </p:cNvPicPr>
-          <p:nvPr/>
-        </p:nvPicPr>
-        <p:blipFill>
-          <a:blip r:embed="rId3"/>
-          <a:stretch>
-            <a:fillRect/>
-          </a:stretch>
-        </p:blipFill>
-        <p:spPr>
-          <a:xfrm>
-            <a:off x="3079629" y="4902186"/>
-            <a:ext cx="4699242" cy="533427"/>
-          </a:xfrm>
-          <a:prstGeom prst="rect">
-            <a:avLst/>
-          </a:prstGeom>
-        </p:spPr>
-      </p:pic>
-    </p:spTree>
-    <p:extLst>
-      <p:ext uri="{BB962C8B-B14F-4D97-AF65-F5344CB8AC3E}">
-        <p14:creationId xmlns:p14="http://schemas.microsoft.com/office/powerpoint/2010/main" val="2825885360"/>
-      </p:ext>
-    </p:extLst>
-  </p:cSld>
-  <p:clrMapOvr>
-    <a:masterClrMapping/>
-  </p:clrMapOvr>
-</p:sld>
-</file>
-
-<file path=ppt/slides/slide7.xml><?xml version="1.0" encoding="utf-8"?>
-<p:sld xmlns:a="http://schemas.openxmlformats.org/drawingml/2006/main" xmlns:r="http://schemas.openxmlformats.org/officeDocument/2006/relationships" xmlns:p="http://schemas.openxmlformats.org/presentationml/2006/main" showMasterSp="0">
-  <p:cSld>
-    <p:bg>
-      <p:bgPr>
-        <a:blipFill dpi="0" rotWithShape="1">
-          <a:blip r:embed="rId2">
-            <a:lum/>
-          </a:blip>
-          <a:srcRect/>
-          <a:stretch>
-            <a:fillRect r="-6000"/>
-          </a:stretch>
-        </a:blipFill>
-        <a:effectLst/>
-      </p:bgPr>
-    </p:bg>
-    <p:spTree>
-      <p:nvGrpSpPr>
-        <p:cNvPr id="1" name=""/>
-        <p:cNvGrpSpPr/>
-        <p:nvPr/>
-      </p:nvGrpSpPr>
-      <p:grpSpPr>
-        <a:xfrm>
-          <a:off x="0" y="0"/>
-          <a:ext cx="0" cy="0"/>
-          <a:chOff x="0" y="0"/>
-          <a:chExt cx="0" cy="0"/>
-        </a:xfrm>
-      </p:grpSpPr>
-      <p:sp>
-        <p:nvSpPr>
-          <p:cNvPr id="2" name="Title 1"/>
-          <p:cNvSpPr>
-            <a:spLocks noGrp="1"/>
-          </p:cNvSpPr>
-          <p:nvPr>
-            <p:ph type="title"/>
-          </p:nvPr>
-        </p:nvSpPr>
-        <p:spPr>
-          <a:xfrm>
-            <a:off x="265322" y="420272"/>
-            <a:ext cx="8369284" cy="1015637"/>
-          </a:xfrm>
-          <a:prstGeom prst="rect">
-            <a:avLst/>
-          </a:prstGeom>
-        </p:spPr>
-        <p:txBody>
-          <a:bodyPr/>
-          <a:lstStyle/>
-          <a:p>
-            <a:pPr algn="l"/>
-            <a:r>
-              <a:rPr lang="en-US" sz="4000" dirty="0">
-                <a:latin typeface="Helvetica Neue"/>
-                <a:cs typeface="Helvetica Neue"/>
-              </a:rPr>
-              <a:t>Study Data Validation</a:t>
-            </a:r>
-            <a:endParaRPr lang="en-US" sz="4000" b="1" dirty="0">
-              <a:solidFill>
-                <a:srgbClr val="BBBCBC"/>
-              </a:solidFill>
-              <a:latin typeface="Helvetica Neue"/>
-              <a:cs typeface="Helvetica Neue"/>
-            </a:endParaRPr>
-          </a:p>
-        </p:txBody>
-      </p:sp>
-      <p:sp>
-        <p:nvSpPr>
-          <p:cNvPr id="3" name="Content Placeholder 2"/>
-          <p:cNvSpPr>
-            <a:spLocks noGrp="1"/>
-          </p:cNvSpPr>
-          <p:nvPr>
-            <p:ph idx="4294967295"/>
-          </p:nvPr>
-        </p:nvSpPr>
-        <p:spPr>
-          <a:xfrm>
-            <a:off x="265322" y="1244601"/>
-            <a:ext cx="8369284" cy="1160792"/>
-          </a:xfrm>
-          <a:prstGeom prst="rect">
-            <a:avLst/>
-          </a:prstGeom>
-        </p:spPr>
-        <p:txBody>
-          <a:bodyPr/>
-          <a:lstStyle/>
-          <a:p>
-            <a:r>
-              <a:rPr lang="en-US" dirty="0">
-                <a:latin typeface="Helvetica Neue"/>
-                <a:cs typeface="Helvetica Neue"/>
-              </a:rPr>
-              <a:t>FDA Validator Rules</a:t>
-            </a:r>
-          </a:p>
-          <a:p>
-            <a:r>
-              <a:rPr lang="en-US" b="1" dirty="0" err="1">
-                <a:solidFill>
-                  <a:srgbClr val="0FA9D9"/>
-                </a:solidFill>
-                <a:latin typeface="Helvetica Neue"/>
-                <a:cs typeface="Helvetica Neue"/>
-              </a:rPr>
-              <a:t>SHA</a:t>
-            </a:r>
-            <a:r>
-              <a:rPr lang="en-US" dirty="0" err="1">
-                <a:latin typeface="Helvetica Neue"/>
-                <a:cs typeface="Helvetica Neue"/>
-              </a:rPr>
-              <a:t>pes</a:t>
-            </a:r>
-            <a:r>
-              <a:rPr lang="en-US" dirty="0">
-                <a:latin typeface="Helvetica Neue"/>
-                <a:cs typeface="Helvetica Neue"/>
-              </a:rPr>
-              <a:t> </a:t>
-            </a:r>
-            <a:r>
-              <a:rPr lang="en-US" b="1" dirty="0">
-                <a:solidFill>
-                  <a:srgbClr val="0FA9D9"/>
-                </a:solidFill>
-                <a:latin typeface="Helvetica Neue"/>
-                <a:cs typeface="Helvetica Neue"/>
-              </a:rPr>
-              <a:t>C</a:t>
-            </a:r>
-            <a:r>
-              <a:rPr lang="en-US" dirty="0">
-                <a:latin typeface="Helvetica Neue"/>
-                <a:cs typeface="Helvetica Neue"/>
-              </a:rPr>
-              <a:t>onstraint </a:t>
-            </a:r>
-            <a:r>
-              <a:rPr lang="en-US" b="1" dirty="0">
-                <a:solidFill>
-                  <a:srgbClr val="0FA9D9"/>
-                </a:solidFill>
-                <a:latin typeface="Helvetica Neue"/>
-                <a:cs typeface="Helvetica Neue"/>
-              </a:rPr>
-              <a:t>L</a:t>
-            </a:r>
-            <a:r>
-              <a:rPr lang="en-US" dirty="0">
-                <a:latin typeface="Helvetica Neue"/>
-                <a:cs typeface="Helvetica Neue"/>
-              </a:rPr>
-              <a:t>anguage (</a:t>
-            </a:r>
-            <a:r>
-              <a:rPr lang="en-US" dirty="0">
-                <a:solidFill>
-                  <a:srgbClr val="0FA9D9"/>
-                </a:solidFill>
-                <a:latin typeface="Helvetica Neue"/>
-                <a:cs typeface="Helvetica Neue"/>
-              </a:rPr>
-              <a:t>SHACL</a:t>
-            </a:r>
-            <a:r>
-              <a:rPr lang="en-US" dirty="0">
-                <a:latin typeface="Helvetica Neue"/>
-                <a:cs typeface="Helvetica Neue"/>
-              </a:rPr>
-              <a:t>)</a:t>
-            </a:r>
-          </a:p>
-          <a:p>
-            <a:endParaRPr lang="en-US" dirty="0">
-              <a:latin typeface="Helvetica Neue"/>
-              <a:cs typeface="Helvetica Neue"/>
-            </a:endParaRPr>
-          </a:p>
-        </p:txBody>
-      </p:sp>
-      <p:pic>
-        <p:nvPicPr>
-          <p:cNvPr id="11" name="Picture 10" descr="A picture containing LEGO, toy&#10;&#10;Description generated with high confidence">
-            <a:extLst>
-              <a:ext uri="{FF2B5EF4-FFF2-40B4-BE49-F238E27FC236}">
-                <a16:creationId xmlns:a16="http://schemas.microsoft.com/office/drawing/2014/main" id="{BDAC823A-D1B5-4982-8C96-1BB1E223CB34}"/>
-              </a:ext>
-            </a:extLst>
-          </p:cNvPr>
-          <p:cNvPicPr>
-            <a:picLocks noChangeAspect="1"/>
-          </p:cNvPicPr>
-          <p:nvPr/>
-        </p:nvPicPr>
-        <p:blipFill>
-          <a:blip r:embed="rId3"/>
-          <a:stretch>
-            <a:fillRect/>
-          </a:stretch>
-        </p:blipFill>
-        <p:spPr>
-          <a:xfrm>
-            <a:off x="882464" y="2895554"/>
-            <a:ext cx="7239372" cy="1778091"/>
-          </a:xfrm>
-          <a:prstGeom prst="rect">
-            <a:avLst/>
-          </a:prstGeom>
-        </p:spPr>
-      </p:pic>
-      <p:sp>
-        <p:nvSpPr>
-          <p:cNvPr id="12" name="Rectangle 11">
-            <a:extLst>
-              <a:ext uri="{FF2B5EF4-FFF2-40B4-BE49-F238E27FC236}">
-                <a16:creationId xmlns:a16="http://schemas.microsoft.com/office/drawing/2014/main" id="{4F6BDB98-8AD6-43BE-A196-622F8809020C}"/>
-              </a:ext>
-            </a:extLst>
-          </p:cNvPr>
-          <p:cNvSpPr/>
-          <p:nvPr/>
-        </p:nvSpPr>
-        <p:spPr>
-          <a:xfrm>
-            <a:off x="4470400" y="2730500"/>
-            <a:ext cx="4076700" cy="2324100"/>
-          </a:xfrm>
-          <a:prstGeom prst="rect">
-            <a:avLst/>
-          </a:prstGeom>
-          <a:solidFill>
-            <a:schemeClr val="bg1"/>
-          </a:solidFill>
-          <a:ln>
-            <a:noFill/>
-          </a:ln>
-          <a:effectLst/>
-        </p:spPr>
-        <p:style>
-          <a:lnRef idx="1">
-            <a:schemeClr val="accent1"/>
-          </a:lnRef>
-          <a:fillRef idx="3">
-            <a:schemeClr val="accent1"/>
-          </a:fillRef>
-          <a:effectRef idx="2">
-            <a:schemeClr val="accent1"/>
-          </a:effectRef>
-          <a:fontRef idx="minor">
-            <a:schemeClr val="lt1"/>
-          </a:fontRef>
-        </p:style>
-        <p:txBody>
-          <a:bodyPr rtlCol="0" anchor="ctr"/>
-          <a:lstStyle/>
-          <a:p>
-            <a:pPr algn="ctr"/>
-            <a:endParaRPr lang="en-US"/>
-          </a:p>
-        </p:txBody>
-      </p:sp>
-      <p:sp>
-        <p:nvSpPr>
-          <p:cNvPr id="15" name="Rectangle 14">
-            <a:extLst>
-              <a:ext uri="{FF2B5EF4-FFF2-40B4-BE49-F238E27FC236}">
-                <a16:creationId xmlns:a16="http://schemas.microsoft.com/office/drawing/2014/main" id="{AF2791E1-4638-4285-8363-CC169EF8214A}"/>
-              </a:ext>
-            </a:extLst>
-          </p:cNvPr>
-          <p:cNvSpPr/>
-          <p:nvPr/>
-        </p:nvSpPr>
-        <p:spPr>
-          <a:xfrm>
-            <a:off x="393700" y="2730500"/>
-            <a:ext cx="4076700" cy="2324100"/>
-          </a:xfrm>
-          <a:prstGeom prst="rect">
-            <a:avLst/>
-          </a:prstGeom>
-          <a:solidFill>
-            <a:schemeClr val="bg1"/>
-          </a:solidFill>
-          <a:ln>
-            <a:noFill/>
-          </a:ln>
-          <a:effectLst/>
-        </p:spPr>
-        <p:style>
-          <a:lnRef idx="1">
-            <a:schemeClr val="accent1"/>
-          </a:lnRef>
-          <a:fillRef idx="3">
-            <a:schemeClr val="accent1"/>
-          </a:fillRef>
-          <a:effectRef idx="2">
-            <a:schemeClr val="accent1"/>
-          </a:effectRef>
-          <a:fontRef idx="minor">
-            <a:schemeClr val="lt1"/>
-          </a:fontRef>
-        </p:style>
-        <p:txBody>
-          <a:bodyPr rtlCol="0" anchor="ctr"/>
-          <a:lstStyle/>
-          <a:p>
-            <a:pPr algn="ctr"/>
-            <a:endParaRPr lang="en-US"/>
-          </a:p>
-        </p:txBody>
-      </p:sp>
-    </p:spTree>
-    <p:extLst>
-      <p:ext uri="{BB962C8B-B14F-4D97-AF65-F5344CB8AC3E}">
-        <p14:creationId xmlns:p14="http://schemas.microsoft.com/office/powerpoint/2010/main" val="3548382039"/>
-      </p:ext>
-    </p:extLst>
-  </p:cSld>
-  <p:clrMapOvr>
-    <a:masterClrMapping/>
-  </p:clrMapOvr>
-  <p:timing>
-    <p:tnLst>
-      <p:par>
-        <p:cTn id="1" dur="indefinite" restart="never" nodeType="tmRoot">
-          <p:childTnLst>
-            <p:seq concurrent="1" nextAc="seek">
-              <p:cTn id="2" dur="indefinite" nodeType="mainSeq">
-                <p:childTnLst>
-                  <p:par>
-                    <p:cTn id="3" fill="hold">
-                      <p:stCondLst>
-                        <p:cond delay="indefinite"/>
-                      </p:stCondLst>
-                      <p:childTnLst>
-                        <p:par>
-                          <p:cTn id="4" fill="hold">
-                            <p:stCondLst>
-                              <p:cond delay="0"/>
-                            </p:stCondLst>
-                            <p:childTnLst>
-                              <p:par>
-                                <p:cTn id="5" presetID="1" presetClass="exit" presetSubtype="0" fill="hold" grpId="0" nodeType="clickEffect">
-                                  <p:stCondLst>
-                                    <p:cond delay="0"/>
-                                  </p:stCondLst>
-                                  <p:childTnLst>
-                                    <p:set>
-                                      <p:cBhvr>
-                                        <p:cTn id="6" dur="1" fill="hold">
-                                          <p:stCondLst>
-                                            <p:cond delay="0"/>
-                                          </p:stCondLst>
-                                        </p:cTn>
-                                        <p:tgtEl>
-                                          <p:spTgt spid="15"/>
-                                        </p:tgtEl>
-                                        <p:attrNameLst>
-                                          <p:attrName>style.visibility</p:attrName>
-                                        </p:attrNameLst>
-                                      </p:cBhvr>
-                                      <p:to>
-                                        <p:strVal val="hidden"/>
-                                      </p:to>
-                                    </p:set>
-                                  </p:childTnLst>
-                                </p:cTn>
-                              </p:par>
-                            </p:childTnLst>
-                          </p:cTn>
-                        </p:par>
-                      </p:childTnLst>
-                    </p:cTn>
-                  </p:par>
-                  <p:par>
-                    <p:cTn id="7" fill="hold">
-                      <p:stCondLst>
-                        <p:cond delay="indefinite"/>
-                      </p:stCondLst>
-                      <p:childTnLst>
-                        <p:par>
-                          <p:cTn id="8" fill="hold">
-                            <p:stCondLst>
-                              <p:cond delay="0"/>
-                            </p:stCondLst>
-                            <p:childTnLst>
-                              <p:par>
-                                <p:cTn id="9" presetID="1" presetClass="exit" presetSubtype="0" fill="hold" grpId="0" nodeType="clickEffect">
-                                  <p:stCondLst>
-                                    <p:cond delay="0"/>
-                                  </p:stCondLst>
-                                  <p:childTnLst>
-                                    <p:set>
-                                      <p:cBhvr>
-                                        <p:cTn id="10" dur="1" fill="hold">
-                                          <p:stCondLst>
-                                            <p:cond delay="0"/>
-                                          </p:stCondLst>
-                                        </p:cTn>
-                                        <p:tgtEl>
-                                          <p:spTgt spid="12"/>
-                                        </p:tgtEl>
-                                        <p:attrNameLst>
-                                          <p:attrName>style.visibility</p:attrName>
-                                        </p:attrNameLst>
-                                      </p:cBhvr>
-                                      <p:to>
-                                        <p:strVal val="hidden"/>
-                                      </p:to>
-                                    </p:set>
-                                  </p:childTnLst>
-                                </p:cTn>
-                              </p:par>
-                            </p:childTnLst>
-                          </p:cTn>
-                        </p:par>
-                      </p:childTnLst>
-                    </p:cTn>
-                  </p:par>
-                </p:childTnLst>
-              </p:cTn>
-              <p:prevCondLst>
-                <p:cond evt="onPrev" delay="0">
-                  <p:tgtEl>
-                    <p:sldTgt/>
-                  </p:tgtEl>
-                </p:cond>
-              </p:prevCondLst>
-              <p:nextCondLst>
-                <p:cond evt="onNext" delay="0">
-                  <p:tgtEl>
-                    <p:sldTgt/>
-                  </p:tgtEl>
-                </p:cond>
-              </p:nextCondLst>
-            </p:seq>
-          </p:childTnLst>
-        </p:cTn>
-      </p:par>
-    </p:tnLst>
-    <p:bldLst>
-      <p:bldP spid="12" grpId="0" animBg="1"/>
-      <p:bldP spid="15" grpId="0" animBg="1"/>
-    </p:bldLst>
-  </p:timing>
-</p:sld>
-</file>
-
-<file path=ppt/slides/slide8.xml><?xml version="1.0" encoding="utf-8"?>
-<p:sld xmlns:a="http://schemas.openxmlformats.org/drawingml/2006/main" xmlns:r="http://schemas.openxmlformats.org/officeDocument/2006/relationships" xmlns:p="http://schemas.openxmlformats.org/presentationml/2006/main" showMasterSp="0">
-  <p:cSld>
-    <p:bg>
-      <p:bgPr>
-        <a:blipFill dpi="0" rotWithShape="1">
-          <a:blip r:embed="rId2">
-            <a:lum/>
-          </a:blip>
-          <a:srcRect/>
-          <a:stretch>
-            <a:fillRect r="-6000"/>
-          </a:stretch>
-        </a:blipFill>
-        <a:effectLst/>
-      </p:bgPr>
-    </p:bg>
-    <p:spTree>
-      <p:nvGrpSpPr>
-        <p:cNvPr id="1" name=""/>
-        <p:cNvGrpSpPr/>
-        <p:nvPr/>
-      </p:nvGrpSpPr>
-      <p:grpSpPr>
-        <a:xfrm>
-          <a:off x="0" y="0"/>
-          <a:ext cx="0" cy="0"/>
-          <a:chOff x="0" y="0"/>
-          <a:chExt cx="0" cy="0"/>
-        </a:xfrm>
-      </p:grpSpPr>
-      <p:sp>
-        <p:nvSpPr>
-          <p:cNvPr id="2" name="Title 1"/>
-          <p:cNvSpPr>
-            <a:spLocks noGrp="1"/>
-          </p:cNvSpPr>
-          <p:nvPr>
-            <p:ph type="title"/>
-          </p:nvPr>
-        </p:nvSpPr>
-        <p:spPr>
-          <a:xfrm>
-            <a:off x="265322" y="420272"/>
-            <a:ext cx="8369284" cy="1015637"/>
-          </a:xfrm>
-          <a:prstGeom prst="rect">
-            <a:avLst/>
-          </a:prstGeom>
-        </p:spPr>
-        <p:txBody>
-          <a:bodyPr/>
-          <a:lstStyle/>
-          <a:p>
-            <a:pPr algn="l"/>
-            <a:r>
-              <a:rPr lang="en-US" sz="4000" dirty="0">
-                <a:latin typeface="Helvetica Neue"/>
-                <a:cs typeface="Helvetica Neue"/>
-              </a:rPr>
-              <a:t>Submission Conformance</a:t>
-            </a:r>
-            <a:endParaRPr lang="en-US" sz="4000" b="1" dirty="0">
-              <a:solidFill>
-                <a:srgbClr val="BBBCBC"/>
-              </a:solidFill>
-              <a:latin typeface="Helvetica Neue"/>
-              <a:cs typeface="Helvetica Neue"/>
-            </a:endParaRPr>
-          </a:p>
-        </p:txBody>
-      </p:sp>
-      <p:sp>
-        <p:nvSpPr>
-          <p:cNvPr id="3" name="Content Placeholder 2"/>
-          <p:cNvSpPr>
-            <a:spLocks noGrp="1"/>
-          </p:cNvSpPr>
-          <p:nvPr>
-            <p:ph idx="4294967295"/>
-          </p:nvPr>
-        </p:nvSpPr>
-        <p:spPr>
-          <a:xfrm>
-            <a:off x="265322" y="1600201"/>
-            <a:ext cx="8662778" cy="3834837"/>
-          </a:xfrm>
-          <a:prstGeom prst="rect">
-            <a:avLst/>
-          </a:prstGeom>
-        </p:spPr>
-        <p:txBody>
-          <a:bodyPr/>
-          <a:lstStyle/>
-          <a:p>
-            <a:r>
-              <a:rPr lang="en-US" dirty="0">
-                <a:latin typeface="Helvetica Neue"/>
-                <a:cs typeface="Helvetica Neue"/>
-              </a:rPr>
-              <a:t>Format and Content Completeness</a:t>
-            </a:r>
-          </a:p>
-          <a:p>
-            <a:r>
-              <a:rPr lang="en-US" dirty="0">
-                <a:latin typeface="Helvetica Neue"/>
-                <a:cs typeface="Helvetica Neue"/>
-              </a:rPr>
-              <a:t>FDA Standards Catalog</a:t>
-            </a:r>
-          </a:p>
-          <a:p>
-            <a:r>
-              <a:rPr lang="en-US" dirty="0">
-                <a:latin typeface="Helvetica Neue"/>
-                <a:cs typeface="Helvetica Neue"/>
-              </a:rPr>
-              <a:t>Automation of:</a:t>
-            </a:r>
-          </a:p>
-          <a:p>
-            <a:pPr lvl="1"/>
-            <a:r>
-              <a:rPr lang="en-US" dirty="0">
-                <a:latin typeface="Helvetica Neue"/>
-                <a:cs typeface="Helvetica Neue"/>
-              </a:rPr>
-              <a:t>Submission metadata collection</a:t>
-            </a:r>
-          </a:p>
-          <a:p>
-            <a:pPr lvl="1"/>
-            <a:r>
-              <a:rPr lang="en-US" dirty="0">
-                <a:latin typeface="Helvetica Neue"/>
-                <a:cs typeface="Helvetica Neue"/>
-              </a:rPr>
-              <a:t>Data validation</a:t>
-            </a:r>
-          </a:p>
-          <a:p>
-            <a:r>
-              <a:rPr lang="en-US" dirty="0">
-                <a:latin typeface="Helvetica Neue"/>
-                <a:cs typeface="Helvetica Neue"/>
-              </a:rPr>
-              <a:t>Collaboration with Academia (TBA!)</a:t>
-            </a:r>
-          </a:p>
-          <a:p>
-            <a:r>
-              <a:rPr lang="en-US" dirty="0">
-                <a:latin typeface="Helvetica Neue"/>
-                <a:cs typeface="Helvetica Neue"/>
-              </a:rPr>
-              <a:t>F.A.I.R.  </a:t>
-            </a:r>
-            <a:r>
-              <a:rPr lang="en-US" sz="1800" dirty="0">
-                <a:latin typeface="Helvetica Neue"/>
-                <a:cs typeface="Helvetica Neue"/>
-              </a:rPr>
-              <a:t>(Findable, Accessible, Interoperable, Reusable)</a:t>
-            </a:r>
-          </a:p>
-        </p:txBody>
-      </p:sp>
-    </p:spTree>
-    <p:extLst>
-      <p:ext uri="{BB962C8B-B14F-4D97-AF65-F5344CB8AC3E}">
-        <p14:creationId xmlns:p14="http://schemas.microsoft.com/office/powerpoint/2010/main" val="420154652"/>
-      </p:ext>
-    </p:extLst>
-  </p:cSld>
-  <p:clrMapOvr>
-    <a:masterClrMapping/>
-  </p:clrMapOvr>
-</p:sld>
-</file>
-
-<file path=ppt/slides/slide9.xml><?xml version="1.0" encoding="utf-8"?>
-<p:sld xmlns:a="http://schemas.openxmlformats.org/drawingml/2006/main" xmlns:r="http://schemas.openxmlformats.org/officeDocument/2006/relationships" xmlns:p="http://schemas.openxmlformats.org/presentationml/2006/main" showMasterSp="0">
-  <p:cSld>
-    <p:bg>
-      <p:bgPr>
-        <a:blipFill dpi="0" rotWithShape="1">
-          <a:blip r:embed="rId2">
-            <a:lum/>
-          </a:blip>
-          <a:srcRect/>
-          <a:stretch>
-            <a:fillRect r="-6000"/>
-          </a:stretch>
-        </a:blipFill>
-        <a:effectLst/>
-      </p:bgPr>
-    </p:bg>
-    <p:spTree>
-      <p:nvGrpSpPr>
-        <p:cNvPr id="1" name=""/>
-        <p:cNvGrpSpPr/>
-        <p:nvPr/>
-      </p:nvGrpSpPr>
-      <p:grpSpPr>
-        <a:xfrm>
-          <a:off x="0" y="0"/>
-          <a:ext cx="0" cy="0"/>
-          <a:chOff x="0" y="0"/>
-          <a:chExt cx="0" cy="0"/>
-        </a:xfrm>
-      </p:grpSpPr>
-      <p:sp>
-        <p:nvSpPr>
-          <p:cNvPr id="2" name="Title 1"/>
-          <p:cNvSpPr>
-            <a:spLocks noGrp="1"/>
-          </p:cNvSpPr>
-          <p:nvPr>
-            <p:ph type="title"/>
-          </p:nvPr>
-        </p:nvSpPr>
-        <p:spPr>
-          <a:xfrm>
-            <a:off x="265322" y="420272"/>
-            <a:ext cx="8369284" cy="1015637"/>
-          </a:xfrm>
-          <a:prstGeom prst="rect">
-            <a:avLst/>
-          </a:prstGeom>
-        </p:spPr>
-        <p:txBody>
-          <a:bodyPr/>
-          <a:lstStyle/>
-          <a:p>
-            <a:pPr algn="l"/>
-            <a:r>
-              <a:rPr lang="en-US" sz="4000" b="1" dirty="0">
-                <a:solidFill>
-                  <a:srgbClr val="BBBCBC"/>
-                </a:solidFill>
-                <a:latin typeface="Helvetica Neue"/>
-                <a:cs typeface="Helvetica Neue"/>
-              </a:rPr>
-              <a:t>I. Project Website</a:t>
-            </a:r>
-          </a:p>
-        </p:txBody>
-      </p:sp>
-      <p:pic>
-        <p:nvPicPr>
-          <p:cNvPr id="4" name="Picture 3" descr="A picture containing sky, indoor&#10;&#10;Description generated with very high confidence">
-            <a:extLst>
-              <a:ext uri="{FF2B5EF4-FFF2-40B4-BE49-F238E27FC236}">
-                <a16:creationId xmlns:a16="http://schemas.microsoft.com/office/drawing/2014/main" id="{D30A4E40-C833-4152-9057-052522E37442}"/>
-              </a:ext>
-            </a:extLst>
-          </p:cNvPr>
-          <p:cNvPicPr>
-            <a:picLocks noChangeAspect="1"/>
-          </p:cNvPicPr>
-          <p:nvPr/>
-        </p:nvPicPr>
-        <p:blipFill>
-          <a:blip r:embed="rId3">
-            <a:extLst>
-              <a:ext uri="{28A0092B-C50C-407E-A947-70E740481C1C}">
-                <a14:useLocalDpi xmlns:a14="http://schemas.microsoft.com/office/drawing/2010/main" val="0"/>
-              </a:ext>
-            </a:extLst>
-          </a:blip>
-          <a:stretch>
-            <a:fillRect/>
-          </a:stretch>
-        </p:blipFill>
-        <p:spPr>
-          <a:xfrm>
-            <a:off x="5130800" y="723431"/>
-            <a:ext cx="3856150" cy="3802218"/>
-          </a:xfrm>
-          <a:prstGeom prst="rect">
-            <a:avLst/>
-          </a:prstGeom>
-        </p:spPr>
-      </p:pic>
-      <p:sp>
-        <p:nvSpPr>
-          <p:cNvPr id="5" name="TextBox 4">
-            <a:extLst>
-              <a:ext uri="{FF2B5EF4-FFF2-40B4-BE49-F238E27FC236}">
-                <a16:creationId xmlns:a16="http://schemas.microsoft.com/office/drawing/2014/main" id="{12E5BEBE-8C8A-4130-8E87-E1242AEDD5B6}"/>
-              </a:ext>
-            </a:extLst>
-          </p:cNvPr>
-          <p:cNvSpPr txBox="1"/>
-          <p:nvPr/>
-        </p:nvSpPr>
-        <p:spPr>
-          <a:xfrm>
-            <a:off x="5362588" y="1988437"/>
-            <a:ext cx="1837361" cy="646331"/>
-          </a:xfrm>
-          <a:prstGeom prst="rect">
-            <a:avLst/>
-          </a:prstGeom>
-          <a:noFill/>
-        </p:spPr>
-        <p:txBody>
-          <a:bodyPr wrap="none" rtlCol="0">
-            <a:spAutoFit/>
-          </a:bodyPr>
-          <a:lstStyle/>
-          <a:p>
-            <a:pPr algn="ctr"/>
-            <a:r>
-              <a:rPr lang="en-US" i="1" dirty="0">
-                <a:solidFill>
-                  <a:schemeClr val="accent1">
-                    <a:lumMod val="50000"/>
-                  </a:schemeClr>
-                </a:solidFill>
-                <a:latin typeface="Calibri" panose="020F0502020204030204" pitchFamily="34" charset="0"/>
-                <a:cs typeface="Calibri" panose="020F0502020204030204" pitchFamily="34" charset="0"/>
-              </a:rPr>
-              <a:t>Violation of rule: </a:t>
-            </a:r>
-          </a:p>
-          <a:p>
-            <a:pPr algn="ctr"/>
-            <a:r>
-              <a:rPr lang="en-US" i="1" dirty="0">
-                <a:solidFill>
-                  <a:schemeClr val="accent1">
-                    <a:lumMod val="50000"/>
-                  </a:schemeClr>
-                </a:solidFill>
-                <a:latin typeface="Calibri" panose="020F0502020204030204" pitchFamily="34" charset="0"/>
-                <a:cs typeface="Calibri" panose="020F0502020204030204" pitchFamily="34" charset="0"/>
-              </a:rPr>
-              <a:t>Unique Subject ID</a:t>
-            </a:r>
-          </a:p>
-        </p:txBody>
-      </p:sp>
-      <p:sp>
-        <p:nvSpPr>
-          <p:cNvPr id="6" name="TextBox 5">
-            <a:extLst>
-              <a:ext uri="{FF2B5EF4-FFF2-40B4-BE49-F238E27FC236}">
-                <a16:creationId xmlns:a16="http://schemas.microsoft.com/office/drawing/2014/main" id="{9CF898D6-EFA5-461F-A821-C776D32B3E4C}"/>
-              </a:ext>
-            </a:extLst>
-          </p:cNvPr>
-          <p:cNvSpPr txBox="1"/>
-          <p:nvPr/>
-        </p:nvSpPr>
-        <p:spPr>
-          <a:xfrm>
-            <a:off x="265322" y="2311603"/>
-            <a:ext cx="4665251" cy="584775"/>
-          </a:xfrm>
-          <a:prstGeom prst="rect">
-            <a:avLst/>
-          </a:prstGeom>
-          <a:noFill/>
-        </p:spPr>
-        <p:txBody>
-          <a:bodyPr wrap="none" rtlCol="0">
-            <a:spAutoFit/>
-          </a:bodyPr>
-          <a:lstStyle/>
-          <a:p>
-            <a:r>
-              <a:rPr lang="en-US" sz="3200" dirty="0">
-                <a:solidFill>
-                  <a:srgbClr val="0000FF"/>
-                </a:solidFill>
-                <a:cs typeface="Arial" panose="020B0604020202020204" pitchFamily="34" charset="0"/>
-                <a:hlinkClick r:id="rId4"/>
-              </a:rPr>
-              <a:t>http://bit.ly/SENDConform</a:t>
-            </a:r>
-            <a:endParaRPr lang="en-US" sz="3200" dirty="0">
-              <a:solidFill>
-                <a:srgbClr val="0000FF"/>
-              </a:solidFill>
-              <a:cs typeface="Arial" panose="020B0604020202020204" pitchFamily="34" charset="0"/>
-            </a:endParaRPr>
-          </a:p>
-        </p:txBody>
-      </p:sp>
-      <p:sp>
-        <p:nvSpPr>
-          <p:cNvPr id="8" name="TextBox 7">
-            <a:extLst>
-              <a:ext uri="{FF2B5EF4-FFF2-40B4-BE49-F238E27FC236}">
-                <a16:creationId xmlns:a16="http://schemas.microsoft.com/office/drawing/2014/main" id="{58C8FF8C-CE9C-46C9-A650-C44B19A14E17}"/>
-              </a:ext>
-            </a:extLst>
-          </p:cNvPr>
-          <p:cNvSpPr txBox="1"/>
-          <p:nvPr/>
-        </p:nvSpPr>
-        <p:spPr>
-          <a:xfrm>
-            <a:off x="6674956" y="723431"/>
-            <a:ext cx="761747" cy="307777"/>
-          </a:xfrm>
-          <a:prstGeom prst="rect">
-            <a:avLst/>
-          </a:prstGeom>
-          <a:noFill/>
-        </p:spPr>
-        <p:txBody>
-          <a:bodyPr wrap="none" rtlCol="0">
-            <a:spAutoFit/>
-          </a:bodyPr>
-          <a:lstStyle>
-            <a:defPPr>
-              <a:defRPr lang="en-US"/>
-            </a:defPPr>
-            <a:lvl1pPr>
-              <a:defRPr sz="1400" b="1">
-                <a:solidFill>
-                  <a:schemeClr val="accent1">
-                    <a:lumMod val="75000"/>
-                  </a:schemeClr>
-                </a:solidFill>
-                <a:latin typeface="Arial" panose="020B0604020202020204" pitchFamily="34" charset="0"/>
-                <a:cs typeface="Arial" panose="020B0604020202020204" pitchFamily="34" charset="0"/>
-              </a:defRPr>
-            </a:lvl1pPr>
-          </a:lstStyle>
-          <a:p>
-            <a:r>
-              <a:rPr lang="en-US" dirty="0">
-                <a:solidFill>
-                  <a:srgbClr val="7030A0"/>
-                </a:solidFill>
-              </a:rPr>
-              <a:t>Report</a:t>
-            </a:r>
-          </a:p>
-        </p:txBody>
-      </p:sp>
-      <p:sp>
-        <p:nvSpPr>
-          <p:cNvPr id="9" name="TextBox 8">
-            <a:extLst>
-              <a:ext uri="{FF2B5EF4-FFF2-40B4-BE49-F238E27FC236}">
-                <a16:creationId xmlns:a16="http://schemas.microsoft.com/office/drawing/2014/main" id="{489373E0-CDF0-4CAB-9580-F8FF2DB1B893}"/>
-              </a:ext>
-            </a:extLst>
-          </p:cNvPr>
-          <p:cNvSpPr txBox="1"/>
-          <p:nvPr/>
-        </p:nvSpPr>
-        <p:spPr>
-          <a:xfrm>
-            <a:off x="5863408" y="3076628"/>
-            <a:ext cx="572593" cy="307777"/>
-          </a:xfrm>
-          <a:prstGeom prst="rect">
-            <a:avLst/>
-          </a:prstGeom>
-          <a:noFill/>
-        </p:spPr>
-        <p:txBody>
-          <a:bodyPr wrap="none" rtlCol="0">
-            <a:spAutoFit/>
-          </a:bodyPr>
-          <a:lstStyle/>
-          <a:p>
-            <a:r>
-              <a:rPr lang="en-US" sz="1400" b="1" dirty="0">
-                <a:solidFill>
-                  <a:schemeClr val="accent1">
-                    <a:lumMod val="75000"/>
-                  </a:schemeClr>
-                </a:solidFill>
-                <a:latin typeface="Arial" panose="020B0604020202020204" pitchFamily="34" charset="0"/>
-                <a:cs typeface="Arial" panose="020B0604020202020204" pitchFamily="34" charset="0"/>
-              </a:rPr>
-              <a:t>Data</a:t>
-            </a:r>
-          </a:p>
-        </p:txBody>
-      </p:sp>
-      <p:sp>
-        <p:nvSpPr>
-          <p:cNvPr id="10" name="TextBox 9">
-            <a:extLst>
-              <a:ext uri="{FF2B5EF4-FFF2-40B4-BE49-F238E27FC236}">
-                <a16:creationId xmlns:a16="http://schemas.microsoft.com/office/drawing/2014/main" id="{913B7FE3-370B-48ED-B465-673D1B072BBA}"/>
-              </a:ext>
-            </a:extLst>
-          </p:cNvPr>
-          <p:cNvSpPr txBox="1"/>
-          <p:nvPr/>
-        </p:nvSpPr>
-        <p:spPr>
-          <a:xfrm>
-            <a:off x="8183525" y="4106817"/>
-            <a:ext cx="803425" cy="307777"/>
-          </a:xfrm>
-          <a:prstGeom prst="rect">
-            <a:avLst/>
-          </a:prstGeom>
-          <a:noFill/>
-        </p:spPr>
-        <p:txBody>
-          <a:bodyPr wrap="none" rtlCol="0">
-            <a:spAutoFit/>
-          </a:bodyPr>
-          <a:lstStyle>
-            <a:defPPr>
-              <a:defRPr lang="en-US"/>
-            </a:defPPr>
-            <a:lvl1pPr>
-              <a:defRPr sz="1400">
-                <a:solidFill>
-                  <a:schemeClr val="accent1">
-                    <a:lumMod val="75000"/>
-                  </a:schemeClr>
-                </a:solidFill>
-                <a:latin typeface="Arial" panose="020B0604020202020204" pitchFamily="34" charset="0"/>
-                <a:cs typeface="Arial" panose="020B0604020202020204" pitchFamily="34" charset="0"/>
-              </a:defRPr>
-            </a:lvl1pPr>
-          </a:lstStyle>
-          <a:p>
-            <a:r>
-              <a:rPr lang="en-US" b="1" dirty="0">
-                <a:solidFill>
-                  <a:schemeClr val="accent6">
-                    <a:lumMod val="75000"/>
-                  </a:schemeClr>
-                </a:solidFill>
-              </a:rPr>
-              <a:t>SHACL</a:t>
-            </a:r>
-          </a:p>
-        </p:txBody>
-      </p:sp>
-    </p:spTree>
-    <p:extLst>
-      <p:ext uri="{BB962C8B-B14F-4D97-AF65-F5344CB8AC3E}">
-        <p14:creationId xmlns:p14="http://schemas.microsoft.com/office/powerpoint/2010/main" val="3877750731"/>
-      </p:ext>
-    </p:extLst>
-  </p:cSld>
-  <p:clrMapOvr>
-    <a:masterClrMapping/>
-  </p:clrMapOvr>
 </p:sld>
 </file>
 
